--- a/slides-source/kokkos/diagrams.pptx
+++ b/slides-source/kokkos/diagrams.pptx
@@ -7,6 +7,13 @@
   <p:sldIdLst>
     <p:sldId id="256" r:id="rId2"/>
     <p:sldId id="257" r:id="rId3"/>
+    <p:sldId id="263" r:id="rId4"/>
+    <p:sldId id="264" r:id="rId5"/>
+    <p:sldId id="258" r:id="rId6"/>
+    <p:sldId id="259" r:id="rId7"/>
+    <p:sldId id="260" r:id="rId8"/>
+    <p:sldId id="261" r:id="rId9"/>
+    <p:sldId id="262" r:id="rId10"/>
   </p:sldIdLst>
   <p:sldSz cx="12192000" cy="6858000"/>
   <p:notesSz cx="6858000" cy="9144000"/>
@@ -105,6 +112,11 @@
       </a:defRPr>
     </a:lvl9pPr>
   </p:defaultTextStyle>
+  <p:extLst>
+    <p:ext uri="{EFAFB233-063F-42B5-8137-9DF3F51BA10A}">
+      <p15:sldGuideLst xmlns:p15="http://schemas.microsoft.com/office/powerpoint/2012/main"/>
+    </p:ext>
+  </p:extLst>
 </p:presentation>
 </file>
 
@@ -257,7 +269,7 @@
           <a:p>
             <a:fld id="{33BCE434-525F-489A-B5A5-93FFB7383066}" type="datetimeFigureOut">
               <a:rPr lang="LID4096" smtClean="0"/>
-              <a:t>08/20/2024</a:t>
+              <a:t>08/21/2024</a:t>
             </a:fld>
             <a:endParaRPr lang="LID4096"/>
           </a:p>
@@ -457,7 +469,7 @@
           <a:p>
             <a:fld id="{33BCE434-525F-489A-B5A5-93FFB7383066}" type="datetimeFigureOut">
               <a:rPr lang="LID4096" smtClean="0"/>
-              <a:t>08/20/2024</a:t>
+              <a:t>08/21/2024</a:t>
             </a:fld>
             <a:endParaRPr lang="LID4096"/>
           </a:p>
@@ -667,7 +679,7 @@
           <a:p>
             <a:fld id="{33BCE434-525F-489A-B5A5-93FFB7383066}" type="datetimeFigureOut">
               <a:rPr lang="LID4096" smtClean="0"/>
-              <a:t>08/20/2024</a:t>
+              <a:t>08/21/2024</a:t>
             </a:fld>
             <a:endParaRPr lang="LID4096"/>
           </a:p>
@@ -867,7 +879,7 @@
           <a:p>
             <a:fld id="{33BCE434-525F-489A-B5A5-93FFB7383066}" type="datetimeFigureOut">
               <a:rPr lang="LID4096" smtClean="0"/>
-              <a:t>08/20/2024</a:t>
+              <a:t>08/21/2024</a:t>
             </a:fld>
             <a:endParaRPr lang="LID4096"/>
           </a:p>
@@ -1143,7 +1155,7 @@
           <a:p>
             <a:fld id="{33BCE434-525F-489A-B5A5-93FFB7383066}" type="datetimeFigureOut">
               <a:rPr lang="LID4096" smtClean="0"/>
-              <a:t>08/20/2024</a:t>
+              <a:t>08/21/2024</a:t>
             </a:fld>
             <a:endParaRPr lang="LID4096"/>
           </a:p>
@@ -1411,7 +1423,7 @@
           <a:p>
             <a:fld id="{33BCE434-525F-489A-B5A5-93FFB7383066}" type="datetimeFigureOut">
               <a:rPr lang="LID4096" smtClean="0"/>
-              <a:t>08/20/2024</a:t>
+              <a:t>08/21/2024</a:t>
             </a:fld>
             <a:endParaRPr lang="LID4096"/>
           </a:p>
@@ -1826,7 +1838,7 @@
           <a:p>
             <a:fld id="{33BCE434-525F-489A-B5A5-93FFB7383066}" type="datetimeFigureOut">
               <a:rPr lang="LID4096" smtClean="0"/>
-              <a:t>08/20/2024</a:t>
+              <a:t>08/21/2024</a:t>
             </a:fld>
             <a:endParaRPr lang="LID4096"/>
           </a:p>
@@ -1968,7 +1980,7 @@
           <a:p>
             <a:fld id="{33BCE434-525F-489A-B5A5-93FFB7383066}" type="datetimeFigureOut">
               <a:rPr lang="LID4096" smtClean="0"/>
-              <a:t>08/20/2024</a:t>
+              <a:t>08/21/2024</a:t>
             </a:fld>
             <a:endParaRPr lang="LID4096"/>
           </a:p>
@@ -2081,7 +2093,7 @@
           <a:p>
             <a:fld id="{33BCE434-525F-489A-B5A5-93FFB7383066}" type="datetimeFigureOut">
               <a:rPr lang="LID4096" smtClean="0"/>
-              <a:t>08/20/2024</a:t>
+              <a:t>08/21/2024</a:t>
             </a:fld>
             <a:endParaRPr lang="LID4096"/>
           </a:p>
@@ -2394,7 +2406,7 @@
           <a:p>
             <a:fld id="{33BCE434-525F-489A-B5A5-93FFB7383066}" type="datetimeFigureOut">
               <a:rPr lang="LID4096" smtClean="0"/>
-              <a:t>08/20/2024</a:t>
+              <a:t>08/21/2024</a:t>
             </a:fld>
             <a:endParaRPr lang="LID4096"/>
           </a:p>
@@ -2683,7 +2695,7 @@
           <a:p>
             <a:fld id="{33BCE434-525F-489A-B5A5-93FFB7383066}" type="datetimeFigureOut">
               <a:rPr lang="LID4096" smtClean="0"/>
-              <a:t>08/20/2024</a:t>
+              <a:t>08/21/2024</a:t>
             </a:fld>
             <a:endParaRPr lang="LID4096"/>
           </a:p>
@@ -2926,7 +2938,7 @@
           <a:p>
             <a:fld id="{33BCE434-525F-489A-B5A5-93FFB7383066}" type="datetimeFigureOut">
               <a:rPr lang="LID4096" smtClean="0"/>
-              <a:t>08/20/2024</a:t>
+              <a:t>08/21/2024</a:t>
             </a:fld>
             <a:endParaRPr lang="LID4096"/>
           </a:p>
@@ -4926,6 +4938,6819 @@
 </p:sld>
 </file>
 
+<file path=ppt/slides/slide3.xml><?xml version="1.0" encoding="utf-8"?>
+<p:sld xmlns:a="http://schemas.openxmlformats.org/drawingml/2006/main" xmlns:r="http://schemas.openxmlformats.org/officeDocument/2006/relationships" xmlns:p="http://schemas.openxmlformats.org/presentationml/2006/main">
+  <p:cSld>
+    <p:spTree>
+      <p:nvGrpSpPr>
+        <p:cNvPr id="1" name=""/>
+        <p:cNvGrpSpPr/>
+        <p:nvPr/>
+      </p:nvGrpSpPr>
+      <p:grpSpPr>
+        <a:xfrm>
+          <a:off x="0" y="0"/>
+          <a:ext cx="0" cy="0"/>
+          <a:chOff x="0" y="0"/>
+          <a:chExt cx="0" cy="0"/>
+        </a:xfrm>
+      </p:grpSpPr>
+      <p:grpSp>
+        <p:nvGrpSpPr>
+          <p:cNvPr id="6" name="Group 5">
+            <a:extLst>
+              <a:ext uri="{FF2B5EF4-FFF2-40B4-BE49-F238E27FC236}">
+                <a16:creationId xmlns:a16="http://schemas.microsoft.com/office/drawing/2014/main" id="{E219ADA0-B066-409D-20D7-BD2F27A2AE5A}"/>
+              </a:ext>
+            </a:extLst>
+          </p:cNvPr>
+          <p:cNvGrpSpPr/>
+          <p:nvPr/>
+        </p:nvGrpSpPr>
+        <p:grpSpPr>
+          <a:xfrm>
+            <a:off x="997974" y="5246133"/>
+            <a:ext cx="10589342" cy="825909"/>
+            <a:chOff x="943897" y="5211097"/>
+            <a:chExt cx="10589342" cy="825909"/>
+          </a:xfrm>
+        </p:grpSpPr>
+        <p:sp>
+          <p:nvSpPr>
+            <p:cNvPr id="4" name="Rectangle 3">
+              <a:extLst>
+                <a:ext uri="{FF2B5EF4-FFF2-40B4-BE49-F238E27FC236}">
+                  <a16:creationId xmlns:a16="http://schemas.microsoft.com/office/drawing/2014/main" id="{5BD7A810-1641-62B8-9067-9B37B4E1C93D}"/>
+                </a:ext>
+              </a:extLst>
+            </p:cNvPr>
+            <p:cNvSpPr/>
+            <p:nvPr/>
+          </p:nvSpPr>
+          <p:spPr>
+            <a:xfrm>
+              <a:off x="2182761" y="5211097"/>
+              <a:ext cx="9350478" cy="825909"/>
+            </a:xfrm>
+            <a:prstGeom prst="rect">
+              <a:avLst/>
+            </a:prstGeom>
+            <a:solidFill>
+              <a:schemeClr val="bg1">
+                <a:lumMod val="95000"/>
+              </a:schemeClr>
+            </a:solidFill>
+          </p:spPr>
+          <p:style>
+            <a:lnRef idx="2">
+              <a:schemeClr val="accent1">
+                <a:shade val="15000"/>
+              </a:schemeClr>
+            </a:lnRef>
+            <a:fillRef idx="1">
+              <a:schemeClr val="accent1"/>
+            </a:fillRef>
+            <a:effectRef idx="0">
+              <a:schemeClr val="accent1"/>
+            </a:effectRef>
+            <a:fontRef idx="minor">
+              <a:schemeClr val="lt1"/>
+            </a:fontRef>
+          </p:style>
+          <p:txBody>
+            <a:bodyPr rtlCol="0" anchor="ctr"/>
+            <a:lstStyle/>
+            <a:p>
+              <a:pPr algn="ctr"/>
+              <a:endParaRPr lang="LID4096" dirty="0"/>
+            </a:p>
+          </p:txBody>
+        </p:sp>
+        <p:sp>
+          <p:nvSpPr>
+            <p:cNvPr id="5" name="TextBox 4">
+              <a:extLst>
+                <a:ext uri="{FF2B5EF4-FFF2-40B4-BE49-F238E27FC236}">
+                  <a16:creationId xmlns:a16="http://schemas.microsoft.com/office/drawing/2014/main" id="{580E9D98-436A-4EA7-FE80-E936B72DB400}"/>
+                </a:ext>
+              </a:extLst>
+            </p:cNvPr>
+            <p:cNvSpPr txBox="1"/>
+            <p:nvPr/>
+          </p:nvSpPr>
+          <p:spPr>
+            <a:xfrm>
+              <a:off x="943897" y="5427406"/>
+              <a:ext cx="983026" cy="369332"/>
+            </a:xfrm>
+            <a:prstGeom prst="rect">
+              <a:avLst/>
+            </a:prstGeom>
+            <a:noFill/>
+          </p:spPr>
+          <p:txBody>
+            <a:bodyPr wrap="none" rtlCol="0">
+              <a:spAutoFit/>
+            </a:bodyPr>
+            <a:lstStyle/>
+            <a:p>
+              <a:r>
+                <a:rPr lang="en-US" dirty="0"/>
+                <a:t>process</a:t>
+              </a:r>
+              <a:endParaRPr lang="LID4096" dirty="0"/>
+            </a:p>
+          </p:txBody>
+        </p:sp>
+      </p:grpSp>
+      <p:grpSp>
+        <p:nvGrpSpPr>
+          <p:cNvPr id="7" name="Group 6">
+            <a:extLst>
+              <a:ext uri="{FF2B5EF4-FFF2-40B4-BE49-F238E27FC236}">
+                <a16:creationId xmlns:a16="http://schemas.microsoft.com/office/drawing/2014/main" id="{13E72877-6C08-BB5D-67A9-AEAF201158BA}"/>
+              </a:ext>
+            </a:extLst>
+          </p:cNvPr>
+          <p:cNvGrpSpPr/>
+          <p:nvPr/>
+        </p:nvGrpSpPr>
+        <p:grpSpPr>
+          <a:xfrm>
+            <a:off x="997974" y="1509251"/>
+            <a:ext cx="10589342" cy="825909"/>
+            <a:chOff x="943897" y="5211097"/>
+            <a:chExt cx="10589342" cy="825909"/>
+          </a:xfrm>
+        </p:grpSpPr>
+        <p:sp>
+          <p:nvSpPr>
+            <p:cNvPr id="8" name="Rectangle 7">
+              <a:extLst>
+                <a:ext uri="{FF2B5EF4-FFF2-40B4-BE49-F238E27FC236}">
+                  <a16:creationId xmlns:a16="http://schemas.microsoft.com/office/drawing/2014/main" id="{CBC1D772-9664-F511-DAFF-0922007D58D9}"/>
+                </a:ext>
+              </a:extLst>
+            </p:cNvPr>
+            <p:cNvSpPr/>
+            <p:nvPr/>
+          </p:nvSpPr>
+          <p:spPr>
+            <a:xfrm>
+              <a:off x="2182761" y="5211097"/>
+              <a:ext cx="9350478" cy="825909"/>
+            </a:xfrm>
+            <a:prstGeom prst="rect">
+              <a:avLst/>
+            </a:prstGeom>
+            <a:solidFill>
+              <a:schemeClr val="bg1">
+                <a:lumMod val="95000"/>
+              </a:schemeClr>
+            </a:solidFill>
+          </p:spPr>
+          <p:style>
+            <a:lnRef idx="2">
+              <a:schemeClr val="accent1">
+                <a:shade val="15000"/>
+              </a:schemeClr>
+            </a:lnRef>
+            <a:fillRef idx="1">
+              <a:schemeClr val="accent1"/>
+            </a:fillRef>
+            <a:effectRef idx="0">
+              <a:schemeClr val="accent1"/>
+            </a:effectRef>
+            <a:fontRef idx="minor">
+              <a:schemeClr val="lt1"/>
+            </a:fontRef>
+          </p:style>
+          <p:txBody>
+            <a:bodyPr rtlCol="0" anchor="ctr"/>
+            <a:lstStyle/>
+            <a:p>
+              <a:pPr algn="ctr"/>
+              <a:endParaRPr lang="LID4096" dirty="0"/>
+            </a:p>
+          </p:txBody>
+        </p:sp>
+        <p:sp>
+          <p:nvSpPr>
+            <p:cNvPr id="9" name="TextBox 8">
+              <a:extLst>
+                <a:ext uri="{FF2B5EF4-FFF2-40B4-BE49-F238E27FC236}">
+                  <a16:creationId xmlns:a16="http://schemas.microsoft.com/office/drawing/2014/main" id="{6E5F146F-0395-39B2-D84C-D7AF6BB25F48}"/>
+                </a:ext>
+              </a:extLst>
+            </p:cNvPr>
+            <p:cNvSpPr txBox="1"/>
+            <p:nvPr/>
+          </p:nvSpPr>
+          <p:spPr>
+            <a:xfrm>
+              <a:off x="943897" y="5427406"/>
+              <a:ext cx="638316" cy="369332"/>
+            </a:xfrm>
+            <a:prstGeom prst="rect">
+              <a:avLst/>
+            </a:prstGeom>
+            <a:noFill/>
+          </p:spPr>
+          <p:txBody>
+            <a:bodyPr wrap="none" rtlCol="0">
+              <a:spAutoFit/>
+            </a:bodyPr>
+            <a:lstStyle/>
+            <a:p>
+              <a:r>
+                <a:rPr lang="en-US" dirty="0"/>
+                <a:t>GPU</a:t>
+              </a:r>
+              <a:endParaRPr lang="LID4096" dirty="0"/>
+            </a:p>
+          </p:txBody>
+        </p:sp>
+      </p:grpSp>
+      <p:grpSp>
+        <p:nvGrpSpPr>
+          <p:cNvPr id="10" name="Group 9">
+            <a:extLst>
+              <a:ext uri="{FF2B5EF4-FFF2-40B4-BE49-F238E27FC236}">
+                <a16:creationId xmlns:a16="http://schemas.microsoft.com/office/drawing/2014/main" id="{935263E2-5E46-1181-D78C-9CD33A1DE463}"/>
+              </a:ext>
+            </a:extLst>
+          </p:cNvPr>
+          <p:cNvGrpSpPr/>
+          <p:nvPr/>
+        </p:nvGrpSpPr>
+        <p:grpSpPr>
+          <a:xfrm>
+            <a:off x="997974" y="3255861"/>
+            <a:ext cx="10589342" cy="825909"/>
+            <a:chOff x="943897" y="5211097"/>
+            <a:chExt cx="10589342" cy="825909"/>
+          </a:xfrm>
+        </p:grpSpPr>
+        <p:sp>
+          <p:nvSpPr>
+            <p:cNvPr id="11" name="Rectangle 10">
+              <a:extLst>
+                <a:ext uri="{FF2B5EF4-FFF2-40B4-BE49-F238E27FC236}">
+                  <a16:creationId xmlns:a16="http://schemas.microsoft.com/office/drawing/2014/main" id="{3FECE88D-268A-5BC6-C00A-21545C2AA45E}"/>
+                </a:ext>
+              </a:extLst>
+            </p:cNvPr>
+            <p:cNvSpPr/>
+            <p:nvPr/>
+          </p:nvSpPr>
+          <p:spPr>
+            <a:xfrm>
+              <a:off x="2182761" y="5211097"/>
+              <a:ext cx="9350478" cy="825909"/>
+            </a:xfrm>
+            <a:prstGeom prst="rect">
+              <a:avLst/>
+            </a:prstGeom>
+            <a:solidFill>
+              <a:schemeClr val="bg1">
+                <a:lumMod val="95000"/>
+              </a:schemeClr>
+            </a:solidFill>
+          </p:spPr>
+          <p:style>
+            <a:lnRef idx="2">
+              <a:schemeClr val="accent1">
+                <a:shade val="15000"/>
+              </a:schemeClr>
+            </a:lnRef>
+            <a:fillRef idx="1">
+              <a:schemeClr val="accent1"/>
+            </a:fillRef>
+            <a:effectRef idx="0">
+              <a:schemeClr val="accent1"/>
+            </a:effectRef>
+            <a:fontRef idx="minor">
+              <a:schemeClr val="lt1"/>
+            </a:fontRef>
+          </p:style>
+          <p:txBody>
+            <a:bodyPr rtlCol="0" anchor="ctr"/>
+            <a:lstStyle/>
+            <a:p>
+              <a:pPr algn="ctr"/>
+              <a:endParaRPr lang="LID4096" dirty="0"/>
+            </a:p>
+          </p:txBody>
+        </p:sp>
+        <p:sp>
+          <p:nvSpPr>
+            <p:cNvPr id="12" name="TextBox 11">
+              <a:extLst>
+                <a:ext uri="{FF2B5EF4-FFF2-40B4-BE49-F238E27FC236}">
+                  <a16:creationId xmlns:a16="http://schemas.microsoft.com/office/drawing/2014/main" id="{6572CC7B-EAA0-98BC-B9AD-D39317C588EA}"/>
+                </a:ext>
+              </a:extLst>
+            </p:cNvPr>
+            <p:cNvSpPr txBox="1"/>
+            <p:nvPr/>
+          </p:nvSpPr>
+          <p:spPr>
+            <a:xfrm>
+              <a:off x="943897" y="5427406"/>
+              <a:ext cx="635110" cy="369332"/>
+            </a:xfrm>
+            <a:prstGeom prst="rect">
+              <a:avLst/>
+            </a:prstGeom>
+            <a:noFill/>
+          </p:spPr>
+          <p:txBody>
+            <a:bodyPr wrap="none" rtlCol="0">
+              <a:spAutoFit/>
+            </a:bodyPr>
+            <a:lstStyle/>
+            <a:p>
+              <a:r>
+                <a:rPr lang="en-US" dirty="0"/>
+                <a:t>CPU</a:t>
+              </a:r>
+              <a:endParaRPr lang="LID4096" dirty="0"/>
+            </a:p>
+          </p:txBody>
+        </p:sp>
+      </p:grpSp>
+      <p:grpSp>
+        <p:nvGrpSpPr>
+          <p:cNvPr id="18" name="Group 17">
+            <a:extLst>
+              <a:ext uri="{FF2B5EF4-FFF2-40B4-BE49-F238E27FC236}">
+                <a16:creationId xmlns:a16="http://schemas.microsoft.com/office/drawing/2014/main" id="{1C805DC7-1405-330A-C87B-8825D176C036}"/>
+              </a:ext>
+            </a:extLst>
+          </p:cNvPr>
+          <p:cNvGrpSpPr/>
+          <p:nvPr/>
+        </p:nvGrpSpPr>
+        <p:grpSpPr>
+          <a:xfrm>
+            <a:off x="2349910" y="1737539"/>
+            <a:ext cx="2257559" cy="4059199"/>
+            <a:chOff x="2349910" y="1737539"/>
+            <a:chExt cx="2257559" cy="4059199"/>
+          </a:xfrm>
+        </p:grpSpPr>
+        <p:sp>
+          <p:nvSpPr>
+            <p:cNvPr id="13" name="TextBox 12">
+              <a:extLst>
+                <a:ext uri="{FF2B5EF4-FFF2-40B4-BE49-F238E27FC236}">
+                  <a16:creationId xmlns:a16="http://schemas.microsoft.com/office/drawing/2014/main" id="{1FF72C8E-7AC4-3656-71C2-CA67D2D244A5}"/>
+                </a:ext>
+              </a:extLst>
+            </p:cNvPr>
+            <p:cNvSpPr txBox="1"/>
+            <p:nvPr/>
+          </p:nvSpPr>
+          <p:spPr>
+            <a:xfrm>
+              <a:off x="2349910" y="5427406"/>
+              <a:ext cx="1024896" cy="369332"/>
+            </a:xfrm>
+            <a:prstGeom prst="rect">
+              <a:avLst/>
+            </a:prstGeom>
+            <a:solidFill>
+              <a:schemeClr val="bg1"/>
+            </a:solidFill>
+            <a:ln>
+              <a:solidFill>
+                <a:schemeClr val="tx1"/>
+              </a:solidFill>
+            </a:ln>
+          </p:spPr>
+          <p:txBody>
+            <a:bodyPr wrap="none" rtlCol="0">
+              <a:spAutoFit/>
+            </a:bodyPr>
+            <a:lstStyle/>
+            <a:p>
+              <a:pPr algn="ctr"/>
+              <a:r>
+                <a:rPr lang="en-US" dirty="0" err="1"/>
+                <a:t>par_for</a:t>
+              </a:r>
+              <a:r>
+                <a:rPr lang="en-US" dirty="0"/>
+                <a:t>()</a:t>
+              </a:r>
+              <a:endParaRPr lang="LID4096" dirty="0"/>
+            </a:p>
+          </p:txBody>
+        </p:sp>
+        <p:sp>
+          <p:nvSpPr>
+            <p:cNvPr id="14" name="TextBox 13">
+              <a:extLst>
+                <a:ext uri="{FF2B5EF4-FFF2-40B4-BE49-F238E27FC236}">
+                  <a16:creationId xmlns:a16="http://schemas.microsoft.com/office/drawing/2014/main" id="{17729DD2-268C-FB71-6C2A-3F5635C4D19F}"/>
+                </a:ext>
+              </a:extLst>
+            </p:cNvPr>
+            <p:cNvSpPr txBox="1"/>
+            <p:nvPr/>
+          </p:nvSpPr>
+          <p:spPr>
+            <a:xfrm>
+              <a:off x="2818191" y="1737539"/>
+              <a:ext cx="1789278" cy="369332"/>
+            </a:xfrm>
+            <a:prstGeom prst="rect">
+              <a:avLst/>
+            </a:prstGeom>
+            <a:solidFill>
+              <a:schemeClr val="bg1"/>
+            </a:solidFill>
+            <a:ln>
+              <a:solidFill>
+                <a:schemeClr val="tx1"/>
+              </a:solidFill>
+            </a:ln>
+          </p:spPr>
+          <p:txBody>
+            <a:bodyPr wrap="square" rtlCol="0">
+              <a:spAutoFit/>
+            </a:bodyPr>
+            <a:lstStyle/>
+            <a:p>
+              <a:pPr algn="ctr"/>
+              <a:r>
+                <a:rPr lang="en-US" dirty="0"/>
+                <a:t>Kernel 1</a:t>
+              </a:r>
+              <a:endParaRPr lang="LID4096" dirty="0"/>
+            </a:p>
+          </p:txBody>
+        </p:sp>
+        <p:cxnSp>
+          <p:nvCxnSpPr>
+            <p:cNvPr id="16" name="Straight Arrow Connector 15">
+              <a:extLst>
+                <a:ext uri="{FF2B5EF4-FFF2-40B4-BE49-F238E27FC236}">
+                  <a16:creationId xmlns:a16="http://schemas.microsoft.com/office/drawing/2014/main" id="{6A368571-1C71-A143-069B-76D9875C1088}"/>
+                </a:ext>
+              </a:extLst>
+            </p:cNvPr>
+            <p:cNvCxnSpPr>
+              <a:cxnSpLocks/>
+              <a:stCxn id="13" idx="0"/>
+              <a:endCxn id="14" idx="1"/>
+            </p:cNvCxnSpPr>
+            <p:nvPr/>
+          </p:nvCxnSpPr>
+          <p:spPr>
+            <a:xfrm flipH="1" flipV="1">
+              <a:off x="2818191" y="1922205"/>
+              <a:ext cx="44167" cy="3505201"/>
+            </a:xfrm>
+            <a:prstGeom prst="straightConnector1">
+              <a:avLst/>
+            </a:prstGeom>
+            <a:ln>
+              <a:tailEnd type="none"/>
+            </a:ln>
+          </p:spPr>
+          <p:style>
+            <a:lnRef idx="2">
+              <a:schemeClr val="accent1"/>
+            </a:lnRef>
+            <a:fillRef idx="0">
+              <a:schemeClr val="accent1"/>
+            </a:fillRef>
+            <a:effectRef idx="1">
+              <a:schemeClr val="accent1"/>
+            </a:effectRef>
+            <a:fontRef idx="minor">
+              <a:schemeClr val="tx1"/>
+            </a:fontRef>
+          </p:style>
+        </p:cxnSp>
+      </p:grpSp>
+      <p:grpSp>
+        <p:nvGrpSpPr>
+          <p:cNvPr id="19" name="Group 18">
+            <a:extLst>
+              <a:ext uri="{FF2B5EF4-FFF2-40B4-BE49-F238E27FC236}">
+                <a16:creationId xmlns:a16="http://schemas.microsoft.com/office/drawing/2014/main" id="{832CDE15-9EA0-6A2A-4B62-916B4E5C555D}"/>
+              </a:ext>
+            </a:extLst>
+          </p:cNvPr>
+          <p:cNvGrpSpPr/>
+          <p:nvPr/>
+        </p:nvGrpSpPr>
+        <p:grpSpPr>
+          <a:xfrm>
+            <a:off x="3527984" y="1725560"/>
+            <a:ext cx="3197275" cy="4071178"/>
+            <a:chOff x="2401479" y="1725560"/>
+            <a:chExt cx="3197275" cy="4071178"/>
+          </a:xfrm>
+        </p:grpSpPr>
+        <p:sp>
+          <p:nvSpPr>
+            <p:cNvPr id="20" name="TextBox 19">
+              <a:extLst>
+                <a:ext uri="{FF2B5EF4-FFF2-40B4-BE49-F238E27FC236}">
+                  <a16:creationId xmlns:a16="http://schemas.microsoft.com/office/drawing/2014/main" id="{C3C9F0D4-C61A-D3F1-D857-3DEBFDA4004D}"/>
+                </a:ext>
+              </a:extLst>
+            </p:cNvPr>
+            <p:cNvSpPr txBox="1"/>
+            <p:nvPr/>
+          </p:nvSpPr>
+          <p:spPr>
+            <a:xfrm>
+              <a:off x="2401479" y="5427406"/>
+              <a:ext cx="3197271" cy="369332"/>
+            </a:xfrm>
+            <a:prstGeom prst="rect">
+              <a:avLst/>
+            </a:prstGeom>
+            <a:solidFill>
+              <a:schemeClr val="bg1"/>
+            </a:solidFill>
+            <a:ln>
+              <a:solidFill>
+                <a:schemeClr val="tx1"/>
+              </a:solidFill>
+            </a:ln>
+          </p:spPr>
+          <p:txBody>
+            <a:bodyPr wrap="square" rtlCol="0">
+              <a:spAutoFit/>
+            </a:bodyPr>
+            <a:lstStyle/>
+            <a:p>
+              <a:pPr algn="ctr"/>
+              <a:r>
+                <a:rPr lang="en-US" dirty="0" err="1"/>
+                <a:t>par_reduce</a:t>
+              </a:r>
+              <a:r>
+                <a:rPr lang="en-US" dirty="0"/>
+                <a:t>()</a:t>
+              </a:r>
+              <a:endParaRPr lang="LID4096" dirty="0"/>
+            </a:p>
+          </p:txBody>
+        </p:sp>
+        <p:sp>
+          <p:nvSpPr>
+            <p:cNvPr id="21" name="TextBox 20">
+              <a:extLst>
+                <a:ext uri="{FF2B5EF4-FFF2-40B4-BE49-F238E27FC236}">
+                  <a16:creationId xmlns:a16="http://schemas.microsoft.com/office/drawing/2014/main" id="{F5B9591C-C82B-9DC0-FB34-5C4F4B7BF15F}"/>
+                </a:ext>
+              </a:extLst>
+            </p:cNvPr>
+            <p:cNvSpPr txBox="1"/>
+            <p:nvPr/>
+          </p:nvSpPr>
+          <p:spPr>
+            <a:xfrm>
+              <a:off x="3656884" y="1725560"/>
+              <a:ext cx="1941870" cy="369332"/>
+            </a:xfrm>
+            <a:prstGeom prst="rect">
+              <a:avLst/>
+            </a:prstGeom>
+            <a:solidFill>
+              <a:schemeClr val="bg1"/>
+            </a:solidFill>
+            <a:ln>
+              <a:solidFill>
+                <a:schemeClr val="tx1"/>
+              </a:solidFill>
+            </a:ln>
+          </p:spPr>
+          <p:txBody>
+            <a:bodyPr wrap="square" rtlCol="0">
+              <a:spAutoFit/>
+            </a:bodyPr>
+            <a:lstStyle/>
+            <a:p>
+              <a:pPr algn="ctr"/>
+              <a:r>
+                <a:rPr lang="en-US" dirty="0"/>
+                <a:t>Kernel 2</a:t>
+              </a:r>
+              <a:endParaRPr lang="LID4096" dirty="0"/>
+            </a:p>
+          </p:txBody>
+        </p:sp>
+        <p:cxnSp>
+          <p:nvCxnSpPr>
+            <p:cNvPr id="22" name="Straight Arrow Connector 21">
+              <a:extLst>
+                <a:ext uri="{FF2B5EF4-FFF2-40B4-BE49-F238E27FC236}">
+                  <a16:creationId xmlns:a16="http://schemas.microsoft.com/office/drawing/2014/main" id="{FA9AF300-E96F-88F4-C35D-5E7A4FAC35A8}"/>
+                </a:ext>
+              </a:extLst>
+            </p:cNvPr>
+            <p:cNvCxnSpPr>
+              <a:cxnSpLocks/>
+              <a:endCxn id="21" idx="1"/>
+            </p:cNvCxnSpPr>
+            <p:nvPr/>
+          </p:nvCxnSpPr>
+          <p:spPr>
+            <a:xfrm flipV="1">
+              <a:off x="2436793" y="1910226"/>
+              <a:ext cx="1220091" cy="3514029"/>
+            </a:xfrm>
+            <a:prstGeom prst="straightConnector1">
+              <a:avLst/>
+            </a:prstGeom>
+            <a:ln>
+              <a:tailEnd type="none"/>
+            </a:ln>
+          </p:spPr>
+          <p:style>
+            <a:lnRef idx="2">
+              <a:schemeClr val="accent1"/>
+            </a:lnRef>
+            <a:fillRef idx="0">
+              <a:schemeClr val="accent1"/>
+            </a:fillRef>
+            <a:effectRef idx="1">
+              <a:schemeClr val="accent1"/>
+            </a:effectRef>
+            <a:fontRef idx="minor">
+              <a:schemeClr val="tx1"/>
+            </a:fontRef>
+          </p:style>
+        </p:cxnSp>
+      </p:grpSp>
+      <p:sp>
+        <p:nvSpPr>
+          <p:cNvPr id="24" name="TextBox 23">
+            <a:extLst>
+              <a:ext uri="{FF2B5EF4-FFF2-40B4-BE49-F238E27FC236}">
+                <a16:creationId xmlns:a16="http://schemas.microsoft.com/office/drawing/2014/main" id="{32C2992D-8957-2CB4-6A9B-70ADE97705C9}"/>
+              </a:ext>
+            </a:extLst>
+          </p:cNvPr>
+          <p:cNvSpPr txBox="1"/>
+          <p:nvPr/>
+        </p:nvSpPr>
+        <p:spPr>
+          <a:xfrm>
+            <a:off x="6830201" y="5424255"/>
+            <a:ext cx="1941497" cy="369332"/>
+          </a:xfrm>
+          <a:prstGeom prst="rect">
+            <a:avLst/>
+          </a:prstGeom>
+          <a:solidFill>
+            <a:schemeClr val="bg1"/>
+          </a:solidFill>
+          <a:ln>
+            <a:solidFill>
+              <a:schemeClr val="tx1"/>
+            </a:solidFill>
+          </a:ln>
+        </p:spPr>
+        <p:txBody>
+          <a:bodyPr wrap="square" rtlCol="0">
+            <a:spAutoFit/>
+          </a:bodyPr>
+          <a:lstStyle/>
+          <a:p>
+            <a:pPr algn="ctr"/>
+            <a:r>
+              <a:rPr lang="en-US" dirty="0" err="1"/>
+              <a:t>func</a:t>
+            </a:r>
+            <a:r>
+              <a:rPr lang="en-US" dirty="0"/>
+              <a:t>()</a:t>
+            </a:r>
+            <a:endParaRPr lang="LID4096" dirty="0"/>
+          </a:p>
+        </p:txBody>
+      </p:sp>
+      <p:cxnSp>
+        <p:nvCxnSpPr>
+          <p:cNvPr id="17" name="Straight Connector 16">
+            <a:extLst>
+              <a:ext uri="{FF2B5EF4-FFF2-40B4-BE49-F238E27FC236}">
+                <a16:creationId xmlns:a16="http://schemas.microsoft.com/office/drawing/2014/main" id="{7B36FF3A-8E9A-62E2-2A2D-ED8DA26E7F9F}"/>
+              </a:ext>
+            </a:extLst>
+          </p:cNvPr>
+          <p:cNvCxnSpPr/>
+          <p:nvPr/>
+        </p:nvCxnSpPr>
+        <p:spPr>
+          <a:xfrm>
+            <a:off x="6779344" y="1199535"/>
+            <a:ext cx="0" cy="5142271"/>
+          </a:xfrm>
+          <a:prstGeom prst="line">
+            <a:avLst/>
+          </a:prstGeom>
+          <a:ln w="12700">
+            <a:solidFill>
+              <a:schemeClr val="tx1"/>
+            </a:solidFill>
+            <a:prstDash val="dash"/>
+          </a:ln>
+        </p:spPr>
+        <p:style>
+          <a:lnRef idx="2">
+            <a:schemeClr val="accent1"/>
+          </a:lnRef>
+          <a:fillRef idx="0">
+            <a:schemeClr val="accent1"/>
+          </a:fillRef>
+          <a:effectRef idx="1">
+            <a:schemeClr val="accent1"/>
+          </a:effectRef>
+          <a:fontRef idx="minor">
+            <a:schemeClr val="tx1"/>
+          </a:fontRef>
+        </p:style>
+      </p:cxnSp>
+      <p:sp>
+        <p:nvSpPr>
+          <p:cNvPr id="23" name="TextBox 22">
+            <a:extLst>
+              <a:ext uri="{FF2B5EF4-FFF2-40B4-BE49-F238E27FC236}">
+                <a16:creationId xmlns:a16="http://schemas.microsoft.com/office/drawing/2014/main" id="{B34CAAF3-7E4F-6192-10A4-F234AD1B0DB3}"/>
+              </a:ext>
+            </a:extLst>
+          </p:cNvPr>
+          <p:cNvSpPr txBox="1"/>
+          <p:nvPr/>
+        </p:nvSpPr>
+        <p:spPr>
+          <a:xfrm>
+            <a:off x="3709365" y="4782770"/>
+            <a:ext cx="3015890" cy="369332"/>
+          </a:xfrm>
+          <a:prstGeom prst="rect">
+            <a:avLst/>
+          </a:prstGeom>
+          <a:noFill/>
+        </p:spPr>
+        <p:txBody>
+          <a:bodyPr wrap="none" rtlCol="0">
+            <a:spAutoFit/>
+          </a:bodyPr>
+          <a:lstStyle/>
+          <a:p>
+            <a:r>
+              <a:rPr lang="en-US" dirty="0"/>
+              <a:t>Reduction on process scalar</a:t>
+            </a:r>
+            <a:endParaRPr lang="LID4096" dirty="0"/>
+          </a:p>
+        </p:txBody>
+      </p:sp>
+    </p:spTree>
+    <p:extLst>
+      <p:ext uri="{BB962C8B-B14F-4D97-AF65-F5344CB8AC3E}">
+        <p14:creationId xmlns:p14="http://schemas.microsoft.com/office/powerpoint/2010/main" val="651009487"/>
+      </p:ext>
+    </p:extLst>
+  </p:cSld>
+  <p:clrMapOvr>
+    <a:masterClrMapping/>
+  </p:clrMapOvr>
+</p:sld>
+</file>
+
+<file path=ppt/slides/slide4.xml><?xml version="1.0" encoding="utf-8"?>
+<p:sld xmlns:a="http://schemas.openxmlformats.org/drawingml/2006/main" xmlns:r="http://schemas.openxmlformats.org/officeDocument/2006/relationships" xmlns:p="http://schemas.openxmlformats.org/presentationml/2006/main">
+  <p:cSld>
+    <p:spTree>
+      <p:nvGrpSpPr>
+        <p:cNvPr id="1" name=""/>
+        <p:cNvGrpSpPr/>
+        <p:nvPr/>
+      </p:nvGrpSpPr>
+      <p:grpSpPr>
+        <a:xfrm>
+          <a:off x="0" y="0"/>
+          <a:ext cx="0" cy="0"/>
+          <a:chOff x="0" y="0"/>
+          <a:chExt cx="0" cy="0"/>
+        </a:xfrm>
+      </p:grpSpPr>
+      <p:grpSp>
+        <p:nvGrpSpPr>
+          <p:cNvPr id="6" name="Group 5">
+            <a:extLst>
+              <a:ext uri="{FF2B5EF4-FFF2-40B4-BE49-F238E27FC236}">
+                <a16:creationId xmlns:a16="http://schemas.microsoft.com/office/drawing/2014/main" id="{E219ADA0-B066-409D-20D7-BD2F27A2AE5A}"/>
+              </a:ext>
+            </a:extLst>
+          </p:cNvPr>
+          <p:cNvGrpSpPr/>
+          <p:nvPr/>
+        </p:nvGrpSpPr>
+        <p:grpSpPr>
+          <a:xfrm>
+            <a:off x="943897" y="5211097"/>
+            <a:ext cx="10589342" cy="825909"/>
+            <a:chOff x="943897" y="5211097"/>
+            <a:chExt cx="10589342" cy="825909"/>
+          </a:xfrm>
+        </p:grpSpPr>
+        <p:sp>
+          <p:nvSpPr>
+            <p:cNvPr id="4" name="Rectangle 3">
+              <a:extLst>
+                <a:ext uri="{FF2B5EF4-FFF2-40B4-BE49-F238E27FC236}">
+                  <a16:creationId xmlns:a16="http://schemas.microsoft.com/office/drawing/2014/main" id="{5BD7A810-1641-62B8-9067-9B37B4E1C93D}"/>
+                </a:ext>
+              </a:extLst>
+            </p:cNvPr>
+            <p:cNvSpPr/>
+            <p:nvPr/>
+          </p:nvSpPr>
+          <p:spPr>
+            <a:xfrm>
+              <a:off x="2182761" y="5211097"/>
+              <a:ext cx="9350478" cy="825909"/>
+            </a:xfrm>
+            <a:prstGeom prst="rect">
+              <a:avLst/>
+            </a:prstGeom>
+            <a:solidFill>
+              <a:schemeClr val="bg1">
+                <a:lumMod val="95000"/>
+              </a:schemeClr>
+            </a:solidFill>
+          </p:spPr>
+          <p:style>
+            <a:lnRef idx="2">
+              <a:schemeClr val="accent1">
+                <a:shade val="15000"/>
+              </a:schemeClr>
+            </a:lnRef>
+            <a:fillRef idx="1">
+              <a:schemeClr val="accent1"/>
+            </a:fillRef>
+            <a:effectRef idx="0">
+              <a:schemeClr val="accent1"/>
+            </a:effectRef>
+            <a:fontRef idx="minor">
+              <a:schemeClr val="lt1"/>
+            </a:fontRef>
+          </p:style>
+          <p:txBody>
+            <a:bodyPr rtlCol="0" anchor="ctr"/>
+            <a:lstStyle/>
+            <a:p>
+              <a:pPr algn="ctr"/>
+              <a:endParaRPr lang="LID4096" dirty="0"/>
+            </a:p>
+          </p:txBody>
+        </p:sp>
+        <p:sp>
+          <p:nvSpPr>
+            <p:cNvPr id="5" name="TextBox 4">
+              <a:extLst>
+                <a:ext uri="{FF2B5EF4-FFF2-40B4-BE49-F238E27FC236}">
+                  <a16:creationId xmlns:a16="http://schemas.microsoft.com/office/drawing/2014/main" id="{580E9D98-436A-4EA7-FE80-E936B72DB400}"/>
+                </a:ext>
+              </a:extLst>
+            </p:cNvPr>
+            <p:cNvSpPr txBox="1"/>
+            <p:nvPr/>
+          </p:nvSpPr>
+          <p:spPr>
+            <a:xfrm>
+              <a:off x="943897" y="5427406"/>
+              <a:ext cx="983026" cy="369332"/>
+            </a:xfrm>
+            <a:prstGeom prst="rect">
+              <a:avLst/>
+            </a:prstGeom>
+            <a:noFill/>
+          </p:spPr>
+          <p:txBody>
+            <a:bodyPr wrap="none" rtlCol="0">
+              <a:spAutoFit/>
+            </a:bodyPr>
+            <a:lstStyle/>
+            <a:p>
+              <a:r>
+                <a:rPr lang="en-US" dirty="0"/>
+                <a:t>process</a:t>
+              </a:r>
+              <a:endParaRPr lang="LID4096" dirty="0"/>
+            </a:p>
+          </p:txBody>
+        </p:sp>
+      </p:grpSp>
+      <p:grpSp>
+        <p:nvGrpSpPr>
+          <p:cNvPr id="7" name="Group 6">
+            <a:extLst>
+              <a:ext uri="{FF2B5EF4-FFF2-40B4-BE49-F238E27FC236}">
+                <a16:creationId xmlns:a16="http://schemas.microsoft.com/office/drawing/2014/main" id="{13E72877-6C08-BB5D-67A9-AEAF201158BA}"/>
+              </a:ext>
+            </a:extLst>
+          </p:cNvPr>
+          <p:cNvGrpSpPr/>
+          <p:nvPr/>
+        </p:nvGrpSpPr>
+        <p:grpSpPr>
+          <a:xfrm>
+            <a:off x="997974" y="1509251"/>
+            <a:ext cx="10589342" cy="825909"/>
+            <a:chOff x="943897" y="5211097"/>
+            <a:chExt cx="10589342" cy="825909"/>
+          </a:xfrm>
+        </p:grpSpPr>
+        <p:sp>
+          <p:nvSpPr>
+            <p:cNvPr id="8" name="Rectangle 7">
+              <a:extLst>
+                <a:ext uri="{FF2B5EF4-FFF2-40B4-BE49-F238E27FC236}">
+                  <a16:creationId xmlns:a16="http://schemas.microsoft.com/office/drawing/2014/main" id="{CBC1D772-9664-F511-DAFF-0922007D58D9}"/>
+                </a:ext>
+              </a:extLst>
+            </p:cNvPr>
+            <p:cNvSpPr/>
+            <p:nvPr/>
+          </p:nvSpPr>
+          <p:spPr>
+            <a:xfrm>
+              <a:off x="2182761" y="5211097"/>
+              <a:ext cx="9350478" cy="825909"/>
+            </a:xfrm>
+            <a:prstGeom prst="rect">
+              <a:avLst/>
+            </a:prstGeom>
+            <a:solidFill>
+              <a:schemeClr val="bg1">
+                <a:lumMod val="95000"/>
+              </a:schemeClr>
+            </a:solidFill>
+          </p:spPr>
+          <p:style>
+            <a:lnRef idx="2">
+              <a:schemeClr val="accent1">
+                <a:shade val="15000"/>
+              </a:schemeClr>
+            </a:lnRef>
+            <a:fillRef idx="1">
+              <a:schemeClr val="accent1"/>
+            </a:fillRef>
+            <a:effectRef idx="0">
+              <a:schemeClr val="accent1"/>
+            </a:effectRef>
+            <a:fontRef idx="minor">
+              <a:schemeClr val="lt1"/>
+            </a:fontRef>
+          </p:style>
+          <p:txBody>
+            <a:bodyPr rtlCol="0" anchor="ctr"/>
+            <a:lstStyle/>
+            <a:p>
+              <a:pPr algn="ctr"/>
+              <a:endParaRPr lang="LID4096"/>
+            </a:p>
+          </p:txBody>
+        </p:sp>
+        <p:sp>
+          <p:nvSpPr>
+            <p:cNvPr id="9" name="TextBox 8">
+              <a:extLst>
+                <a:ext uri="{FF2B5EF4-FFF2-40B4-BE49-F238E27FC236}">
+                  <a16:creationId xmlns:a16="http://schemas.microsoft.com/office/drawing/2014/main" id="{6E5F146F-0395-39B2-D84C-D7AF6BB25F48}"/>
+                </a:ext>
+              </a:extLst>
+            </p:cNvPr>
+            <p:cNvSpPr txBox="1"/>
+            <p:nvPr/>
+          </p:nvSpPr>
+          <p:spPr>
+            <a:xfrm>
+              <a:off x="943897" y="5427406"/>
+              <a:ext cx="638316" cy="369332"/>
+            </a:xfrm>
+            <a:prstGeom prst="rect">
+              <a:avLst/>
+            </a:prstGeom>
+            <a:noFill/>
+          </p:spPr>
+          <p:txBody>
+            <a:bodyPr wrap="none" rtlCol="0">
+              <a:spAutoFit/>
+            </a:bodyPr>
+            <a:lstStyle/>
+            <a:p>
+              <a:r>
+                <a:rPr lang="en-US" dirty="0"/>
+                <a:t>GPU</a:t>
+              </a:r>
+              <a:endParaRPr lang="LID4096" dirty="0"/>
+            </a:p>
+          </p:txBody>
+        </p:sp>
+      </p:grpSp>
+      <p:grpSp>
+        <p:nvGrpSpPr>
+          <p:cNvPr id="10" name="Group 9">
+            <a:extLst>
+              <a:ext uri="{FF2B5EF4-FFF2-40B4-BE49-F238E27FC236}">
+                <a16:creationId xmlns:a16="http://schemas.microsoft.com/office/drawing/2014/main" id="{935263E2-5E46-1181-D78C-9CD33A1DE463}"/>
+              </a:ext>
+            </a:extLst>
+          </p:cNvPr>
+          <p:cNvGrpSpPr/>
+          <p:nvPr/>
+        </p:nvGrpSpPr>
+        <p:grpSpPr>
+          <a:xfrm>
+            <a:off x="943897" y="3274141"/>
+            <a:ext cx="10589342" cy="825909"/>
+            <a:chOff x="943897" y="5211097"/>
+            <a:chExt cx="10589342" cy="825909"/>
+          </a:xfrm>
+        </p:grpSpPr>
+        <p:sp>
+          <p:nvSpPr>
+            <p:cNvPr id="11" name="Rectangle 10">
+              <a:extLst>
+                <a:ext uri="{FF2B5EF4-FFF2-40B4-BE49-F238E27FC236}">
+                  <a16:creationId xmlns:a16="http://schemas.microsoft.com/office/drawing/2014/main" id="{3FECE88D-268A-5BC6-C00A-21545C2AA45E}"/>
+                </a:ext>
+              </a:extLst>
+            </p:cNvPr>
+            <p:cNvSpPr/>
+            <p:nvPr/>
+          </p:nvSpPr>
+          <p:spPr>
+            <a:xfrm>
+              <a:off x="2182761" y="5211097"/>
+              <a:ext cx="9350478" cy="825909"/>
+            </a:xfrm>
+            <a:prstGeom prst="rect">
+              <a:avLst/>
+            </a:prstGeom>
+            <a:solidFill>
+              <a:schemeClr val="bg1">
+                <a:lumMod val="95000"/>
+              </a:schemeClr>
+            </a:solidFill>
+          </p:spPr>
+          <p:style>
+            <a:lnRef idx="2">
+              <a:schemeClr val="accent1">
+                <a:shade val="15000"/>
+              </a:schemeClr>
+            </a:lnRef>
+            <a:fillRef idx="1">
+              <a:schemeClr val="accent1"/>
+            </a:fillRef>
+            <a:effectRef idx="0">
+              <a:schemeClr val="accent1"/>
+            </a:effectRef>
+            <a:fontRef idx="minor">
+              <a:schemeClr val="lt1"/>
+            </a:fontRef>
+          </p:style>
+          <p:txBody>
+            <a:bodyPr rtlCol="0" anchor="ctr"/>
+            <a:lstStyle/>
+            <a:p>
+              <a:pPr algn="ctr"/>
+              <a:endParaRPr lang="LID4096"/>
+            </a:p>
+          </p:txBody>
+        </p:sp>
+        <p:sp>
+          <p:nvSpPr>
+            <p:cNvPr id="12" name="TextBox 11">
+              <a:extLst>
+                <a:ext uri="{FF2B5EF4-FFF2-40B4-BE49-F238E27FC236}">
+                  <a16:creationId xmlns:a16="http://schemas.microsoft.com/office/drawing/2014/main" id="{6572CC7B-EAA0-98BC-B9AD-D39317C588EA}"/>
+                </a:ext>
+              </a:extLst>
+            </p:cNvPr>
+            <p:cNvSpPr txBox="1"/>
+            <p:nvPr/>
+          </p:nvSpPr>
+          <p:spPr>
+            <a:xfrm>
+              <a:off x="943897" y="5427406"/>
+              <a:ext cx="635110" cy="369332"/>
+            </a:xfrm>
+            <a:prstGeom prst="rect">
+              <a:avLst/>
+            </a:prstGeom>
+            <a:noFill/>
+          </p:spPr>
+          <p:txBody>
+            <a:bodyPr wrap="none" rtlCol="0">
+              <a:spAutoFit/>
+            </a:bodyPr>
+            <a:lstStyle/>
+            <a:p>
+              <a:r>
+                <a:rPr lang="en-US" dirty="0"/>
+                <a:t>CPU</a:t>
+              </a:r>
+              <a:endParaRPr lang="LID4096" dirty="0"/>
+            </a:p>
+          </p:txBody>
+        </p:sp>
+      </p:grpSp>
+      <p:grpSp>
+        <p:nvGrpSpPr>
+          <p:cNvPr id="18" name="Group 17">
+            <a:extLst>
+              <a:ext uri="{FF2B5EF4-FFF2-40B4-BE49-F238E27FC236}">
+                <a16:creationId xmlns:a16="http://schemas.microsoft.com/office/drawing/2014/main" id="{1C805DC7-1405-330A-C87B-8825D176C036}"/>
+              </a:ext>
+            </a:extLst>
+          </p:cNvPr>
+          <p:cNvGrpSpPr/>
+          <p:nvPr/>
+        </p:nvGrpSpPr>
+        <p:grpSpPr>
+          <a:xfrm>
+            <a:off x="2349910" y="1737539"/>
+            <a:ext cx="3746089" cy="4059199"/>
+            <a:chOff x="2349910" y="1737539"/>
+            <a:chExt cx="3746089" cy="4059199"/>
+          </a:xfrm>
+        </p:grpSpPr>
+        <p:sp>
+          <p:nvSpPr>
+            <p:cNvPr id="13" name="TextBox 12">
+              <a:extLst>
+                <a:ext uri="{FF2B5EF4-FFF2-40B4-BE49-F238E27FC236}">
+                  <a16:creationId xmlns:a16="http://schemas.microsoft.com/office/drawing/2014/main" id="{1FF72C8E-7AC4-3656-71C2-CA67D2D244A5}"/>
+                </a:ext>
+              </a:extLst>
+            </p:cNvPr>
+            <p:cNvSpPr txBox="1"/>
+            <p:nvPr/>
+          </p:nvSpPr>
+          <p:spPr>
+            <a:xfrm>
+              <a:off x="2349910" y="5427406"/>
+              <a:ext cx="1024896" cy="369332"/>
+            </a:xfrm>
+            <a:prstGeom prst="rect">
+              <a:avLst/>
+            </a:prstGeom>
+            <a:solidFill>
+              <a:schemeClr val="bg1"/>
+            </a:solidFill>
+            <a:ln>
+              <a:solidFill>
+                <a:schemeClr val="tx1"/>
+              </a:solidFill>
+            </a:ln>
+          </p:spPr>
+          <p:txBody>
+            <a:bodyPr wrap="none" rtlCol="0">
+              <a:spAutoFit/>
+            </a:bodyPr>
+            <a:lstStyle/>
+            <a:p>
+              <a:pPr algn="ctr"/>
+              <a:r>
+                <a:rPr lang="en-US" dirty="0" err="1"/>
+                <a:t>par_for</a:t>
+              </a:r>
+              <a:r>
+                <a:rPr lang="en-US" dirty="0"/>
+                <a:t>()</a:t>
+              </a:r>
+              <a:endParaRPr lang="LID4096" dirty="0"/>
+            </a:p>
+          </p:txBody>
+        </p:sp>
+        <p:sp>
+          <p:nvSpPr>
+            <p:cNvPr id="14" name="TextBox 13">
+              <a:extLst>
+                <a:ext uri="{FF2B5EF4-FFF2-40B4-BE49-F238E27FC236}">
+                  <a16:creationId xmlns:a16="http://schemas.microsoft.com/office/drawing/2014/main" id="{17729DD2-268C-FB71-6C2A-3F5635C4D19F}"/>
+                </a:ext>
+              </a:extLst>
+            </p:cNvPr>
+            <p:cNvSpPr txBox="1"/>
+            <p:nvPr/>
+          </p:nvSpPr>
+          <p:spPr>
+            <a:xfrm>
+              <a:off x="2818190" y="1737539"/>
+              <a:ext cx="3277809" cy="369332"/>
+            </a:xfrm>
+            <a:prstGeom prst="rect">
+              <a:avLst/>
+            </a:prstGeom>
+            <a:solidFill>
+              <a:schemeClr val="bg1"/>
+            </a:solidFill>
+            <a:ln>
+              <a:solidFill>
+                <a:schemeClr val="tx1"/>
+              </a:solidFill>
+            </a:ln>
+          </p:spPr>
+          <p:txBody>
+            <a:bodyPr wrap="square" rtlCol="0">
+              <a:spAutoFit/>
+            </a:bodyPr>
+            <a:lstStyle/>
+            <a:p>
+              <a:pPr algn="ctr"/>
+              <a:r>
+                <a:rPr lang="en-US" dirty="0"/>
+                <a:t>Kernel 1</a:t>
+              </a:r>
+              <a:endParaRPr lang="LID4096" dirty="0"/>
+            </a:p>
+          </p:txBody>
+        </p:sp>
+        <p:cxnSp>
+          <p:nvCxnSpPr>
+            <p:cNvPr id="16" name="Straight Arrow Connector 15">
+              <a:extLst>
+                <a:ext uri="{FF2B5EF4-FFF2-40B4-BE49-F238E27FC236}">
+                  <a16:creationId xmlns:a16="http://schemas.microsoft.com/office/drawing/2014/main" id="{6A368571-1C71-A143-069B-76D9875C1088}"/>
+                </a:ext>
+              </a:extLst>
+            </p:cNvPr>
+            <p:cNvCxnSpPr>
+              <a:cxnSpLocks/>
+              <a:stCxn id="13" idx="0"/>
+              <a:endCxn id="14" idx="1"/>
+            </p:cNvCxnSpPr>
+            <p:nvPr/>
+          </p:nvCxnSpPr>
+          <p:spPr>
+            <a:xfrm flipH="1" flipV="1">
+              <a:off x="2818190" y="1922205"/>
+              <a:ext cx="44168" cy="3505201"/>
+            </a:xfrm>
+            <a:prstGeom prst="straightConnector1">
+              <a:avLst/>
+            </a:prstGeom>
+            <a:ln>
+              <a:tailEnd type="none"/>
+            </a:ln>
+          </p:spPr>
+          <p:style>
+            <a:lnRef idx="2">
+              <a:schemeClr val="accent1"/>
+            </a:lnRef>
+            <a:fillRef idx="0">
+              <a:schemeClr val="accent1"/>
+            </a:fillRef>
+            <a:effectRef idx="1">
+              <a:schemeClr val="accent1"/>
+            </a:effectRef>
+            <a:fontRef idx="minor">
+              <a:schemeClr val="tx1"/>
+            </a:fontRef>
+          </p:style>
+        </p:cxnSp>
+      </p:grpSp>
+      <p:grpSp>
+        <p:nvGrpSpPr>
+          <p:cNvPr id="19" name="Group 18">
+            <a:extLst>
+              <a:ext uri="{FF2B5EF4-FFF2-40B4-BE49-F238E27FC236}">
+                <a16:creationId xmlns:a16="http://schemas.microsoft.com/office/drawing/2014/main" id="{832CDE15-9EA0-6A2A-4B62-916B4E5C555D}"/>
+              </a:ext>
+            </a:extLst>
+          </p:cNvPr>
+          <p:cNvGrpSpPr/>
+          <p:nvPr/>
+        </p:nvGrpSpPr>
+        <p:grpSpPr>
+          <a:xfrm>
+            <a:off x="3516156" y="1720643"/>
+            <a:ext cx="4718359" cy="4081633"/>
+            <a:chOff x="2283494" y="1715105"/>
+            <a:chExt cx="4718359" cy="4081633"/>
+          </a:xfrm>
+        </p:grpSpPr>
+        <p:sp>
+          <p:nvSpPr>
+            <p:cNvPr id="20" name="TextBox 19">
+              <a:extLst>
+                <a:ext uri="{FF2B5EF4-FFF2-40B4-BE49-F238E27FC236}">
+                  <a16:creationId xmlns:a16="http://schemas.microsoft.com/office/drawing/2014/main" id="{C3C9F0D4-C61A-D3F1-D857-3DEBFDA4004D}"/>
+                </a:ext>
+              </a:extLst>
+            </p:cNvPr>
+            <p:cNvSpPr txBox="1"/>
+            <p:nvPr/>
+          </p:nvSpPr>
+          <p:spPr>
+            <a:xfrm>
+              <a:off x="2283494" y="5427406"/>
+              <a:ext cx="1452705" cy="369332"/>
+            </a:xfrm>
+            <a:prstGeom prst="rect">
+              <a:avLst/>
+            </a:prstGeom>
+            <a:solidFill>
+              <a:schemeClr val="bg1"/>
+            </a:solidFill>
+            <a:ln>
+              <a:solidFill>
+                <a:schemeClr val="tx1"/>
+              </a:solidFill>
+            </a:ln>
+          </p:spPr>
+          <p:txBody>
+            <a:bodyPr wrap="none" rtlCol="0">
+              <a:spAutoFit/>
+            </a:bodyPr>
+            <a:lstStyle/>
+            <a:p>
+              <a:pPr algn="ctr"/>
+              <a:r>
+                <a:rPr lang="en-US" dirty="0" err="1"/>
+                <a:t>par_reduce</a:t>
+              </a:r>
+              <a:r>
+                <a:rPr lang="en-US" dirty="0"/>
+                <a:t>()</a:t>
+              </a:r>
+              <a:endParaRPr lang="LID4096" dirty="0"/>
+            </a:p>
+          </p:txBody>
+        </p:sp>
+        <p:sp>
+          <p:nvSpPr>
+            <p:cNvPr id="21" name="TextBox 20">
+              <a:extLst>
+                <a:ext uri="{FF2B5EF4-FFF2-40B4-BE49-F238E27FC236}">
+                  <a16:creationId xmlns:a16="http://schemas.microsoft.com/office/drawing/2014/main" id="{F5B9591C-C82B-9DC0-FB34-5C4F4B7BF15F}"/>
+                </a:ext>
+              </a:extLst>
+            </p:cNvPr>
+            <p:cNvSpPr txBox="1"/>
+            <p:nvPr/>
+          </p:nvSpPr>
+          <p:spPr>
+            <a:xfrm>
+              <a:off x="5059983" y="1715105"/>
+              <a:ext cx="1941870" cy="369332"/>
+            </a:xfrm>
+            <a:prstGeom prst="rect">
+              <a:avLst/>
+            </a:prstGeom>
+            <a:solidFill>
+              <a:schemeClr val="bg1"/>
+            </a:solidFill>
+            <a:ln>
+              <a:solidFill>
+                <a:schemeClr val="tx1"/>
+              </a:solidFill>
+            </a:ln>
+          </p:spPr>
+          <p:txBody>
+            <a:bodyPr wrap="square" rtlCol="0">
+              <a:spAutoFit/>
+            </a:bodyPr>
+            <a:lstStyle/>
+            <a:p>
+              <a:pPr algn="ctr"/>
+              <a:r>
+                <a:rPr lang="en-US" dirty="0"/>
+                <a:t>Kernel 2</a:t>
+              </a:r>
+              <a:endParaRPr lang="LID4096" dirty="0"/>
+            </a:p>
+          </p:txBody>
+        </p:sp>
+        <p:cxnSp>
+          <p:nvCxnSpPr>
+            <p:cNvPr id="22" name="Straight Arrow Connector 21">
+              <a:extLst>
+                <a:ext uri="{FF2B5EF4-FFF2-40B4-BE49-F238E27FC236}">
+                  <a16:creationId xmlns:a16="http://schemas.microsoft.com/office/drawing/2014/main" id="{FA9AF300-E96F-88F4-C35D-5E7A4FAC35A8}"/>
+                </a:ext>
+              </a:extLst>
+            </p:cNvPr>
+            <p:cNvCxnSpPr>
+              <a:cxnSpLocks/>
+              <a:stCxn id="20" idx="0"/>
+              <a:endCxn id="21" idx="1"/>
+            </p:cNvCxnSpPr>
+            <p:nvPr/>
+          </p:nvCxnSpPr>
+          <p:spPr>
+            <a:xfrm flipV="1">
+              <a:off x="3009847" y="1899771"/>
+              <a:ext cx="2050136" cy="3527635"/>
+            </a:xfrm>
+            <a:prstGeom prst="straightConnector1">
+              <a:avLst/>
+            </a:prstGeom>
+            <a:ln>
+              <a:tailEnd type="none"/>
+            </a:ln>
+          </p:spPr>
+          <p:style>
+            <a:lnRef idx="2">
+              <a:schemeClr val="accent1"/>
+            </a:lnRef>
+            <a:fillRef idx="0">
+              <a:schemeClr val="accent1"/>
+            </a:fillRef>
+            <a:effectRef idx="1">
+              <a:schemeClr val="accent1"/>
+            </a:effectRef>
+            <a:fontRef idx="minor">
+              <a:schemeClr val="tx1"/>
+            </a:fontRef>
+          </p:style>
+        </p:cxnSp>
+      </p:grpSp>
+      <p:sp>
+        <p:nvSpPr>
+          <p:cNvPr id="24" name="TextBox 23">
+            <a:extLst>
+              <a:ext uri="{FF2B5EF4-FFF2-40B4-BE49-F238E27FC236}">
+                <a16:creationId xmlns:a16="http://schemas.microsoft.com/office/drawing/2014/main" id="{32C2992D-8957-2CB4-6A9B-70ADE97705C9}"/>
+              </a:ext>
+            </a:extLst>
+          </p:cNvPr>
+          <p:cNvSpPr txBox="1"/>
+          <p:nvPr/>
+        </p:nvSpPr>
+        <p:spPr>
+          <a:xfrm>
+            <a:off x="5088569" y="5427406"/>
+            <a:ext cx="1941497" cy="369332"/>
+          </a:xfrm>
+          <a:prstGeom prst="rect">
+            <a:avLst/>
+          </a:prstGeom>
+          <a:solidFill>
+            <a:schemeClr val="bg1"/>
+          </a:solidFill>
+          <a:ln>
+            <a:solidFill>
+              <a:schemeClr val="tx1"/>
+            </a:solidFill>
+          </a:ln>
+        </p:spPr>
+        <p:txBody>
+          <a:bodyPr wrap="square" rtlCol="0">
+            <a:spAutoFit/>
+          </a:bodyPr>
+          <a:lstStyle/>
+          <a:p>
+            <a:pPr algn="ctr"/>
+            <a:r>
+              <a:rPr lang="en-US" dirty="0" err="1"/>
+              <a:t>func</a:t>
+            </a:r>
+            <a:r>
+              <a:rPr lang="en-US" dirty="0"/>
+              <a:t>()</a:t>
+            </a:r>
+            <a:endParaRPr lang="LID4096" dirty="0"/>
+          </a:p>
+        </p:txBody>
+      </p:sp>
+      <p:sp>
+        <p:nvSpPr>
+          <p:cNvPr id="27" name="TextBox 26">
+            <a:extLst>
+              <a:ext uri="{FF2B5EF4-FFF2-40B4-BE49-F238E27FC236}">
+                <a16:creationId xmlns:a16="http://schemas.microsoft.com/office/drawing/2014/main" id="{032D59C9-085B-58EA-4224-4152819D6FF9}"/>
+              </a:ext>
+            </a:extLst>
+          </p:cNvPr>
+          <p:cNvSpPr txBox="1"/>
+          <p:nvPr/>
+        </p:nvSpPr>
+        <p:spPr>
+          <a:xfrm>
+            <a:off x="7128387" y="5427406"/>
+            <a:ext cx="1106129" cy="369332"/>
+          </a:xfrm>
+          <a:prstGeom prst="rect">
+            <a:avLst/>
+          </a:prstGeom>
+          <a:solidFill>
+            <a:schemeClr val="bg1"/>
+          </a:solidFill>
+          <a:ln>
+            <a:solidFill>
+              <a:schemeClr val="tx1"/>
+            </a:solidFill>
+          </a:ln>
+        </p:spPr>
+        <p:txBody>
+          <a:bodyPr wrap="square" rtlCol="0">
+            <a:spAutoFit/>
+          </a:bodyPr>
+          <a:lstStyle/>
+          <a:p>
+            <a:pPr algn="ctr"/>
+            <a:r>
+              <a:rPr lang="en-US" dirty="0"/>
+              <a:t>fence()</a:t>
+            </a:r>
+            <a:endParaRPr lang="LID4096" dirty="0"/>
+          </a:p>
+        </p:txBody>
+      </p:sp>
+      <p:cxnSp>
+        <p:nvCxnSpPr>
+          <p:cNvPr id="29" name="Straight Connector 28">
+            <a:extLst>
+              <a:ext uri="{FF2B5EF4-FFF2-40B4-BE49-F238E27FC236}">
+                <a16:creationId xmlns:a16="http://schemas.microsoft.com/office/drawing/2014/main" id="{DF52F4A4-625E-2FAD-92AF-6E780FBEB1F5}"/>
+              </a:ext>
+            </a:extLst>
+          </p:cNvPr>
+          <p:cNvCxnSpPr/>
+          <p:nvPr/>
+        </p:nvCxnSpPr>
+        <p:spPr>
+          <a:xfrm>
+            <a:off x="8234515" y="1199535"/>
+            <a:ext cx="0" cy="5142271"/>
+          </a:xfrm>
+          <a:prstGeom prst="line">
+            <a:avLst/>
+          </a:prstGeom>
+          <a:ln w="28575">
+            <a:solidFill>
+              <a:schemeClr val="tx1"/>
+            </a:solidFill>
+            <a:prstDash val="dash"/>
+          </a:ln>
+        </p:spPr>
+        <p:style>
+          <a:lnRef idx="2">
+            <a:schemeClr val="accent1"/>
+          </a:lnRef>
+          <a:fillRef idx="0">
+            <a:schemeClr val="accent1"/>
+          </a:fillRef>
+          <a:effectRef idx="1">
+            <a:schemeClr val="accent1"/>
+          </a:effectRef>
+          <a:fontRef idx="minor">
+            <a:schemeClr val="tx1"/>
+          </a:fontRef>
+        </p:style>
+      </p:cxnSp>
+      <p:sp>
+        <p:nvSpPr>
+          <p:cNvPr id="2" name="TextBox 1">
+            <a:extLst>
+              <a:ext uri="{FF2B5EF4-FFF2-40B4-BE49-F238E27FC236}">
+                <a16:creationId xmlns:a16="http://schemas.microsoft.com/office/drawing/2014/main" id="{2581A09C-85E3-3D8C-520A-353C537E9E95}"/>
+              </a:ext>
+            </a:extLst>
+          </p:cNvPr>
+          <p:cNvSpPr txBox="1"/>
+          <p:nvPr/>
+        </p:nvSpPr>
+        <p:spPr>
+          <a:xfrm>
+            <a:off x="4741755" y="4782770"/>
+            <a:ext cx="2002215" cy="369332"/>
+          </a:xfrm>
+          <a:prstGeom prst="rect">
+            <a:avLst/>
+          </a:prstGeom>
+          <a:noFill/>
+        </p:spPr>
+        <p:txBody>
+          <a:bodyPr wrap="none" rtlCol="0">
+            <a:spAutoFit/>
+          </a:bodyPr>
+          <a:lstStyle/>
+          <a:p>
+            <a:r>
+              <a:rPr lang="en-US" dirty="0"/>
+              <a:t>Reduction on view</a:t>
+            </a:r>
+            <a:endParaRPr lang="LID4096" dirty="0"/>
+          </a:p>
+        </p:txBody>
+      </p:sp>
+    </p:spTree>
+    <p:extLst>
+      <p:ext uri="{BB962C8B-B14F-4D97-AF65-F5344CB8AC3E}">
+        <p14:creationId xmlns:p14="http://schemas.microsoft.com/office/powerpoint/2010/main" val="1834355871"/>
+      </p:ext>
+    </p:extLst>
+  </p:cSld>
+  <p:clrMapOvr>
+    <a:masterClrMapping/>
+  </p:clrMapOvr>
+</p:sld>
+</file>
+
+<file path=ppt/slides/slide5.xml><?xml version="1.0" encoding="utf-8"?>
+<p:sld xmlns:a="http://schemas.openxmlformats.org/drawingml/2006/main" xmlns:r="http://schemas.openxmlformats.org/officeDocument/2006/relationships" xmlns:p="http://schemas.openxmlformats.org/presentationml/2006/main">
+  <p:cSld>
+    <p:spTree>
+      <p:nvGrpSpPr>
+        <p:cNvPr id="1" name=""/>
+        <p:cNvGrpSpPr/>
+        <p:nvPr/>
+      </p:nvGrpSpPr>
+      <p:grpSpPr>
+        <a:xfrm>
+          <a:off x="0" y="0"/>
+          <a:ext cx="0" cy="0"/>
+          <a:chOff x="0" y="0"/>
+          <a:chExt cx="0" cy="0"/>
+        </a:xfrm>
+      </p:grpSpPr>
+      <p:grpSp>
+        <p:nvGrpSpPr>
+          <p:cNvPr id="6" name="Group 5">
+            <a:extLst>
+              <a:ext uri="{FF2B5EF4-FFF2-40B4-BE49-F238E27FC236}">
+                <a16:creationId xmlns:a16="http://schemas.microsoft.com/office/drawing/2014/main" id="{E219ADA0-B066-409D-20D7-BD2F27A2AE5A}"/>
+              </a:ext>
+            </a:extLst>
+          </p:cNvPr>
+          <p:cNvGrpSpPr/>
+          <p:nvPr/>
+        </p:nvGrpSpPr>
+        <p:grpSpPr>
+          <a:xfrm>
+            <a:off x="997974" y="5246133"/>
+            <a:ext cx="10589342" cy="825909"/>
+            <a:chOff x="943897" y="5211097"/>
+            <a:chExt cx="10589342" cy="825909"/>
+          </a:xfrm>
+        </p:grpSpPr>
+        <p:sp>
+          <p:nvSpPr>
+            <p:cNvPr id="4" name="Rectangle 3">
+              <a:extLst>
+                <a:ext uri="{FF2B5EF4-FFF2-40B4-BE49-F238E27FC236}">
+                  <a16:creationId xmlns:a16="http://schemas.microsoft.com/office/drawing/2014/main" id="{5BD7A810-1641-62B8-9067-9B37B4E1C93D}"/>
+                </a:ext>
+              </a:extLst>
+            </p:cNvPr>
+            <p:cNvSpPr/>
+            <p:nvPr/>
+          </p:nvSpPr>
+          <p:spPr>
+            <a:xfrm>
+              <a:off x="2182761" y="5211097"/>
+              <a:ext cx="9350478" cy="825909"/>
+            </a:xfrm>
+            <a:prstGeom prst="rect">
+              <a:avLst/>
+            </a:prstGeom>
+            <a:solidFill>
+              <a:schemeClr val="bg1">
+                <a:lumMod val="95000"/>
+              </a:schemeClr>
+            </a:solidFill>
+          </p:spPr>
+          <p:style>
+            <a:lnRef idx="2">
+              <a:schemeClr val="accent1">
+                <a:shade val="15000"/>
+              </a:schemeClr>
+            </a:lnRef>
+            <a:fillRef idx="1">
+              <a:schemeClr val="accent1"/>
+            </a:fillRef>
+            <a:effectRef idx="0">
+              <a:schemeClr val="accent1"/>
+            </a:effectRef>
+            <a:fontRef idx="minor">
+              <a:schemeClr val="lt1"/>
+            </a:fontRef>
+          </p:style>
+          <p:txBody>
+            <a:bodyPr rtlCol="0" anchor="ctr"/>
+            <a:lstStyle/>
+            <a:p>
+              <a:pPr algn="ctr"/>
+              <a:endParaRPr lang="LID4096" dirty="0"/>
+            </a:p>
+          </p:txBody>
+        </p:sp>
+        <p:sp>
+          <p:nvSpPr>
+            <p:cNvPr id="5" name="TextBox 4">
+              <a:extLst>
+                <a:ext uri="{FF2B5EF4-FFF2-40B4-BE49-F238E27FC236}">
+                  <a16:creationId xmlns:a16="http://schemas.microsoft.com/office/drawing/2014/main" id="{580E9D98-436A-4EA7-FE80-E936B72DB400}"/>
+                </a:ext>
+              </a:extLst>
+            </p:cNvPr>
+            <p:cNvSpPr txBox="1"/>
+            <p:nvPr/>
+          </p:nvSpPr>
+          <p:spPr>
+            <a:xfrm>
+              <a:off x="943897" y="5427406"/>
+              <a:ext cx="983026" cy="369332"/>
+            </a:xfrm>
+            <a:prstGeom prst="rect">
+              <a:avLst/>
+            </a:prstGeom>
+            <a:noFill/>
+          </p:spPr>
+          <p:txBody>
+            <a:bodyPr wrap="none" rtlCol="0">
+              <a:spAutoFit/>
+            </a:bodyPr>
+            <a:lstStyle/>
+            <a:p>
+              <a:r>
+                <a:rPr lang="en-US" dirty="0"/>
+                <a:t>process</a:t>
+              </a:r>
+              <a:endParaRPr lang="LID4096" dirty="0"/>
+            </a:p>
+          </p:txBody>
+        </p:sp>
+      </p:grpSp>
+      <p:grpSp>
+        <p:nvGrpSpPr>
+          <p:cNvPr id="7" name="Group 6">
+            <a:extLst>
+              <a:ext uri="{FF2B5EF4-FFF2-40B4-BE49-F238E27FC236}">
+                <a16:creationId xmlns:a16="http://schemas.microsoft.com/office/drawing/2014/main" id="{13E72877-6C08-BB5D-67A9-AEAF201158BA}"/>
+              </a:ext>
+            </a:extLst>
+          </p:cNvPr>
+          <p:cNvGrpSpPr/>
+          <p:nvPr/>
+        </p:nvGrpSpPr>
+        <p:grpSpPr>
+          <a:xfrm>
+            <a:off x="997974" y="1509251"/>
+            <a:ext cx="10589342" cy="825909"/>
+            <a:chOff x="943897" y="5211097"/>
+            <a:chExt cx="10589342" cy="825909"/>
+          </a:xfrm>
+        </p:grpSpPr>
+        <p:sp>
+          <p:nvSpPr>
+            <p:cNvPr id="8" name="Rectangle 7">
+              <a:extLst>
+                <a:ext uri="{FF2B5EF4-FFF2-40B4-BE49-F238E27FC236}">
+                  <a16:creationId xmlns:a16="http://schemas.microsoft.com/office/drawing/2014/main" id="{CBC1D772-9664-F511-DAFF-0922007D58D9}"/>
+                </a:ext>
+              </a:extLst>
+            </p:cNvPr>
+            <p:cNvSpPr/>
+            <p:nvPr/>
+          </p:nvSpPr>
+          <p:spPr>
+            <a:xfrm>
+              <a:off x="2182761" y="5211097"/>
+              <a:ext cx="9350478" cy="825909"/>
+            </a:xfrm>
+            <a:prstGeom prst="rect">
+              <a:avLst/>
+            </a:prstGeom>
+            <a:solidFill>
+              <a:schemeClr val="bg1">
+                <a:lumMod val="95000"/>
+              </a:schemeClr>
+            </a:solidFill>
+          </p:spPr>
+          <p:style>
+            <a:lnRef idx="2">
+              <a:schemeClr val="accent1">
+                <a:shade val="15000"/>
+              </a:schemeClr>
+            </a:lnRef>
+            <a:fillRef idx="1">
+              <a:schemeClr val="accent1"/>
+            </a:fillRef>
+            <a:effectRef idx="0">
+              <a:schemeClr val="accent1"/>
+            </a:effectRef>
+            <a:fontRef idx="minor">
+              <a:schemeClr val="lt1"/>
+            </a:fontRef>
+          </p:style>
+          <p:txBody>
+            <a:bodyPr rtlCol="0" anchor="ctr"/>
+            <a:lstStyle/>
+            <a:p>
+              <a:pPr algn="ctr"/>
+              <a:endParaRPr lang="LID4096" dirty="0"/>
+            </a:p>
+          </p:txBody>
+        </p:sp>
+        <p:sp>
+          <p:nvSpPr>
+            <p:cNvPr id="9" name="TextBox 8">
+              <a:extLst>
+                <a:ext uri="{FF2B5EF4-FFF2-40B4-BE49-F238E27FC236}">
+                  <a16:creationId xmlns:a16="http://schemas.microsoft.com/office/drawing/2014/main" id="{6E5F146F-0395-39B2-D84C-D7AF6BB25F48}"/>
+                </a:ext>
+              </a:extLst>
+            </p:cNvPr>
+            <p:cNvSpPr txBox="1"/>
+            <p:nvPr/>
+          </p:nvSpPr>
+          <p:spPr>
+            <a:xfrm>
+              <a:off x="943897" y="5427406"/>
+              <a:ext cx="638316" cy="369332"/>
+            </a:xfrm>
+            <a:prstGeom prst="rect">
+              <a:avLst/>
+            </a:prstGeom>
+            <a:noFill/>
+          </p:spPr>
+          <p:txBody>
+            <a:bodyPr wrap="none" rtlCol="0">
+              <a:spAutoFit/>
+            </a:bodyPr>
+            <a:lstStyle/>
+            <a:p>
+              <a:r>
+                <a:rPr lang="en-US" dirty="0"/>
+                <a:t>GPU</a:t>
+              </a:r>
+              <a:endParaRPr lang="LID4096" dirty="0"/>
+            </a:p>
+          </p:txBody>
+        </p:sp>
+      </p:grpSp>
+      <p:grpSp>
+        <p:nvGrpSpPr>
+          <p:cNvPr id="10" name="Group 9">
+            <a:extLst>
+              <a:ext uri="{FF2B5EF4-FFF2-40B4-BE49-F238E27FC236}">
+                <a16:creationId xmlns:a16="http://schemas.microsoft.com/office/drawing/2014/main" id="{935263E2-5E46-1181-D78C-9CD33A1DE463}"/>
+              </a:ext>
+            </a:extLst>
+          </p:cNvPr>
+          <p:cNvGrpSpPr/>
+          <p:nvPr/>
+        </p:nvGrpSpPr>
+        <p:grpSpPr>
+          <a:xfrm>
+            <a:off x="997974" y="3255861"/>
+            <a:ext cx="10589342" cy="825909"/>
+            <a:chOff x="943897" y="5211097"/>
+            <a:chExt cx="10589342" cy="825909"/>
+          </a:xfrm>
+        </p:grpSpPr>
+        <p:sp>
+          <p:nvSpPr>
+            <p:cNvPr id="11" name="Rectangle 10">
+              <a:extLst>
+                <a:ext uri="{FF2B5EF4-FFF2-40B4-BE49-F238E27FC236}">
+                  <a16:creationId xmlns:a16="http://schemas.microsoft.com/office/drawing/2014/main" id="{3FECE88D-268A-5BC6-C00A-21545C2AA45E}"/>
+                </a:ext>
+              </a:extLst>
+            </p:cNvPr>
+            <p:cNvSpPr/>
+            <p:nvPr/>
+          </p:nvSpPr>
+          <p:spPr>
+            <a:xfrm>
+              <a:off x="2182761" y="5211097"/>
+              <a:ext cx="9350478" cy="825909"/>
+            </a:xfrm>
+            <a:prstGeom prst="rect">
+              <a:avLst/>
+            </a:prstGeom>
+            <a:solidFill>
+              <a:schemeClr val="bg1">
+                <a:lumMod val="95000"/>
+              </a:schemeClr>
+            </a:solidFill>
+          </p:spPr>
+          <p:style>
+            <a:lnRef idx="2">
+              <a:schemeClr val="accent1">
+                <a:shade val="15000"/>
+              </a:schemeClr>
+            </a:lnRef>
+            <a:fillRef idx="1">
+              <a:schemeClr val="accent1"/>
+            </a:fillRef>
+            <a:effectRef idx="0">
+              <a:schemeClr val="accent1"/>
+            </a:effectRef>
+            <a:fontRef idx="minor">
+              <a:schemeClr val="lt1"/>
+            </a:fontRef>
+          </p:style>
+          <p:txBody>
+            <a:bodyPr rtlCol="0" anchor="ctr"/>
+            <a:lstStyle/>
+            <a:p>
+              <a:pPr algn="ctr"/>
+              <a:endParaRPr lang="LID4096" dirty="0"/>
+            </a:p>
+          </p:txBody>
+        </p:sp>
+        <p:sp>
+          <p:nvSpPr>
+            <p:cNvPr id="12" name="TextBox 11">
+              <a:extLst>
+                <a:ext uri="{FF2B5EF4-FFF2-40B4-BE49-F238E27FC236}">
+                  <a16:creationId xmlns:a16="http://schemas.microsoft.com/office/drawing/2014/main" id="{6572CC7B-EAA0-98BC-B9AD-D39317C588EA}"/>
+                </a:ext>
+              </a:extLst>
+            </p:cNvPr>
+            <p:cNvSpPr txBox="1"/>
+            <p:nvPr/>
+          </p:nvSpPr>
+          <p:spPr>
+            <a:xfrm>
+              <a:off x="943897" y="5427406"/>
+              <a:ext cx="635110" cy="369332"/>
+            </a:xfrm>
+            <a:prstGeom prst="rect">
+              <a:avLst/>
+            </a:prstGeom>
+            <a:noFill/>
+          </p:spPr>
+          <p:txBody>
+            <a:bodyPr wrap="none" rtlCol="0">
+              <a:spAutoFit/>
+            </a:bodyPr>
+            <a:lstStyle/>
+            <a:p>
+              <a:r>
+                <a:rPr lang="en-US" dirty="0"/>
+                <a:t>CPU</a:t>
+              </a:r>
+              <a:endParaRPr lang="LID4096" dirty="0"/>
+            </a:p>
+          </p:txBody>
+        </p:sp>
+      </p:grpSp>
+      <p:grpSp>
+        <p:nvGrpSpPr>
+          <p:cNvPr id="18" name="Group 17">
+            <a:extLst>
+              <a:ext uri="{FF2B5EF4-FFF2-40B4-BE49-F238E27FC236}">
+                <a16:creationId xmlns:a16="http://schemas.microsoft.com/office/drawing/2014/main" id="{1C805DC7-1405-330A-C87B-8825D176C036}"/>
+              </a:ext>
+            </a:extLst>
+          </p:cNvPr>
+          <p:cNvGrpSpPr/>
+          <p:nvPr/>
+        </p:nvGrpSpPr>
+        <p:grpSpPr>
+          <a:xfrm>
+            <a:off x="2349910" y="1737539"/>
+            <a:ext cx="2257559" cy="4059199"/>
+            <a:chOff x="2349910" y="1737539"/>
+            <a:chExt cx="2257559" cy="4059199"/>
+          </a:xfrm>
+        </p:grpSpPr>
+        <p:sp>
+          <p:nvSpPr>
+            <p:cNvPr id="13" name="TextBox 12">
+              <a:extLst>
+                <a:ext uri="{FF2B5EF4-FFF2-40B4-BE49-F238E27FC236}">
+                  <a16:creationId xmlns:a16="http://schemas.microsoft.com/office/drawing/2014/main" id="{1FF72C8E-7AC4-3656-71C2-CA67D2D244A5}"/>
+                </a:ext>
+              </a:extLst>
+            </p:cNvPr>
+            <p:cNvSpPr txBox="1"/>
+            <p:nvPr/>
+          </p:nvSpPr>
+          <p:spPr>
+            <a:xfrm>
+              <a:off x="2349910" y="5427406"/>
+              <a:ext cx="1024896" cy="369332"/>
+            </a:xfrm>
+            <a:prstGeom prst="rect">
+              <a:avLst/>
+            </a:prstGeom>
+            <a:solidFill>
+              <a:schemeClr val="bg1"/>
+            </a:solidFill>
+            <a:ln>
+              <a:solidFill>
+                <a:schemeClr val="tx1"/>
+              </a:solidFill>
+            </a:ln>
+          </p:spPr>
+          <p:txBody>
+            <a:bodyPr wrap="none" rtlCol="0">
+              <a:spAutoFit/>
+            </a:bodyPr>
+            <a:lstStyle/>
+            <a:p>
+              <a:pPr algn="ctr"/>
+              <a:r>
+                <a:rPr lang="en-US" dirty="0" err="1"/>
+                <a:t>par_for</a:t>
+              </a:r>
+              <a:r>
+                <a:rPr lang="en-US" dirty="0"/>
+                <a:t>()</a:t>
+              </a:r>
+              <a:endParaRPr lang="LID4096" dirty="0"/>
+            </a:p>
+          </p:txBody>
+        </p:sp>
+        <p:sp>
+          <p:nvSpPr>
+            <p:cNvPr id="14" name="TextBox 13">
+              <a:extLst>
+                <a:ext uri="{FF2B5EF4-FFF2-40B4-BE49-F238E27FC236}">
+                  <a16:creationId xmlns:a16="http://schemas.microsoft.com/office/drawing/2014/main" id="{17729DD2-268C-FB71-6C2A-3F5635C4D19F}"/>
+                </a:ext>
+              </a:extLst>
+            </p:cNvPr>
+            <p:cNvSpPr txBox="1"/>
+            <p:nvPr/>
+          </p:nvSpPr>
+          <p:spPr>
+            <a:xfrm>
+              <a:off x="2818191" y="1737539"/>
+              <a:ext cx="1789278" cy="369332"/>
+            </a:xfrm>
+            <a:prstGeom prst="rect">
+              <a:avLst/>
+            </a:prstGeom>
+            <a:solidFill>
+              <a:schemeClr val="bg1"/>
+            </a:solidFill>
+            <a:ln>
+              <a:solidFill>
+                <a:schemeClr val="tx1"/>
+              </a:solidFill>
+            </a:ln>
+          </p:spPr>
+          <p:txBody>
+            <a:bodyPr wrap="square" rtlCol="0">
+              <a:spAutoFit/>
+            </a:bodyPr>
+            <a:lstStyle/>
+            <a:p>
+              <a:pPr algn="ctr"/>
+              <a:r>
+                <a:rPr lang="en-US" dirty="0"/>
+                <a:t>Kernel 1</a:t>
+              </a:r>
+              <a:endParaRPr lang="LID4096" dirty="0"/>
+            </a:p>
+          </p:txBody>
+        </p:sp>
+        <p:cxnSp>
+          <p:nvCxnSpPr>
+            <p:cNvPr id="16" name="Straight Arrow Connector 15">
+              <a:extLst>
+                <a:ext uri="{FF2B5EF4-FFF2-40B4-BE49-F238E27FC236}">
+                  <a16:creationId xmlns:a16="http://schemas.microsoft.com/office/drawing/2014/main" id="{6A368571-1C71-A143-069B-76D9875C1088}"/>
+                </a:ext>
+              </a:extLst>
+            </p:cNvPr>
+            <p:cNvCxnSpPr>
+              <a:cxnSpLocks/>
+              <a:stCxn id="13" idx="0"/>
+              <a:endCxn id="14" idx="1"/>
+            </p:cNvCxnSpPr>
+            <p:nvPr/>
+          </p:nvCxnSpPr>
+          <p:spPr>
+            <a:xfrm flipH="1" flipV="1">
+              <a:off x="2818191" y="1922205"/>
+              <a:ext cx="44167" cy="3505201"/>
+            </a:xfrm>
+            <a:prstGeom prst="straightConnector1">
+              <a:avLst/>
+            </a:prstGeom>
+            <a:ln>
+              <a:tailEnd type="none"/>
+            </a:ln>
+          </p:spPr>
+          <p:style>
+            <a:lnRef idx="2">
+              <a:schemeClr val="accent1"/>
+            </a:lnRef>
+            <a:fillRef idx="0">
+              <a:schemeClr val="accent1"/>
+            </a:fillRef>
+            <a:effectRef idx="1">
+              <a:schemeClr val="accent1"/>
+            </a:effectRef>
+            <a:fontRef idx="minor">
+              <a:schemeClr val="tx1"/>
+            </a:fontRef>
+          </p:style>
+        </p:cxnSp>
+      </p:grpSp>
+      <p:grpSp>
+        <p:nvGrpSpPr>
+          <p:cNvPr id="19" name="Group 18">
+            <a:extLst>
+              <a:ext uri="{FF2B5EF4-FFF2-40B4-BE49-F238E27FC236}">
+                <a16:creationId xmlns:a16="http://schemas.microsoft.com/office/drawing/2014/main" id="{832CDE15-9EA0-6A2A-4B62-916B4E5C555D}"/>
+              </a:ext>
+            </a:extLst>
+          </p:cNvPr>
+          <p:cNvGrpSpPr/>
+          <p:nvPr/>
+        </p:nvGrpSpPr>
+        <p:grpSpPr>
+          <a:xfrm>
+            <a:off x="8598525" y="1749067"/>
+            <a:ext cx="2413098" cy="4071178"/>
+            <a:chOff x="2349910" y="1725560"/>
+            <a:chExt cx="2413098" cy="4071178"/>
+          </a:xfrm>
+        </p:grpSpPr>
+        <p:sp>
+          <p:nvSpPr>
+            <p:cNvPr id="20" name="TextBox 19">
+              <a:extLst>
+                <a:ext uri="{FF2B5EF4-FFF2-40B4-BE49-F238E27FC236}">
+                  <a16:creationId xmlns:a16="http://schemas.microsoft.com/office/drawing/2014/main" id="{C3C9F0D4-C61A-D3F1-D857-3DEBFDA4004D}"/>
+                </a:ext>
+              </a:extLst>
+            </p:cNvPr>
+            <p:cNvSpPr txBox="1"/>
+            <p:nvPr/>
+          </p:nvSpPr>
+          <p:spPr>
+            <a:xfrm>
+              <a:off x="2349910" y="5427406"/>
+              <a:ext cx="1024896" cy="369332"/>
+            </a:xfrm>
+            <a:prstGeom prst="rect">
+              <a:avLst/>
+            </a:prstGeom>
+            <a:solidFill>
+              <a:schemeClr val="bg1"/>
+            </a:solidFill>
+            <a:ln>
+              <a:solidFill>
+                <a:schemeClr val="tx1"/>
+              </a:solidFill>
+            </a:ln>
+          </p:spPr>
+          <p:txBody>
+            <a:bodyPr wrap="none" rtlCol="0">
+              <a:spAutoFit/>
+            </a:bodyPr>
+            <a:lstStyle/>
+            <a:p>
+              <a:pPr algn="ctr"/>
+              <a:r>
+                <a:rPr lang="en-US" dirty="0" err="1"/>
+                <a:t>par_for</a:t>
+              </a:r>
+              <a:r>
+                <a:rPr lang="en-US" dirty="0"/>
+                <a:t>()</a:t>
+              </a:r>
+              <a:endParaRPr lang="LID4096" dirty="0"/>
+            </a:p>
+          </p:txBody>
+        </p:sp>
+        <p:sp>
+          <p:nvSpPr>
+            <p:cNvPr id="21" name="TextBox 20">
+              <a:extLst>
+                <a:ext uri="{FF2B5EF4-FFF2-40B4-BE49-F238E27FC236}">
+                  <a16:creationId xmlns:a16="http://schemas.microsoft.com/office/drawing/2014/main" id="{F5B9591C-C82B-9DC0-FB34-5C4F4B7BF15F}"/>
+                </a:ext>
+              </a:extLst>
+            </p:cNvPr>
+            <p:cNvSpPr txBox="1"/>
+            <p:nvPr/>
+          </p:nvSpPr>
+          <p:spPr>
+            <a:xfrm>
+              <a:off x="2821138" y="1725560"/>
+              <a:ext cx="1941870" cy="369332"/>
+            </a:xfrm>
+            <a:prstGeom prst="rect">
+              <a:avLst/>
+            </a:prstGeom>
+            <a:solidFill>
+              <a:schemeClr val="bg1"/>
+            </a:solidFill>
+            <a:ln>
+              <a:solidFill>
+                <a:schemeClr val="tx1"/>
+              </a:solidFill>
+            </a:ln>
+          </p:spPr>
+          <p:txBody>
+            <a:bodyPr wrap="square" rtlCol="0">
+              <a:spAutoFit/>
+            </a:bodyPr>
+            <a:lstStyle/>
+            <a:p>
+              <a:pPr algn="ctr"/>
+              <a:r>
+                <a:rPr lang="en-US" dirty="0"/>
+                <a:t>Kernel 2</a:t>
+              </a:r>
+              <a:endParaRPr lang="LID4096" dirty="0"/>
+            </a:p>
+          </p:txBody>
+        </p:sp>
+        <p:cxnSp>
+          <p:nvCxnSpPr>
+            <p:cNvPr id="22" name="Straight Arrow Connector 21">
+              <a:extLst>
+                <a:ext uri="{FF2B5EF4-FFF2-40B4-BE49-F238E27FC236}">
+                  <a16:creationId xmlns:a16="http://schemas.microsoft.com/office/drawing/2014/main" id="{FA9AF300-E96F-88F4-C35D-5E7A4FAC35A8}"/>
+                </a:ext>
+              </a:extLst>
+            </p:cNvPr>
+            <p:cNvCxnSpPr>
+              <a:cxnSpLocks/>
+              <a:stCxn id="20" idx="0"/>
+              <a:endCxn id="21" idx="1"/>
+            </p:cNvCxnSpPr>
+            <p:nvPr/>
+          </p:nvCxnSpPr>
+          <p:spPr>
+            <a:xfrm flipH="1" flipV="1">
+              <a:off x="2821138" y="1910226"/>
+              <a:ext cx="41220" cy="3517180"/>
+            </a:xfrm>
+            <a:prstGeom prst="straightConnector1">
+              <a:avLst/>
+            </a:prstGeom>
+            <a:ln>
+              <a:tailEnd type="none"/>
+            </a:ln>
+          </p:spPr>
+          <p:style>
+            <a:lnRef idx="2">
+              <a:schemeClr val="accent1"/>
+            </a:lnRef>
+            <a:fillRef idx="0">
+              <a:schemeClr val="accent1"/>
+            </a:fillRef>
+            <a:effectRef idx="1">
+              <a:schemeClr val="accent1"/>
+            </a:effectRef>
+            <a:fontRef idx="minor">
+              <a:schemeClr val="tx1"/>
+            </a:fontRef>
+          </p:style>
+        </p:cxnSp>
+      </p:grpSp>
+      <p:sp>
+        <p:nvSpPr>
+          <p:cNvPr id="24" name="TextBox 23">
+            <a:extLst>
+              <a:ext uri="{FF2B5EF4-FFF2-40B4-BE49-F238E27FC236}">
+                <a16:creationId xmlns:a16="http://schemas.microsoft.com/office/drawing/2014/main" id="{32C2992D-8957-2CB4-6A9B-70ADE97705C9}"/>
+              </a:ext>
+            </a:extLst>
+          </p:cNvPr>
+          <p:cNvSpPr txBox="1"/>
+          <p:nvPr/>
+        </p:nvSpPr>
+        <p:spPr>
+          <a:xfrm>
+            <a:off x="6591050" y="5450913"/>
+            <a:ext cx="1900650" cy="369332"/>
+          </a:xfrm>
+          <a:prstGeom prst="rect">
+            <a:avLst/>
+          </a:prstGeom>
+          <a:solidFill>
+            <a:schemeClr val="bg1"/>
+          </a:solidFill>
+          <a:ln>
+            <a:solidFill>
+              <a:schemeClr val="tx1"/>
+            </a:solidFill>
+          </a:ln>
+        </p:spPr>
+        <p:txBody>
+          <a:bodyPr wrap="square" rtlCol="0">
+            <a:spAutoFit/>
+          </a:bodyPr>
+          <a:lstStyle/>
+          <a:p>
+            <a:pPr algn="ctr"/>
+            <a:r>
+              <a:rPr lang="en-US" dirty="0" err="1"/>
+              <a:t>func</a:t>
+            </a:r>
+            <a:r>
+              <a:rPr lang="en-US" dirty="0"/>
+              <a:t>()</a:t>
+            </a:r>
+            <a:endParaRPr lang="LID4096" dirty="0"/>
+          </a:p>
+        </p:txBody>
+      </p:sp>
+      <p:sp>
+        <p:nvSpPr>
+          <p:cNvPr id="27" name="TextBox 26">
+            <a:extLst>
+              <a:ext uri="{FF2B5EF4-FFF2-40B4-BE49-F238E27FC236}">
+                <a16:creationId xmlns:a16="http://schemas.microsoft.com/office/drawing/2014/main" id="{032D59C9-085B-58EA-4224-4152819D6FF9}"/>
+              </a:ext>
+            </a:extLst>
+          </p:cNvPr>
+          <p:cNvSpPr txBox="1"/>
+          <p:nvPr/>
+        </p:nvSpPr>
+        <p:spPr>
+          <a:xfrm>
+            <a:off x="9670035" y="5439385"/>
+            <a:ext cx="1415844" cy="369332"/>
+          </a:xfrm>
+          <a:prstGeom prst="rect">
+            <a:avLst/>
+          </a:prstGeom>
+          <a:solidFill>
+            <a:schemeClr val="bg1"/>
+          </a:solidFill>
+          <a:ln>
+            <a:solidFill>
+              <a:schemeClr val="tx1"/>
+            </a:solidFill>
+          </a:ln>
+        </p:spPr>
+        <p:txBody>
+          <a:bodyPr wrap="square" rtlCol="0">
+            <a:spAutoFit/>
+          </a:bodyPr>
+          <a:lstStyle/>
+          <a:p>
+            <a:pPr algn="ctr"/>
+            <a:r>
+              <a:rPr lang="en-US" dirty="0"/>
+              <a:t>fence()</a:t>
+            </a:r>
+            <a:endParaRPr lang="LID4096" dirty="0"/>
+          </a:p>
+        </p:txBody>
+      </p:sp>
+      <p:cxnSp>
+        <p:nvCxnSpPr>
+          <p:cNvPr id="29" name="Straight Connector 28">
+            <a:extLst>
+              <a:ext uri="{FF2B5EF4-FFF2-40B4-BE49-F238E27FC236}">
+                <a16:creationId xmlns:a16="http://schemas.microsoft.com/office/drawing/2014/main" id="{DF52F4A4-625E-2FAD-92AF-6E780FBEB1F5}"/>
+              </a:ext>
+            </a:extLst>
+          </p:cNvPr>
+          <p:cNvCxnSpPr/>
+          <p:nvPr/>
+        </p:nvCxnSpPr>
+        <p:spPr>
+          <a:xfrm>
+            <a:off x="11085878" y="1199535"/>
+            <a:ext cx="0" cy="5142271"/>
+          </a:xfrm>
+          <a:prstGeom prst="line">
+            <a:avLst/>
+          </a:prstGeom>
+          <a:ln w="28575">
+            <a:solidFill>
+              <a:schemeClr val="tx1"/>
+            </a:solidFill>
+            <a:prstDash val="dash"/>
+          </a:ln>
+        </p:spPr>
+        <p:style>
+          <a:lnRef idx="2">
+            <a:schemeClr val="accent1"/>
+          </a:lnRef>
+          <a:fillRef idx="0">
+            <a:schemeClr val="accent1"/>
+          </a:fillRef>
+          <a:effectRef idx="1">
+            <a:schemeClr val="accent1"/>
+          </a:effectRef>
+          <a:fontRef idx="minor">
+            <a:schemeClr val="tx1"/>
+          </a:fontRef>
+        </p:style>
+      </p:cxnSp>
+      <p:sp>
+        <p:nvSpPr>
+          <p:cNvPr id="2" name="Rectangle 1">
+            <a:extLst>
+              <a:ext uri="{FF2B5EF4-FFF2-40B4-BE49-F238E27FC236}">
+                <a16:creationId xmlns:a16="http://schemas.microsoft.com/office/drawing/2014/main" id="{C375DE67-520D-F3C1-064B-9935D1B09612}"/>
+              </a:ext>
+            </a:extLst>
+          </p:cNvPr>
+          <p:cNvSpPr/>
+          <p:nvPr/>
+        </p:nvSpPr>
+        <p:spPr>
+          <a:xfrm>
+            <a:off x="4719350" y="1737539"/>
+            <a:ext cx="1797445" cy="4094235"/>
+          </a:xfrm>
+          <a:prstGeom prst="rect">
+            <a:avLst/>
+          </a:prstGeom>
+          <a:solidFill>
+            <a:schemeClr val="bg1"/>
+          </a:solidFill>
+          <a:ln>
+            <a:solidFill>
+              <a:schemeClr val="tx1"/>
+            </a:solidFill>
+          </a:ln>
+        </p:spPr>
+        <p:style>
+          <a:lnRef idx="2">
+            <a:schemeClr val="accent1">
+              <a:shade val="15000"/>
+            </a:schemeClr>
+          </a:lnRef>
+          <a:fillRef idx="1">
+            <a:schemeClr val="accent1"/>
+          </a:fillRef>
+          <a:effectRef idx="0">
+            <a:schemeClr val="accent1"/>
+          </a:effectRef>
+          <a:fontRef idx="minor">
+            <a:schemeClr val="lt1"/>
+          </a:fontRef>
+        </p:style>
+        <p:txBody>
+          <a:bodyPr rtlCol="0" anchor="ctr"/>
+          <a:lstStyle/>
+          <a:p>
+            <a:pPr algn="ctr"/>
+            <a:r>
+              <a:rPr lang="en-US" dirty="0" err="1">
+                <a:solidFill>
+                  <a:schemeClr val="tx1"/>
+                </a:solidFill>
+              </a:rPr>
+              <a:t>deep_copy</a:t>
+            </a:r>
+            <a:endParaRPr lang="LID4096" dirty="0">
+              <a:solidFill>
+                <a:schemeClr val="tx1"/>
+              </a:solidFill>
+            </a:endParaRPr>
+          </a:p>
+        </p:txBody>
+      </p:sp>
+    </p:spTree>
+    <p:extLst>
+      <p:ext uri="{BB962C8B-B14F-4D97-AF65-F5344CB8AC3E}">
+        <p14:creationId xmlns:p14="http://schemas.microsoft.com/office/powerpoint/2010/main" val="899678183"/>
+      </p:ext>
+    </p:extLst>
+  </p:cSld>
+  <p:clrMapOvr>
+    <a:masterClrMapping/>
+  </p:clrMapOvr>
+</p:sld>
+</file>
+
+<file path=ppt/slides/slide6.xml><?xml version="1.0" encoding="utf-8"?>
+<p:sld xmlns:a="http://schemas.openxmlformats.org/drawingml/2006/main" xmlns:r="http://schemas.openxmlformats.org/officeDocument/2006/relationships" xmlns:p="http://schemas.openxmlformats.org/presentationml/2006/main">
+  <p:cSld>
+    <p:spTree>
+      <p:nvGrpSpPr>
+        <p:cNvPr id="1" name=""/>
+        <p:cNvGrpSpPr/>
+        <p:nvPr/>
+      </p:nvGrpSpPr>
+      <p:grpSpPr>
+        <a:xfrm>
+          <a:off x="0" y="0"/>
+          <a:ext cx="0" cy="0"/>
+          <a:chOff x="0" y="0"/>
+          <a:chExt cx="0" cy="0"/>
+        </a:xfrm>
+      </p:grpSpPr>
+      <p:grpSp>
+        <p:nvGrpSpPr>
+          <p:cNvPr id="6" name="Group 5">
+            <a:extLst>
+              <a:ext uri="{FF2B5EF4-FFF2-40B4-BE49-F238E27FC236}">
+                <a16:creationId xmlns:a16="http://schemas.microsoft.com/office/drawing/2014/main" id="{E219ADA0-B066-409D-20D7-BD2F27A2AE5A}"/>
+              </a:ext>
+            </a:extLst>
+          </p:cNvPr>
+          <p:cNvGrpSpPr/>
+          <p:nvPr/>
+        </p:nvGrpSpPr>
+        <p:grpSpPr>
+          <a:xfrm>
+            <a:off x="997974" y="5246133"/>
+            <a:ext cx="10589342" cy="825909"/>
+            <a:chOff x="943897" y="5211097"/>
+            <a:chExt cx="10589342" cy="825909"/>
+          </a:xfrm>
+        </p:grpSpPr>
+        <p:sp>
+          <p:nvSpPr>
+            <p:cNvPr id="4" name="Rectangle 3">
+              <a:extLst>
+                <a:ext uri="{FF2B5EF4-FFF2-40B4-BE49-F238E27FC236}">
+                  <a16:creationId xmlns:a16="http://schemas.microsoft.com/office/drawing/2014/main" id="{5BD7A810-1641-62B8-9067-9B37B4E1C93D}"/>
+                </a:ext>
+              </a:extLst>
+            </p:cNvPr>
+            <p:cNvSpPr/>
+            <p:nvPr/>
+          </p:nvSpPr>
+          <p:spPr>
+            <a:xfrm>
+              <a:off x="2182761" y="5211097"/>
+              <a:ext cx="9350478" cy="825909"/>
+            </a:xfrm>
+            <a:prstGeom prst="rect">
+              <a:avLst/>
+            </a:prstGeom>
+            <a:solidFill>
+              <a:schemeClr val="bg1">
+                <a:lumMod val="95000"/>
+              </a:schemeClr>
+            </a:solidFill>
+          </p:spPr>
+          <p:style>
+            <a:lnRef idx="2">
+              <a:schemeClr val="accent1">
+                <a:shade val="15000"/>
+              </a:schemeClr>
+            </a:lnRef>
+            <a:fillRef idx="1">
+              <a:schemeClr val="accent1"/>
+            </a:fillRef>
+            <a:effectRef idx="0">
+              <a:schemeClr val="accent1"/>
+            </a:effectRef>
+            <a:fontRef idx="minor">
+              <a:schemeClr val="lt1"/>
+            </a:fontRef>
+          </p:style>
+          <p:txBody>
+            <a:bodyPr rtlCol="0" anchor="ctr"/>
+            <a:lstStyle/>
+            <a:p>
+              <a:pPr algn="ctr"/>
+              <a:endParaRPr lang="LID4096" dirty="0"/>
+            </a:p>
+          </p:txBody>
+        </p:sp>
+        <p:sp>
+          <p:nvSpPr>
+            <p:cNvPr id="5" name="TextBox 4">
+              <a:extLst>
+                <a:ext uri="{FF2B5EF4-FFF2-40B4-BE49-F238E27FC236}">
+                  <a16:creationId xmlns:a16="http://schemas.microsoft.com/office/drawing/2014/main" id="{580E9D98-436A-4EA7-FE80-E936B72DB400}"/>
+                </a:ext>
+              </a:extLst>
+            </p:cNvPr>
+            <p:cNvSpPr txBox="1"/>
+            <p:nvPr/>
+          </p:nvSpPr>
+          <p:spPr>
+            <a:xfrm>
+              <a:off x="943897" y="5427406"/>
+              <a:ext cx="983026" cy="369332"/>
+            </a:xfrm>
+            <a:prstGeom prst="rect">
+              <a:avLst/>
+            </a:prstGeom>
+            <a:noFill/>
+          </p:spPr>
+          <p:txBody>
+            <a:bodyPr wrap="none" rtlCol="0">
+              <a:spAutoFit/>
+            </a:bodyPr>
+            <a:lstStyle/>
+            <a:p>
+              <a:r>
+                <a:rPr lang="en-US" dirty="0"/>
+                <a:t>process</a:t>
+              </a:r>
+              <a:endParaRPr lang="LID4096" dirty="0"/>
+            </a:p>
+          </p:txBody>
+        </p:sp>
+      </p:grpSp>
+      <p:grpSp>
+        <p:nvGrpSpPr>
+          <p:cNvPr id="7" name="Group 6">
+            <a:extLst>
+              <a:ext uri="{FF2B5EF4-FFF2-40B4-BE49-F238E27FC236}">
+                <a16:creationId xmlns:a16="http://schemas.microsoft.com/office/drawing/2014/main" id="{13E72877-6C08-BB5D-67A9-AEAF201158BA}"/>
+              </a:ext>
+            </a:extLst>
+          </p:cNvPr>
+          <p:cNvGrpSpPr/>
+          <p:nvPr/>
+        </p:nvGrpSpPr>
+        <p:grpSpPr>
+          <a:xfrm>
+            <a:off x="997974" y="1509251"/>
+            <a:ext cx="10589342" cy="825909"/>
+            <a:chOff x="943897" y="5211097"/>
+            <a:chExt cx="10589342" cy="825909"/>
+          </a:xfrm>
+        </p:grpSpPr>
+        <p:sp>
+          <p:nvSpPr>
+            <p:cNvPr id="8" name="Rectangle 7">
+              <a:extLst>
+                <a:ext uri="{FF2B5EF4-FFF2-40B4-BE49-F238E27FC236}">
+                  <a16:creationId xmlns:a16="http://schemas.microsoft.com/office/drawing/2014/main" id="{CBC1D772-9664-F511-DAFF-0922007D58D9}"/>
+                </a:ext>
+              </a:extLst>
+            </p:cNvPr>
+            <p:cNvSpPr/>
+            <p:nvPr/>
+          </p:nvSpPr>
+          <p:spPr>
+            <a:xfrm>
+              <a:off x="2182761" y="5211097"/>
+              <a:ext cx="9350478" cy="825909"/>
+            </a:xfrm>
+            <a:prstGeom prst="rect">
+              <a:avLst/>
+            </a:prstGeom>
+            <a:solidFill>
+              <a:schemeClr val="bg1">
+                <a:lumMod val="95000"/>
+              </a:schemeClr>
+            </a:solidFill>
+          </p:spPr>
+          <p:style>
+            <a:lnRef idx="2">
+              <a:schemeClr val="accent1">
+                <a:shade val="15000"/>
+              </a:schemeClr>
+            </a:lnRef>
+            <a:fillRef idx="1">
+              <a:schemeClr val="accent1"/>
+            </a:fillRef>
+            <a:effectRef idx="0">
+              <a:schemeClr val="accent1"/>
+            </a:effectRef>
+            <a:fontRef idx="minor">
+              <a:schemeClr val="lt1"/>
+            </a:fontRef>
+          </p:style>
+          <p:txBody>
+            <a:bodyPr rtlCol="0" anchor="ctr"/>
+            <a:lstStyle/>
+            <a:p>
+              <a:pPr algn="ctr"/>
+              <a:endParaRPr lang="LID4096" dirty="0"/>
+            </a:p>
+          </p:txBody>
+        </p:sp>
+        <p:sp>
+          <p:nvSpPr>
+            <p:cNvPr id="9" name="TextBox 8">
+              <a:extLst>
+                <a:ext uri="{FF2B5EF4-FFF2-40B4-BE49-F238E27FC236}">
+                  <a16:creationId xmlns:a16="http://schemas.microsoft.com/office/drawing/2014/main" id="{6E5F146F-0395-39B2-D84C-D7AF6BB25F48}"/>
+                </a:ext>
+              </a:extLst>
+            </p:cNvPr>
+            <p:cNvSpPr txBox="1"/>
+            <p:nvPr/>
+          </p:nvSpPr>
+          <p:spPr>
+            <a:xfrm>
+              <a:off x="943897" y="5427406"/>
+              <a:ext cx="638316" cy="369332"/>
+            </a:xfrm>
+            <a:prstGeom prst="rect">
+              <a:avLst/>
+            </a:prstGeom>
+            <a:noFill/>
+          </p:spPr>
+          <p:txBody>
+            <a:bodyPr wrap="none" rtlCol="0">
+              <a:spAutoFit/>
+            </a:bodyPr>
+            <a:lstStyle/>
+            <a:p>
+              <a:r>
+                <a:rPr lang="en-US" dirty="0"/>
+                <a:t>GPU</a:t>
+              </a:r>
+              <a:endParaRPr lang="LID4096" dirty="0"/>
+            </a:p>
+          </p:txBody>
+        </p:sp>
+      </p:grpSp>
+      <p:grpSp>
+        <p:nvGrpSpPr>
+          <p:cNvPr id="10" name="Group 9">
+            <a:extLst>
+              <a:ext uri="{FF2B5EF4-FFF2-40B4-BE49-F238E27FC236}">
+                <a16:creationId xmlns:a16="http://schemas.microsoft.com/office/drawing/2014/main" id="{935263E2-5E46-1181-D78C-9CD33A1DE463}"/>
+              </a:ext>
+            </a:extLst>
+          </p:cNvPr>
+          <p:cNvGrpSpPr/>
+          <p:nvPr/>
+        </p:nvGrpSpPr>
+        <p:grpSpPr>
+          <a:xfrm>
+            <a:off x="997974" y="3255861"/>
+            <a:ext cx="10589342" cy="825909"/>
+            <a:chOff x="943897" y="5211097"/>
+            <a:chExt cx="10589342" cy="825909"/>
+          </a:xfrm>
+        </p:grpSpPr>
+        <p:sp>
+          <p:nvSpPr>
+            <p:cNvPr id="11" name="Rectangle 10">
+              <a:extLst>
+                <a:ext uri="{FF2B5EF4-FFF2-40B4-BE49-F238E27FC236}">
+                  <a16:creationId xmlns:a16="http://schemas.microsoft.com/office/drawing/2014/main" id="{3FECE88D-268A-5BC6-C00A-21545C2AA45E}"/>
+                </a:ext>
+              </a:extLst>
+            </p:cNvPr>
+            <p:cNvSpPr/>
+            <p:nvPr/>
+          </p:nvSpPr>
+          <p:spPr>
+            <a:xfrm>
+              <a:off x="2182761" y="5211097"/>
+              <a:ext cx="9350478" cy="825909"/>
+            </a:xfrm>
+            <a:prstGeom prst="rect">
+              <a:avLst/>
+            </a:prstGeom>
+            <a:solidFill>
+              <a:schemeClr val="bg1">
+                <a:lumMod val="95000"/>
+              </a:schemeClr>
+            </a:solidFill>
+          </p:spPr>
+          <p:style>
+            <a:lnRef idx="2">
+              <a:schemeClr val="accent1">
+                <a:shade val="15000"/>
+              </a:schemeClr>
+            </a:lnRef>
+            <a:fillRef idx="1">
+              <a:schemeClr val="accent1"/>
+            </a:fillRef>
+            <a:effectRef idx="0">
+              <a:schemeClr val="accent1"/>
+            </a:effectRef>
+            <a:fontRef idx="minor">
+              <a:schemeClr val="lt1"/>
+            </a:fontRef>
+          </p:style>
+          <p:txBody>
+            <a:bodyPr rtlCol="0" anchor="ctr"/>
+            <a:lstStyle/>
+            <a:p>
+              <a:pPr algn="ctr"/>
+              <a:endParaRPr lang="LID4096" dirty="0"/>
+            </a:p>
+          </p:txBody>
+        </p:sp>
+        <p:sp>
+          <p:nvSpPr>
+            <p:cNvPr id="12" name="TextBox 11">
+              <a:extLst>
+                <a:ext uri="{FF2B5EF4-FFF2-40B4-BE49-F238E27FC236}">
+                  <a16:creationId xmlns:a16="http://schemas.microsoft.com/office/drawing/2014/main" id="{6572CC7B-EAA0-98BC-B9AD-D39317C588EA}"/>
+                </a:ext>
+              </a:extLst>
+            </p:cNvPr>
+            <p:cNvSpPr txBox="1"/>
+            <p:nvPr/>
+          </p:nvSpPr>
+          <p:spPr>
+            <a:xfrm>
+              <a:off x="943897" y="5427406"/>
+              <a:ext cx="635110" cy="369332"/>
+            </a:xfrm>
+            <a:prstGeom prst="rect">
+              <a:avLst/>
+            </a:prstGeom>
+            <a:noFill/>
+          </p:spPr>
+          <p:txBody>
+            <a:bodyPr wrap="none" rtlCol="0">
+              <a:spAutoFit/>
+            </a:bodyPr>
+            <a:lstStyle/>
+            <a:p>
+              <a:r>
+                <a:rPr lang="en-US" dirty="0"/>
+                <a:t>CPU</a:t>
+              </a:r>
+              <a:endParaRPr lang="LID4096" dirty="0"/>
+            </a:p>
+          </p:txBody>
+        </p:sp>
+      </p:grpSp>
+      <p:grpSp>
+        <p:nvGrpSpPr>
+          <p:cNvPr id="18" name="Group 17">
+            <a:extLst>
+              <a:ext uri="{FF2B5EF4-FFF2-40B4-BE49-F238E27FC236}">
+                <a16:creationId xmlns:a16="http://schemas.microsoft.com/office/drawing/2014/main" id="{1C805DC7-1405-330A-C87B-8825D176C036}"/>
+              </a:ext>
+            </a:extLst>
+          </p:cNvPr>
+          <p:cNvGrpSpPr/>
+          <p:nvPr/>
+        </p:nvGrpSpPr>
+        <p:grpSpPr>
+          <a:xfrm>
+            <a:off x="2349910" y="1737539"/>
+            <a:ext cx="3691975" cy="4059199"/>
+            <a:chOff x="2349910" y="1737539"/>
+            <a:chExt cx="3691975" cy="4059199"/>
+          </a:xfrm>
+        </p:grpSpPr>
+        <p:sp>
+          <p:nvSpPr>
+            <p:cNvPr id="13" name="TextBox 12">
+              <a:extLst>
+                <a:ext uri="{FF2B5EF4-FFF2-40B4-BE49-F238E27FC236}">
+                  <a16:creationId xmlns:a16="http://schemas.microsoft.com/office/drawing/2014/main" id="{1FF72C8E-7AC4-3656-71C2-CA67D2D244A5}"/>
+                </a:ext>
+              </a:extLst>
+            </p:cNvPr>
+            <p:cNvSpPr txBox="1"/>
+            <p:nvPr/>
+          </p:nvSpPr>
+          <p:spPr>
+            <a:xfrm>
+              <a:off x="2349910" y="5427406"/>
+              <a:ext cx="1024896" cy="369332"/>
+            </a:xfrm>
+            <a:prstGeom prst="rect">
+              <a:avLst/>
+            </a:prstGeom>
+            <a:solidFill>
+              <a:schemeClr val="bg1"/>
+            </a:solidFill>
+            <a:ln>
+              <a:solidFill>
+                <a:schemeClr val="tx1"/>
+              </a:solidFill>
+            </a:ln>
+          </p:spPr>
+          <p:txBody>
+            <a:bodyPr wrap="none" rtlCol="0">
+              <a:spAutoFit/>
+            </a:bodyPr>
+            <a:lstStyle/>
+            <a:p>
+              <a:pPr algn="ctr"/>
+              <a:r>
+                <a:rPr lang="en-US" dirty="0" err="1"/>
+                <a:t>par_for</a:t>
+              </a:r>
+              <a:r>
+                <a:rPr lang="en-US" dirty="0"/>
+                <a:t>()</a:t>
+              </a:r>
+              <a:endParaRPr lang="LID4096" dirty="0"/>
+            </a:p>
+          </p:txBody>
+        </p:sp>
+        <p:sp>
+          <p:nvSpPr>
+            <p:cNvPr id="14" name="TextBox 13">
+              <a:extLst>
+                <a:ext uri="{FF2B5EF4-FFF2-40B4-BE49-F238E27FC236}">
+                  <a16:creationId xmlns:a16="http://schemas.microsoft.com/office/drawing/2014/main" id="{17729DD2-268C-FB71-6C2A-3F5635C4D19F}"/>
+                </a:ext>
+              </a:extLst>
+            </p:cNvPr>
+            <p:cNvSpPr txBox="1"/>
+            <p:nvPr/>
+          </p:nvSpPr>
+          <p:spPr>
+            <a:xfrm>
+              <a:off x="2818190" y="1737539"/>
+              <a:ext cx="3223695" cy="369332"/>
+            </a:xfrm>
+            <a:prstGeom prst="rect">
+              <a:avLst/>
+            </a:prstGeom>
+            <a:solidFill>
+              <a:schemeClr val="bg1"/>
+            </a:solidFill>
+            <a:ln>
+              <a:solidFill>
+                <a:schemeClr val="tx1"/>
+              </a:solidFill>
+            </a:ln>
+          </p:spPr>
+          <p:txBody>
+            <a:bodyPr wrap="square" rtlCol="0">
+              <a:spAutoFit/>
+            </a:bodyPr>
+            <a:lstStyle/>
+            <a:p>
+              <a:pPr algn="ctr"/>
+              <a:r>
+                <a:rPr lang="en-US" dirty="0"/>
+                <a:t>Kernel 1</a:t>
+              </a:r>
+              <a:endParaRPr lang="LID4096" dirty="0"/>
+            </a:p>
+          </p:txBody>
+        </p:sp>
+        <p:cxnSp>
+          <p:nvCxnSpPr>
+            <p:cNvPr id="16" name="Straight Arrow Connector 15">
+              <a:extLst>
+                <a:ext uri="{FF2B5EF4-FFF2-40B4-BE49-F238E27FC236}">
+                  <a16:creationId xmlns:a16="http://schemas.microsoft.com/office/drawing/2014/main" id="{6A368571-1C71-A143-069B-76D9875C1088}"/>
+                </a:ext>
+              </a:extLst>
+            </p:cNvPr>
+            <p:cNvCxnSpPr>
+              <a:cxnSpLocks/>
+              <a:stCxn id="13" idx="0"/>
+              <a:endCxn id="14" idx="1"/>
+            </p:cNvCxnSpPr>
+            <p:nvPr/>
+          </p:nvCxnSpPr>
+          <p:spPr>
+            <a:xfrm flipH="1" flipV="1">
+              <a:off x="2818190" y="1922205"/>
+              <a:ext cx="44168" cy="3505201"/>
+            </a:xfrm>
+            <a:prstGeom prst="straightConnector1">
+              <a:avLst/>
+            </a:prstGeom>
+            <a:ln>
+              <a:tailEnd type="none"/>
+            </a:ln>
+          </p:spPr>
+          <p:style>
+            <a:lnRef idx="2">
+              <a:schemeClr val="accent1"/>
+            </a:lnRef>
+            <a:fillRef idx="0">
+              <a:schemeClr val="accent1"/>
+            </a:fillRef>
+            <a:effectRef idx="1">
+              <a:schemeClr val="accent1"/>
+            </a:effectRef>
+            <a:fontRef idx="minor">
+              <a:schemeClr val="tx1"/>
+            </a:fontRef>
+          </p:style>
+        </p:cxnSp>
+      </p:grpSp>
+      <p:grpSp>
+        <p:nvGrpSpPr>
+          <p:cNvPr id="19" name="Group 18">
+            <a:extLst>
+              <a:ext uri="{FF2B5EF4-FFF2-40B4-BE49-F238E27FC236}">
+                <a16:creationId xmlns:a16="http://schemas.microsoft.com/office/drawing/2014/main" id="{832CDE15-9EA0-6A2A-4B62-916B4E5C555D}"/>
+              </a:ext>
+            </a:extLst>
+          </p:cNvPr>
+          <p:cNvGrpSpPr/>
+          <p:nvPr/>
+        </p:nvGrpSpPr>
+        <p:grpSpPr>
+          <a:xfrm>
+            <a:off x="4595349" y="1737539"/>
+            <a:ext cx="4155358" cy="4068720"/>
+            <a:chOff x="2349910" y="1728018"/>
+            <a:chExt cx="4155358" cy="4068720"/>
+          </a:xfrm>
+        </p:grpSpPr>
+        <p:sp>
+          <p:nvSpPr>
+            <p:cNvPr id="20" name="TextBox 19">
+              <a:extLst>
+                <a:ext uri="{FF2B5EF4-FFF2-40B4-BE49-F238E27FC236}">
+                  <a16:creationId xmlns:a16="http://schemas.microsoft.com/office/drawing/2014/main" id="{C3C9F0D4-C61A-D3F1-D857-3DEBFDA4004D}"/>
+                </a:ext>
+              </a:extLst>
+            </p:cNvPr>
+            <p:cNvSpPr txBox="1"/>
+            <p:nvPr/>
+          </p:nvSpPr>
+          <p:spPr>
+            <a:xfrm>
+              <a:off x="2349910" y="5427406"/>
+              <a:ext cx="1024896" cy="369332"/>
+            </a:xfrm>
+            <a:prstGeom prst="rect">
+              <a:avLst/>
+            </a:prstGeom>
+            <a:solidFill>
+              <a:schemeClr val="bg1"/>
+            </a:solidFill>
+            <a:ln>
+              <a:solidFill>
+                <a:schemeClr val="tx1"/>
+              </a:solidFill>
+            </a:ln>
+          </p:spPr>
+          <p:txBody>
+            <a:bodyPr wrap="none" rtlCol="0">
+              <a:spAutoFit/>
+            </a:bodyPr>
+            <a:lstStyle/>
+            <a:p>
+              <a:pPr algn="ctr"/>
+              <a:r>
+                <a:rPr lang="en-US" dirty="0" err="1"/>
+                <a:t>par_for</a:t>
+              </a:r>
+              <a:r>
+                <a:rPr lang="en-US" dirty="0"/>
+                <a:t>()</a:t>
+              </a:r>
+              <a:endParaRPr lang="LID4096" dirty="0"/>
+            </a:p>
+          </p:txBody>
+        </p:sp>
+        <p:sp>
+          <p:nvSpPr>
+            <p:cNvPr id="21" name="TextBox 20">
+              <a:extLst>
+                <a:ext uri="{FF2B5EF4-FFF2-40B4-BE49-F238E27FC236}">
+                  <a16:creationId xmlns:a16="http://schemas.microsoft.com/office/drawing/2014/main" id="{F5B9591C-C82B-9DC0-FB34-5C4F4B7BF15F}"/>
+                </a:ext>
+              </a:extLst>
+            </p:cNvPr>
+            <p:cNvSpPr txBox="1"/>
+            <p:nvPr/>
+          </p:nvSpPr>
+          <p:spPr>
+            <a:xfrm>
+              <a:off x="3904675" y="1728018"/>
+              <a:ext cx="2600593" cy="369332"/>
+            </a:xfrm>
+            <a:prstGeom prst="rect">
+              <a:avLst/>
+            </a:prstGeom>
+            <a:solidFill>
+              <a:schemeClr val="bg1"/>
+            </a:solidFill>
+            <a:ln>
+              <a:solidFill>
+                <a:schemeClr val="tx1"/>
+              </a:solidFill>
+            </a:ln>
+          </p:spPr>
+          <p:txBody>
+            <a:bodyPr wrap="square" rtlCol="0">
+              <a:spAutoFit/>
+            </a:bodyPr>
+            <a:lstStyle/>
+            <a:p>
+              <a:pPr algn="ctr"/>
+              <a:r>
+                <a:rPr lang="en-US" dirty="0"/>
+                <a:t>Kernel 2</a:t>
+              </a:r>
+              <a:endParaRPr lang="LID4096" dirty="0"/>
+            </a:p>
+          </p:txBody>
+        </p:sp>
+        <p:cxnSp>
+          <p:nvCxnSpPr>
+            <p:cNvPr id="22" name="Straight Arrow Connector 21">
+              <a:extLst>
+                <a:ext uri="{FF2B5EF4-FFF2-40B4-BE49-F238E27FC236}">
+                  <a16:creationId xmlns:a16="http://schemas.microsoft.com/office/drawing/2014/main" id="{FA9AF300-E96F-88F4-C35D-5E7A4FAC35A8}"/>
+                </a:ext>
+              </a:extLst>
+            </p:cNvPr>
+            <p:cNvCxnSpPr>
+              <a:cxnSpLocks/>
+              <a:stCxn id="20" idx="0"/>
+              <a:endCxn id="21" idx="1"/>
+            </p:cNvCxnSpPr>
+            <p:nvPr/>
+          </p:nvCxnSpPr>
+          <p:spPr>
+            <a:xfrm flipV="1">
+              <a:off x="2862358" y="1912684"/>
+              <a:ext cx="1042317" cy="3514722"/>
+            </a:xfrm>
+            <a:prstGeom prst="straightConnector1">
+              <a:avLst/>
+            </a:prstGeom>
+            <a:ln>
+              <a:tailEnd type="none"/>
+            </a:ln>
+          </p:spPr>
+          <p:style>
+            <a:lnRef idx="2">
+              <a:schemeClr val="accent1"/>
+            </a:lnRef>
+            <a:fillRef idx="0">
+              <a:schemeClr val="accent1"/>
+            </a:fillRef>
+            <a:effectRef idx="1">
+              <a:schemeClr val="accent1"/>
+            </a:effectRef>
+            <a:fontRef idx="minor">
+              <a:schemeClr val="tx1"/>
+            </a:fontRef>
+          </p:style>
+        </p:cxnSp>
+      </p:grpSp>
+      <p:sp>
+        <p:nvSpPr>
+          <p:cNvPr id="24" name="TextBox 23">
+            <a:extLst>
+              <a:ext uri="{FF2B5EF4-FFF2-40B4-BE49-F238E27FC236}">
+                <a16:creationId xmlns:a16="http://schemas.microsoft.com/office/drawing/2014/main" id="{32C2992D-8957-2CB4-6A9B-70ADE97705C9}"/>
+              </a:ext>
+            </a:extLst>
+          </p:cNvPr>
+          <p:cNvSpPr txBox="1"/>
+          <p:nvPr/>
+        </p:nvSpPr>
+        <p:spPr>
+          <a:xfrm>
+            <a:off x="5720005" y="5425400"/>
+            <a:ext cx="1941497" cy="369332"/>
+          </a:xfrm>
+          <a:prstGeom prst="rect">
+            <a:avLst/>
+          </a:prstGeom>
+          <a:solidFill>
+            <a:schemeClr val="bg1"/>
+          </a:solidFill>
+          <a:ln>
+            <a:solidFill>
+              <a:schemeClr val="tx1"/>
+            </a:solidFill>
+          </a:ln>
+        </p:spPr>
+        <p:txBody>
+          <a:bodyPr wrap="square" rtlCol="0">
+            <a:spAutoFit/>
+          </a:bodyPr>
+          <a:lstStyle/>
+          <a:p>
+            <a:pPr algn="ctr"/>
+            <a:r>
+              <a:rPr lang="en-US" dirty="0" err="1"/>
+              <a:t>func</a:t>
+            </a:r>
+            <a:r>
+              <a:rPr lang="en-US" dirty="0"/>
+              <a:t>()</a:t>
+            </a:r>
+            <a:endParaRPr lang="LID4096" dirty="0"/>
+          </a:p>
+        </p:txBody>
+      </p:sp>
+      <p:sp>
+        <p:nvSpPr>
+          <p:cNvPr id="27" name="TextBox 26">
+            <a:extLst>
+              <a:ext uri="{FF2B5EF4-FFF2-40B4-BE49-F238E27FC236}">
+                <a16:creationId xmlns:a16="http://schemas.microsoft.com/office/drawing/2014/main" id="{032D59C9-085B-58EA-4224-4152819D6FF9}"/>
+              </a:ext>
+            </a:extLst>
+          </p:cNvPr>
+          <p:cNvSpPr txBox="1"/>
+          <p:nvPr/>
+        </p:nvSpPr>
+        <p:spPr>
+          <a:xfrm>
+            <a:off x="7819220" y="5439385"/>
+            <a:ext cx="1024897" cy="369332"/>
+          </a:xfrm>
+          <a:prstGeom prst="rect">
+            <a:avLst/>
+          </a:prstGeom>
+          <a:solidFill>
+            <a:schemeClr val="bg1"/>
+          </a:solidFill>
+          <a:ln>
+            <a:solidFill>
+              <a:schemeClr val="tx1"/>
+            </a:solidFill>
+          </a:ln>
+        </p:spPr>
+        <p:txBody>
+          <a:bodyPr wrap="square" rtlCol="0">
+            <a:spAutoFit/>
+          </a:bodyPr>
+          <a:lstStyle/>
+          <a:p>
+            <a:pPr algn="ctr"/>
+            <a:r>
+              <a:rPr lang="en-US" dirty="0"/>
+              <a:t>fence()</a:t>
+            </a:r>
+            <a:endParaRPr lang="LID4096" dirty="0"/>
+          </a:p>
+        </p:txBody>
+      </p:sp>
+      <p:cxnSp>
+        <p:nvCxnSpPr>
+          <p:cNvPr id="29" name="Straight Connector 28">
+            <a:extLst>
+              <a:ext uri="{FF2B5EF4-FFF2-40B4-BE49-F238E27FC236}">
+                <a16:creationId xmlns:a16="http://schemas.microsoft.com/office/drawing/2014/main" id="{DF52F4A4-625E-2FAD-92AF-6E780FBEB1F5}"/>
+              </a:ext>
+            </a:extLst>
+          </p:cNvPr>
+          <p:cNvCxnSpPr/>
+          <p:nvPr/>
+        </p:nvCxnSpPr>
+        <p:spPr>
+          <a:xfrm>
+            <a:off x="8844117" y="1199535"/>
+            <a:ext cx="0" cy="5142271"/>
+          </a:xfrm>
+          <a:prstGeom prst="line">
+            <a:avLst/>
+          </a:prstGeom>
+          <a:ln w="28575">
+            <a:solidFill>
+              <a:schemeClr val="tx1"/>
+            </a:solidFill>
+            <a:prstDash val="dash"/>
+          </a:ln>
+        </p:spPr>
+        <p:style>
+          <a:lnRef idx="2">
+            <a:schemeClr val="accent1"/>
+          </a:lnRef>
+          <a:fillRef idx="0">
+            <a:schemeClr val="accent1"/>
+          </a:fillRef>
+          <a:effectRef idx="1">
+            <a:schemeClr val="accent1"/>
+          </a:effectRef>
+          <a:fontRef idx="minor">
+            <a:schemeClr val="tx1"/>
+          </a:fontRef>
+        </p:style>
+      </p:cxnSp>
+      <p:grpSp>
+        <p:nvGrpSpPr>
+          <p:cNvPr id="2" name="Group 1">
+            <a:extLst>
+              <a:ext uri="{FF2B5EF4-FFF2-40B4-BE49-F238E27FC236}">
+                <a16:creationId xmlns:a16="http://schemas.microsoft.com/office/drawing/2014/main" id="{72CFB9F8-137E-406B-968E-64C654860A0B}"/>
+              </a:ext>
+            </a:extLst>
+          </p:cNvPr>
+          <p:cNvGrpSpPr/>
+          <p:nvPr/>
+        </p:nvGrpSpPr>
+        <p:grpSpPr>
+          <a:xfrm>
+            <a:off x="3448626" y="3429000"/>
+            <a:ext cx="3817410" cy="2355759"/>
+            <a:chOff x="2349910" y="3440979"/>
+            <a:chExt cx="3817410" cy="2355759"/>
+          </a:xfrm>
+        </p:grpSpPr>
+        <p:sp>
+          <p:nvSpPr>
+            <p:cNvPr id="3" name="TextBox 2">
+              <a:extLst>
+                <a:ext uri="{FF2B5EF4-FFF2-40B4-BE49-F238E27FC236}">
+                  <a16:creationId xmlns:a16="http://schemas.microsoft.com/office/drawing/2014/main" id="{E16F04EB-ADD1-C785-F843-4455F5A9AE3E}"/>
+                </a:ext>
+              </a:extLst>
+            </p:cNvPr>
+            <p:cNvSpPr txBox="1"/>
+            <p:nvPr/>
+          </p:nvSpPr>
+          <p:spPr>
+            <a:xfrm>
+              <a:off x="2349910" y="5427406"/>
+              <a:ext cx="1024896" cy="369332"/>
+            </a:xfrm>
+            <a:prstGeom prst="rect">
+              <a:avLst/>
+            </a:prstGeom>
+            <a:solidFill>
+              <a:schemeClr val="bg1"/>
+            </a:solidFill>
+            <a:ln>
+              <a:solidFill>
+                <a:schemeClr val="tx1"/>
+              </a:solidFill>
+            </a:ln>
+          </p:spPr>
+          <p:txBody>
+            <a:bodyPr wrap="none" rtlCol="0">
+              <a:spAutoFit/>
+            </a:bodyPr>
+            <a:lstStyle/>
+            <a:p>
+              <a:pPr algn="ctr"/>
+              <a:r>
+                <a:rPr lang="en-US" dirty="0" err="1"/>
+                <a:t>par_for</a:t>
+              </a:r>
+              <a:r>
+                <a:rPr lang="en-US" dirty="0"/>
+                <a:t>()</a:t>
+              </a:r>
+              <a:endParaRPr lang="LID4096" dirty="0"/>
+            </a:p>
+          </p:txBody>
+        </p:sp>
+        <p:sp>
+          <p:nvSpPr>
+            <p:cNvPr id="15" name="TextBox 14">
+              <a:extLst>
+                <a:ext uri="{FF2B5EF4-FFF2-40B4-BE49-F238E27FC236}">
+                  <a16:creationId xmlns:a16="http://schemas.microsoft.com/office/drawing/2014/main" id="{058EE862-1BC6-F68A-7798-776F97DFE768}"/>
+                </a:ext>
+              </a:extLst>
+            </p:cNvPr>
+            <p:cNvSpPr txBox="1"/>
+            <p:nvPr/>
+          </p:nvSpPr>
+          <p:spPr>
+            <a:xfrm>
+              <a:off x="2862357" y="3440979"/>
+              <a:ext cx="3304963" cy="369332"/>
+            </a:xfrm>
+            <a:prstGeom prst="rect">
+              <a:avLst/>
+            </a:prstGeom>
+            <a:solidFill>
+              <a:schemeClr val="bg1"/>
+            </a:solidFill>
+            <a:ln>
+              <a:solidFill>
+                <a:schemeClr val="tx1"/>
+              </a:solidFill>
+            </a:ln>
+          </p:spPr>
+          <p:txBody>
+            <a:bodyPr wrap="square" rtlCol="0">
+              <a:spAutoFit/>
+            </a:bodyPr>
+            <a:lstStyle/>
+            <a:p>
+              <a:pPr algn="ctr"/>
+              <a:r>
+                <a:rPr lang="en-US" dirty="0"/>
+                <a:t>Kernel 3</a:t>
+              </a:r>
+              <a:endParaRPr lang="LID4096" dirty="0"/>
+            </a:p>
+          </p:txBody>
+        </p:sp>
+        <p:cxnSp>
+          <p:nvCxnSpPr>
+            <p:cNvPr id="17" name="Straight Arrow Connector 16">
+              <a:extLst>
+                <a:ext uri="{FF2B5EF4-FFF2-40B4-BE49-F238E27FC236}">
+                  <a16:creationId xmlns:a16="http://schemas.microsoft.com/office/drawing/2014/main" id="{0769EC8F-90D8-ABB5-875F-E41EC63A5085}"/>
+                </a:ext>
+              </a:extLst>
+            </p:cNvPr>
+            <p:cNvCxnSpPr>
+              <a:cxnSpLocks/>
+              <a:stCxn id="3" idx="0"/>
+              <a:endCxn id="15" idx="1"/>
+            </p:cNvCxnSpPr>
+            <p:nvPr/>
+          </p:nvCxnSpPr>
+          <p:spPr>
+            <a:xfrm flipH="1" flipV="1">
+              <a:off x="2862357" y="3625645"/>
+              <a:ext cx="1" cy="1801761"/>
+            </a:xfrm>
+            <a:prstGeom prst="straightConnector1">
+              <a:avLst/>
+            </a:prstGeom>
+            <a:ln>
+              <a:tailEnd type="none"/>
+            </a:ln>
+          </p:spPr>
+          <p:style>
+            <a:lnRef idx="2">
+              <a:schemeClr val="accent1"/>
+            </a:lnRef>
+            <a:fillRef idx="0">
+              <a:schemeClr val="accent1"/>
+            </a:fillRef>
+            <a:effectRef idx="1">
+              <a:schemeClr val="accent1"/>
+            </a:effectRef>
+            <a:fontRef idx="minor">
+              <a:schemeClr val="tx1"/>
+            </a:fontRef>
+          </p:style>
+        </p:cxnSp>
+      </p:grpSp>
+    </p:spTree>
+    <p:extLst>
+      <p:ext uri="{BB962C8B-B14F-4D97-AF65-F5344CB8AC3E}">
+        <p14:creationId xmlns:p14="http://schemas.microsoft.com/office/powerpoint/2010/main" val="698395746"/>
+      </p:ext>
+    </p:extLst>
+  </p:cSld>
+  <p:clrMapOvr>
+    <a:masterClrMapping/>
+  </p:clrMapOvr>
+</p:sld>
+</file>
+
+<file path=ppt/slides/slide7.xml><?xml version="1.0" encoding="utf-8"?>
+<p:sld xmlns:a="http://schemas.openxmlformats.org/drawingml/2006/main" xmlns:r="http://schemas.openxmlformats.org/officeDocument/2006/relationships" xmlns:p="http://schemas.openxmlformats.org/presentationml/2006/main">
+  <p:cSld>
+    <p:spTree>
+      <p:nvGrpSpPr>
+        <p:cNvPr id="1" name=""/>
+        <p:cNvGrpSpPr/>
+        <p:nvPr/>
+      </p:nvGrpSpPr>
+      <p:grpSpPr>
+        <a:xfrm>
+          <a:off x="0" y="0"/>
+          <a:ext cx="0" cy="0"/>
+          <a:chOff x="0" y="0"/>
+          <a:chExt cx="0" cy="0"/>
+        </a:xfrm>
+      </p:grpSpPr>
+      <p:grpSp>
+        <p:nvGrpSpPr>
+          <p:cNvPr id="6" name="Group 5">
+            <a:extLst>
+              <a:ext uri="{FF2B5EF4-FFF2-40B4-BE49-F238E27FC236}">
+                <a16:creationId xmlns:a16="http://schemas.microsoft.com/office/drawing/2014/main" id="{E219ADA0-B066-409D-20D7-BD2F27A2AE5A}"/>
+              </a:ext>
+            </a:extLst>
+          </p:cNvPr>
+          <p:cNvGrpSpPr/>
+          <p:nvPr/>
+        </p:nvGrpSpPr>
+        <p:grpSpPr>
+          <a:xfrm>
+            <a:off x="997974" y="5246133"/>
+            <a:ext cx="10589342" cy="825909"/>
+            <a:chOff x="943897" y="5211097"/>
+            <a:chExt cx="10589342" cy="825909"/>
+          </a:xfrm>
+        </p:grpSpPr>
+        <p:sp>
+          <p:nvSpPr>
+            <p:cNvPr id="4" name="Rectangle 3">
+              <a:extLst>
+                <a:ext uri="{FF2B5EF4-FFF2-40B4-BE49-F238E27FC236}">
+                  <a16:creationId xmlns:a16="http://schemas.microsoft.com/office/drawing/2014/main" id="{5BD7A810-1641-62B8-9067-9B37B4E1C93D}"/>
+                </a:ext>
+              </a:extLst>
+            </p:cNvPr>
+            <p:cNvSpPr/>
+            <p:nvPr/>
+          </p:nvSpPr>
+          <p:spPr>
+            <a:xfrm>
+              <a:off x="2182761" y="5211097"/>
+              <a:ext cx="9350478" cy="825909"/>
+            </a:xfrm>
+            <a:prstGeom prst="rect">
+              <a:avLst/>
+            </a:prstGeom>
+            <a:solidFill>
+              <a:schemeClr val="bg1">
+                <a:lumMod val="95000"/>
+              </a:schemeClr>
+            </a:solidFill>
+          </p:spPr>
+          <p:style>
+            <a:lnRef idx="2">
+              <a:schemeClr val="accent1">
+                <a:shade val="15000"/>
+              </a:schemeClr>
+            </a:lnRef>
+            <a:fillRef idx="1">
+              <a:schemeClr val="accent1"/>
+            </a:fillRef>
+            <a:effectRef idx="0">
+              <a:schemeClr val="accent1"/>
+            </a:effectRef>
+            <a:fontRef idx="minor">
+              <a:schemeClr val="lt1"/>
+            </a:fontRef>
+          </p:style>
+          <p:txBody>
+            <a:bodyPr rtlCol="0" anchor="ctr"/>
+            <a:lstStyle/>
+            <a:p>
+              <a:pPr algn="ctr"/>
+              <a:endParaRPr lang="LID4096" dirty="0"/>
+            </a:p>
+          </p:txBody>
+        </p:sp>
+        <p:sp>
+          <p:nvSpPr>
+            <p:cNvPr id="5" name="TextBox 4">
+              <a:extLst>
+                <a:ext uri="{FF2B5EF4-FFF2-40B4-BE49-F238E27FC236}">
+                  <a16:creationId xmlns:a16="http://schemas.microsoft.com/office/drawing/2014/main" id="{580E9D98-436A-4EA7-FE80-E936B72DB400}"/>
+                </a:ext>
+              </a:extLst>
+            </p:cNvPr>
+            <p:cNvSpPr txBox="1"/>
+            <p:nvPr/>
+          </p:nvSpPr>
+          <p:spPr>
+            <a:xfrm>
+              <a:off x="943897" y="5427406"/>
+              <a:ext cx="983026" cy="369332"/>
+            </a:xfrm>
+            <a:prstGeom prst="rect">
+              <a:avLst/>
+            </a:prstGeom>
+            <a:noFill/>
+          </p:spPr>
+          <p:txBody>
+            <a:bodyPr wrap="none" rtlCol="0">
+              <a:spAutoFit/>
+            </a:bodyPr>
+            <a:lstStyle/>
+            <a:p>
+              <a:r>
+                <a:rPr lang="en-US" dirty="0"/>
+                <a:t>process</a:t>
+              </a:r>
+              <a:endParaRPr lang="LID4096" dirty="0"/>
+            </a:p>
+          </p:txBody>
+        </p:sp>
+      </p:grpSp>
+      <p:grpSp>
+        <p:nvGrpSpPr>
+          <p:cNvPr id="7" name="Group 6">
+            <a:extLst>
+              <a:ext uri="{FF2B5EF4-FFF2-40B4-BE49-F238E27FC236}">
+                <a16:creationId xmlns:a16="http://schemas.microsoft.com/office/drawing/2014/main" id="{13E72877-6C08-BB5D-67A9-AEAF201158BA}"/>
+              </a:ext>
+            </a:extLst>
+          </p:cNvPr>
+          <p:cNvGrpSpPr/>
+          <p:nvPr/>
+        </p:nvGrpSpPr>
+        <p:grpSpPr>
+          <a:xfrm>
+            <a:off x="997974" y="1509251"/>
+            <a:ext cx="10589342" cy="825909"/>
+            <a:chOff x="943897" y="5211097"/>
+            <a:chExt cx="10589342" cy="825909"/>
+          </a:xfrm>
+        </p:grpSpPr>
+        <p:sp>
+          <p:nvSpPr>
+            <p:cNvPr id="8" name="Rectangle 7">
+              <a:extLst>
+                <a:ext uri="{FF2B5EF4-FFF2-40B4-BE49-F238E27FC236}">
+                  <a16:creationId xmlns:a16="http://schemas.microsoft.com/office/drawing/2014/main" id="{CBC1D772-9664-F511-DAFF-0922007D58D9}"/>
+                </a:ext>
+              </a:extLst>
+            </p:cNvPr>
+            <p:cNvSpPr/>
+            <p:nvPr/>
+          </p:nvSpPr>
+          <p:spPr>
+            <a:xfrm>
+              <a:off x="2182761" y="5211097"/>
+              <a:ext cx="9350478" cy="825909"/>
+            </a:xfrm>
+            <a:prstGeom prst="rect">
+              <a:avLst/>
+            </a:prstGeom>
+            <a:solidFill>
+              <a:schemeClr val="bg1">
+                <a:lumMod val="95000"/>
+              </a:schemeClr>
+            </a:solidFill>
+          </p:spPr>
+          <p:style>
+            <a:lnRef idx="2">
+              <a:schemeClr val="accent1">
+                <a:shade val="15000"/>
+              </a:schemeClr>
+            </a:lnRef>
+            <a:fillRef idx="1">
+              <a:schemeClr val="accent1"/>
+            </a:fillRef>
+            <a:effectRef idx="0">
+              <a:schemeClr val="accent1"/>
+            </a:effectRef>
+            <a:fontRef idx="minor">
+              <a:schemeClr val="lt1"/>
+            </a:fontRef>
+          </p:style>
+          <p:txBody>
+            <a:bodyPr rtlCol="0" anchor="ctr"/>
+            <a:lstStyle/>
+            <a:p>
+              <a:pPr algn="ctr"/>
+              <a:endParaRPr lang="LID4096" dirty="0"/>
+            </a:p>
+          </p:txBody>
+        </p:sp>
+        <p:sp>
+          <p:nvSpPr>
+            <p:cNvPr id="9" name="TextBox 8">
+              <a:extLst>
+                <a:ext uri="{FF2B5EF4-FFF2-40B4-BE49-F238E27FC236}">
+                  <a16:creationId xmlns:a16="http://schemas.microsoft.com/office/drawing/2014/main" id="{6E5F146F-0395-39B2-D84C-D7AF6BB25F48}"/>
+                </a:ext>
+              </a:extLst>
+            </p:cNvPr>
+            <p:cNvSpPr txBox="1"/>
+            <p:nvPr/>
+          </p:nvSpPr>
+          <p:spPr>
+            <a:xfrm>
+              <a:off x="943897" y="5427406"/>
+              <a:ext cx="638316" cy="369332"/>
+            </a:xfrm>
+            <a:prstGeom prst="rect">
+              <a:avLst/>
+            </a:prstGeom>
+            <a:noFill/>
+          </p:spPr>
+          <p:txBody>
+            <a:bodyPr wrap="none" rtlCol="0">
+              <a:spAutoFit/>
+            </a:bodyPr>
+            <a:lstStyle/>
+            <a:p>
+              <a:r>
+                <a:rPr lang="en-US" dirty="0"/>
+                <a:t>GPU</a:t>
+              </a:r>
+              <a:endParaRPr lang="LID4096" dirty="0"/>
+            </a:p>
+          </p:txBody>
+        </p:sp>
+      </p:grpSp>
+      <p:grpSp>
+        <p:nvGrpSpPr>
+          <p:cNvPr id="10" name="Group 9">
+            <a:extLst>
+              <a:ext uri="{FF2B5EF4-FFF2-40B4-BE49-F238E27FC236}">
+                <a16:creationId xmlns:a16="http://schemas.microsoft.com/office/drawing/2014/main" id="{935263E2-5E46-1181-D78C-9CD33A1DE463}"/>
+              </a:ext>
+            </a:extLst>
+          </p:cNvPr>
+          <p:cNvGrpSpPr/>
+          <p:nvPr/>
+        </p:nvGrpSpPr>
+        <p:grpSpPr>
+          <a:xfrm>
+            <a:off x="997974" y="3255861"/>
+            <a:ext cx="10589342" cy="825909"/>
+            <a:chOff x="943897" y="5211097"/>
+            <a:chExt cx="10589342" cy="825909"/>
+          </a:xfrm>
+        </p:grpSpPr>
+        <p:sp>
+          <p:nvSpPr>
+            <p:cNvPr id="11" name="Rectangle 10">
+              <a:extLst>
+                <a:ext uri="{FF2B5EF4-FFF2-40B4-BE49-F238E27FC236}">
+                  <a16:creationId xmlns:a16="http://schemas.microsoft.com/office/drawing/2014/main" id="{3FECE88D-268A-5BC6-C00A-21545C2AA45E}"/>
+                </a:ext>
+              </a:extLst>
+            </p:cNvPr>
+            <p:cNvSpPr/>
+            <p:nvPr/>
+          </p:nvSpPr>
+          <p:spPr>
+            <a:xfrm>
+              <a:off x="2182761" y="5211097"/>
+              <a:ext cx="9350478" cy="825909"/>
+            </a:xfrm>
+            <a:prstGeom prst="rect">
+              <a:avLst/>
+            </a:prstGeom>
+            <a:solidFill>
+              <a:schemeClr val="bg1">
+                <a:lumMod val="95000"/>
+              </a:schemeClr>
+            </a:solidFill>
+          </p:spPr>
+          <p:style>
+            <a:lnRef idx="2">
+              <a:schemeClr val="accent1">
+                <a:shade val="15000"/>
+              </a:schemeClr>
+            </a:lnRef>
+            <a:fillRef idx="1">
+              <a:schemeClr val="accent1"/>
+            </a:fillRef>
+            <a:effectRef idx="0">
+              <a:schemeClr val="accent1"/>
+            </a:effectRef>
+            <a:fontRef idx="minor">
+              <a:schemeClr val="lt1"/>
+            </a:fontRef>
+          </p:style>
+          <p:txBody>
+            <a:bodyPr rtlCol="0" anchor="ctr"/>
+            <a:lstStyle/>
+            <a:p>
+              <a:pPr algn="ctr"/>
+              <a:endParaRPr lang="LID4096" dirty="0"/>
+            </a:p>
+          </p:txBody>
+        </p:sp>
+        <p:sp>
+          <p:nvSpPr>
+            <p:cNvPr id="12" name="TextBox 11">
+              <a:extLst>
+                <a:ext uri="{FF2B5EF4-FFF2-40B4-BE49-F238E27FC236}">
+                  <a16:creationId xmlns:a16="http://schemas.microsoft.com/office/drawing/2014/main" id="{6572CC7B-EAA0-98BC-B9AD-D39317C588EA}"/>
+                </a:ext>
+              </a:extLst>
+            </p:cNvPr>
+            <p:cNvSpPr txBox="1"/>
+            <p:nvPr/>
+          </p:nvSpPr>
+          <p:spPr>
+            <a:xfrm>
+              <a:off x="943897" y="5427406"/>
+              <a:ext cx="635110" cy="369332"/>
+            </a:xfrm>
+            <a:prstGeom prst="rect">
+              <a:avLst/>
+            </a:prstGeom>
+            <a:noFill/>
+          </p:spPr>
+          <p:txBody>
+            <a:bodyPr wrap="none" rtlCol="0">
+              <a:spAutoFit/>
+            </a:bodyPr>
+            <a:lstStyle/>
+            <a:p>
+              <a:r>
+                <a:rPr lang="en-US" dirty="0"/>
+                <a:t>CPU</a:t>
+              </a:r>
+              <a:endParaRPr lang="LID4096" dirty="0"/>
+            </a:p>
+          </p:txBody>
+        </p:sp>
+      </p:grpSp>
+      <p:grpSp>
+        <p:nvGrpSpPr>
+          <p:cNvPr id="18" name="Group 17">
+            <a:extLst>
+              <a:ext uri="{FF2B5EF4-FFF2-40B4-BE49-F238E27FC236}">
+                <a16:creationId xmlns:a16="http://schemas.microsoft.com/office/drawing/2014/main" id="{1C805DC7-1405-330A-C87B-8825D176C036}"/>
+              </a:ext>
+            </a:extLst>
+          </p:cNvPr>
+          <p:cNvGrpSpPr/>
+          <p:nvPr/>
+        </p:nvGrpSpPr>
+        <p:grpSpPr>
+          <a:xfrm>
+            <a:off x="2349910" y="1737539"/>
+            <a:ext cx="2257559" cy="4059199"/>
+            <a:chOff x="2349910" y="1737539"/>
+            <a:chExt cx="2257559" cy="4059199"/>
+          </a:xfrm>
+        </p:grpSpPr>
+        <p:sp>
+          <p:nvSpPr>
+            <p:cNvPr id="13" name="TextBox 12">
+              <a:extLst>
+                <a:ext uri="{FF2B5EF4-FFF2-40B4-BE49-F238E27FC236}">
+                  <a16:creationId xmlns:a16="http://schemas.microsoft.com/office/drawing/2014/main" id="{1FF72C8E-7AC4-3656-71C2-CA67D2D244A5}"/>
+                </a:ext>
+              </a:extLst>
+            </p:cNvPr>
+            <p:cNvSpPr txBox="1"/>
+            <p:nvPr/>
+          </p:nvSpPr>
+          <p:spPr>
+            <a:xfrm>
+              <a:off x="2349910" y="5427406"/>
+              <a:ext cx="1024896" cy="369332"/>
+            </a:xfrm>
+            <a:prstGeom prst="rect">
+              <a:avLst/>
+            </a:prstGeom>
+            <a:solidFill>
+              <a:schemeClr val="bg1"/>
+            </a:solidFill>
+            <a:ln>
+              <a:solidFill>
+                <a:schemeClr val="tx1"/>
+              </a:solidFill>
+            </a:ln>
+          </p:spPr>
+          <p:txBody>
+            <a:bodyPr wrap="none" rtlCol="0">
+              <a:spAutoFit/>
+            </a:bodyPr>
+            <a:lstStyle/>
+            <a:p>
+              <a:pPr algn="ctr"/>
+              <a:r>
+                <a:rPr lang="en-US" dirty="0" err="1"/>
+                <a:t>par_for</a:t>
+              </a:r>
+              <a:r>
+                <a:rPr lang="en-US" dirty="0"/>
+                <a:t>()</a:t>
+              </a:r>
+              <a:endParaRPr lang="LID4096" dirty="0"/>
+            </a:p>
+          </p:txBody>
+        </p:sp>
+        <p:sp>
+          <p:nvSpPr>
+            <p:cNvPr id="14" name="TextBox 13">
+              <a:extLst>
+                <a:ext uri="{FF2B5EF4-FFF2-40B4-BE49-F238E27FC236}">
+                  <a16:creationId xmlns:a16="http://schemas.microsoft.com/office/drawing/2014/main" id="{17729DD2-268C-FB71-6C2A-3F5635C4D19F}"/>
+                </a:ext>
+              </a:extLst>
+            </p:cNvPr>
+            <p:cNvSpPr txBox="1"/>
+            <p:nvPr/>
+          </p:nvSpPr>
+          <p:spPr>
+            <a:xfrm>
+              <a:off x="2818191" y="1737539"/>
+              <a:ext cx="1789278" cy="369332"/>
+            </a:xfrm>
+            <a:prstGeom prst="rect">
+              <a:avLst/>
+            </a:prstGeom>
+            <a:solidFill>
+              <a:schemeClr val="bg1"/>
+            </a:solidFill>
+            <a:ln>
+              <a:solidFill>
+                <a:schemeClr val="tx1"/>
+              </a:solidFill>
+            </a:ln>
+          </p:spPr>
+          <p:txBody>
+            <a:bodyPr wrap="square" rtlCol="0">
+              <a:spAutoFit/>
+            </a:bodyPr>
+            <a:lstStyle/>
+            <a:p>
+              <a:pPr algn="ctr"/>
+              <a:r>
+                <a:rPr lang="en-US" dirty="0"/>
+                <a:t>Kernel 1</a:t>
+              </a:r>
+              <a:endParaRPr lang="LID4096" dirty="0"/>
+            </a:p>
+          </p:txBody>
+        </p:sp>
+        <p:cxnSp>
+          <p:nvCxnSpPr>
+            <p:cNvPr id="16" name="Straight Arrow Connector 15">
+              <a:extLst>
+                <a:ext uri="{FF2B5EF4-FFF2-40B4-BE49-F238E27FC236}">
+                  <a16:creationId xmlns:a16="http://schemas.microsoft.com/office/drawing/2014/main" id="{6A368571-1C71-A143-069B-76D9875C1088}"/>
+                </a:ext>
+              </a:extLst>
+            </p:cNvPr>
+            <p:cNvCxnSpPr>
+              <a:cxnSpLocks/>
+              <a:stCxn id="13" idx="0"/>
+              <a:endCxn id="14" idx="1"/>
+            </p:cNvCxnSpPr>
+            <p:nvPr/>
+          </p:nvCxnSpPr>
+          <p:spPr>
+            <a:xfrm flipH="1" flipV="1">
+              <a:off x="2818191" y="1922205"/>
+              <a:ext cx="44167" cy="3505201"/>
+            </a:xfrm>
+            <a:prstGeom prst="straightConnector1">
+              <a:avLst/>
+            </a:prstGeom>
+            <a:ln>
+              <a:tailEnd type="none"/>
+            </a:ln>
+          </p:spPr>
+          <p:style>
+            <a:lnRef idx="2">
+              <a:schemeClr val="accent1"/>
+            </a:lnRef>
+            <a:fillRef idx="0">
+              <a:schemeClr val="accent1"/>
+            </a:fillRef>
+            <a:effectRef idx="1">
+              <a:schemeClr val="accent1"/>
+            </a:effectRef>
+            <a:fontRef idx="minor">
+              <a:schemeClr val="tx1"/>
+            </a:fontRef>
+          </p:style>
+        </p:cxnSp>
+      </p:grpSp>
+      <p:grpSp>
+        <p:nvGrpSpPr>
+          <p:cNvPr id="19" name="Group 18">
+            <a:extLst>
+              <a:ext uri="{FF2B5EF4-FFF2-40B4-BE49-F238E27FC236}">
+                <a16:creationId xmlns:a16="http://schemas.microsoft.com/office/drawing/2014/main" id="{832CDE15-9EA0-6A2A-4B62-916B4E5C555D}"/>
+              </a:ext>
+            </a:extLst>
+          </p:cNvPr>
+          <p:cNvGrpSpPr/>
+          <p:nvPr/>
+        </p:nvGrpSpPr>
+        <p:grpSpPr>
+          <a:xfrm>
+            <a:off x="4630416" y="1725560"/>
+            <a:ext cx="5997010" cy="4059650"/>
+            <a:chOff x="-1234002" y="1725560"/>
+            <a:chExt cx="5997010" cy="4059650"/>
+          </a:xfrm>
+        </p:grpSpPr>
+        <p:sp>
+          <p:nvSpPr>
+            <p:cNvPr id="20" name="TextBox 19">
+              <a:extLst>
+                <a:ext uri="{FF2B5EF4-FFF2-40B4-BE49-F238E27FC236}">
+                  <a16:creationId xmlns:a16="http://schemas.microsoft.com/office/drawing/2014/main" id="{C3C9F0D4-C61A-D3F1-D857-3DEBFDA4004D}"/>
+                </a:ext>
+              </a:extLst>
+            </p:cNvPr>
+            <p:cNvSpPr txBox="1"/>
+            <p:nvPr/>
+          </p:nvSpPr>
+          <p:spPr>
+            <a:xfrm>
+              <a:off x="-1234002" y="5415878"/>
+              <a:ext cx="1024896" cy="369332"/>
+            </a:xfrm>
+            <a:prstGeom prst="rect">
+              <a:avLst/>
+            </a:prstGeom>
+            <a:solidFill>
+              <a:schemeClr val="bg1"/>
+            </a:solidFill>
+            <a:ln>
+              <a:solidFill>
+                <a:schemeClr val="tx1"/>
+              </a:solidFill>
+            </a:ln>
+          </p:spPr>
+          <p:txBody>
+            <a:bodyPr wrap="none" rtlCol="0">
+              <a:spAutoFit/>
+            </a:bodyPr>
+            <a:lstStyle/>
+            <a:p>
+              <a:pPr algn="ctr"/>
+              <a:r>
+                <a:rPr lang="en-US" dirty="0" err="1"/>
+                <a:t>par_for</a:t>
+              </a:r>
+              <a:r>
+                <a:rPr lang="en-US" dirty="0"/>
+                <a:t>()</a:t>
+              </a:r>
+              <a:endParaRPr lang="LID4096" dirty="0"/>
+            </a:p>
+          </p:txBody>
+        </p:sp>
+        <p:sp>
+          <p:nvSpPr>
+            <p:cNvPr id="21" name="TextBox 20">
+              <a:extLst>
+                <a:ext uri="{FF2B5EF4-FFF2-40B4-BE49-F238E27FC236}">
+                  <a16:creationId xmlns:a16="http://schemas.microsoft.com/office/drawing/2014/main" id="{F5B9591C-C82B-9DC0-FB34-5C4F4B7BF15F}"/>
+                </a:ext>
+              </a:extLst>
+            </p:cNvPr>
+            <p:cNvSpPr txBox="1"/>
+            <p:nvPr/>
+          </p:nvSpPr>
+          <p:spPr>
+            <a:xfrm>
+              <a:off x="2821138" y="1725560"/>
+              <a:ext cx="1941870" cy="369332"/>
+            </a:xfrm>
+            <a:prstGeom prst="rect">
+              <a:avLst/>
+            </a:prstGeom>
+            <a:solidFill>
+              <a:schemeClr val="bg1"/>
+            </a:solidFill>
+            <a:ln>
+              <a:solidFill>
+                <a:schemeClr val="tx1"/>
+              </a:solidFill>
+            </a:ln>
+          </p:spPr>
+          <p:txBody>
+            <a:bodyPr wrap="square" rtlCol="0">
+              <a:spAutoFit/>
+            </a:bodyPr>
+            <a:lstStyle/>
+            <a:p>
+              <a:pPr algn="ctr"/>
+              <a:r>
+                <a:rPr lang="en-US" dirty="0"/>
+                <a:t>Kernel 2</a:t>
+              </a:r>
+              <a:endParaRPr lang="LID4096" dirty="0"/>
+            </a:p>
+          </p:txBody>
+        </p:sp>
+        <p:cxnSp>
+          <p:nvCxnSpPr>
+            <p:cNvPr id="22" name="Straight Arrow Connector 21">
+              <a:extLst>
+                <a:ext uri="{FF2B5EF4-FFF2-40B4-BE49-F238E27FC236}">
+                  <a16:creationId xmlns:a16="http://schemas.microsoft.com/office/drawing/2014/main" id="{FA9AF300-E96F-88F4-C35D-5E7A4FAC35A8}"/>
+                </a:ext>
+              </a:extLst>
+            </p:cNvPr>
+            <p:cNvCxnSpPr>
+              <a:cxnSpLocks/>
+              <a:stCxn id="20" idx="0"/>
+              <a:endCxn id="21" idx="1"/>
+            </p:cNvCxnSpPr>
+            <p:nvPr/>
+          </p:nvCxnSpPr>
+          <p:spPr>
+            <a:xfrm flipV="1">
+              <a:off x="-721554" y="1910226"/>
+              <a:ext cx="3542692" cy="3505652"/>
+            </a:xfrm>
+            <a:prstGeom prst="straightConnector1">
+              <a:avLst/>
+            </a:prstGeom>
+            <a:ln>
+              <a:tailEnd type="none"/>
+            </a:ln>
+          </p:spPr>
+          <p:style>
+            <a:lnRef idx="2">
+              <a:schemeClr val="accent1"/>
+            </a:lnRef>
+            <a:fillRef idx="0">
+              <a:schemeClr val="accent1"/>
+            </a:fillRef>
+            <a:effectRef idx="1">
+              <a:schemeClr val="accent1"/>
+            </a:effectRef>
+            <a:fontRef idx="minor">
+              <a:schemeClr val="tx1"/>
+            </a:fontRef>
+          </p:style>
+        </p:cxnSp>
+      </p:grpSp>
+      <p:sp>
+        <p:nvSpPr>
+          <p:cNvPr id="24" name="TextBox 23">
+            <a:extLst>
+              <a:ext uri="{FF2B5EF4-FFF2-40B4-BE49-F238E27FC236}">
+                <a16:creationId xmlns:a16="http://schemas.microsoft.com/office/drawing/2014/main" id="{32C2992D-8957-2CB4-6A9B-70ADE97705C9}"/>
+              </a:ext>
+            </a:extLst>
+          </p:cNvPr>
+          <p:cNvSpPr txBox="1"/>
+          <p:nvPr/>
+        </p:nvSpPr>
+        <p:spPr>
+          <a:xfrm>
+            <a:off x="8606585" y="5436616"/>
+            <a:ext cx="989697" cy="369332"/>
+          </a:xfrm>
+          <a:prstGeom prst="rect">
+            <a:avLst/>
+          </a:prstGeom>
+          <a:solidFill>
+            <a:schemeClr val="bg1"/>
+          </a:solidFill>
+          <a:ln>
+            <a:solidFill>
+              <a:schemeClr val="tx1"/>
+            </a:solidFill>
+          </a:ln>
+        </p:spPr>
+        <p:txBody>
+          <a:bodyPr wrap="square" rtlCol="0">
+            <a:spAutoFit/>
+          </a:bodyPr>
+          <a:lstStyle/>
+          <a:p>
+            <a:pPr algn="ctr"/>
+            <a:r>
+              <a:rPr lang="en-US" dirty="0" err="1"/>
+              <a:t>func</a:t>
+            </a:r>
+            <a:r>
+              <a:rPr lang="en-US" dirty="0"/>
+              <a:t>()</a:t>
+            </a:r>
+            <a:endParaRPr lang="LID4096" dirty="0"/>
+          </a:p>
+        </p:txBody>
+      </p:sp>
+      <p:sp>
+        <p:nvSpPr>
+          <p:cNvPr id="27" name="TextBox 26">
+            <a:extLst>
+              <a:ext uri="{FF2B5EF4-FFF2-40B4-BE49-F238E27FC236}">
+                <a16:creationId xmlns:a16="http://schemas.microsoft.com/office/drawing/2014/main" id="{032D59C9-085B-58EA-4224-4152819D6FF9}"/>
+              </a:ext>
+            </a:extLst>
+          </p:cNvPr>
+          <p:cNvSpPr txBox="1"/>
+          <p:nvPr/>
+        </p:nvSpPr>
+        <p:spPr>
+          <a:xfrm>
+            <a:off x="9670035" y="5439385"/>
+            <a:ext cx="1415844" cy="369332"/>
+          </a:xfrm>
+          <a:prstGeom prst="rect">
+            <a:avLst/>
+          </a:prstGeom>
+          <a:solidFill>
+            <a:schemeClr val="bg1"/>
+          </a:solidFill>
+          <a:ln>
+            <a:solidFill>
+              <a:schemeClr val="tx1"/>
+            </a:solidFill>
+          </a:ln>
+        </p:spPr>
+        <p:txBody>
+          <a:bodyPr wrap="square" rtlCol="0">
+            <a:spAutoFit/>
+          </a:bodyPr>
+          <a:lstStyle/>
+          <a:p>
+            <a:pPr algn="ctr"/>
+            <a:r>
+              <a:rPr lang="en-US" dirty="0"/>
+              <a:t>fence()</a:t>
+            </a:r>
+            <a:endParaRPr lang="LID4096" dirty="0"/>
+          </a:p>
+        </p:txBody>
+      </p:sp>
+      <p:cxnSp>
+        <p:nvCxnSpPr>
+          <p:cNvPr id="29" name="Straight Connector 28">
+            <a:extLst>
+              <a:ext uri="{FF2B5EF4-FFF2-40B4-BE49-F238E27FC236}">
+                <a16:creationId xmlns:a16="http://schemas.microsoft.com/office/drawing/2014/main" id="{DF52F4A4-625E-2FAD-92AF-6E780FBEB1F5}"/>
+              </a:ext>
+            </a:extLst>
+          </p:cNvPr>
+          <p:cNvCxnSpPr/>
+          <p:nvPr/>
+        </p:nvCxnSpPr>
+        <p:spPr>
+          <a:xfrm>
+            <a:off x="11085878" y="1199535"/>
+            <a:ext cx="0" cy="5142271"/>
+          </a:xfrm>
+          <a:prstGeom prst="line">
+            <a:avLst/>
+          </a:prstGeom>
+          <a:ln w="28575">
+            <a:solidFill>
+              <a:schemeClr val="tx1"/>
+            </a:solidFill>
+            <a:prstDash val="dash"/>
+          </a:ln>
+        </p:spPr>
+        <p:style>
+          <a:lnRef idx="2">
+            <a:schemeClr val="accent1"/>
+          </a:lnRef>
+          <a:fillRef idx="0">
+            <a:schemeClr val="accent1"/>
+          </a:fillRef>
+          <a:effectRef idx="1">
+            <a:schemeClr val="accent1"/>
+          </a:effectRef>
+          <a:fontRef idx="minor">
+            <a:schemeClr val="tx1"/>
+          </a:fontRef>
+        </p:style>
+      </p:cxnSp>
+      <p:sp>
+        <p:nvSpPr>
+          <p:cNvPr id="2" name="Rectangle 1">
+            <a:extLst>
+              <a:ext uri="{FF2B5EF4-FFF2-40B4-BE49-F238E27FC236}">
+                <a16:creationId xmlns:a16="http://schemas.microsoft.com/office/drawing/2014/main" id="{C375DE67-520D-F3C1-064B-9935D1B09612}"/>
+              </a:ext>
+            </a:extLst>
+          </p:cNvPr>
+          <p:cNvSpPr/>
+          <p:nvPr/>
+        </p:nvSpPr>
+        <p:spPr>
+          <a:xfrm>
+            <a:off x="6715303" y="1737539"/>
+            <a:ext cx="1797445" cy="4094235"/>
+          </a:xfrm>
+          <a:prstGeom prst="rect">
+            <a:avLst/>
+          </a:prstGeom>
+          <a:solidFill>
+            <a:schemeClr val="bg1"/>
+          </a:solidFill>
+          <a:ln>
+            <a:solidFill>
+              <a:schemeClr val="tx1"/>
+            </a:solidFill>
+          </a:ln>
+        </p:spPr>
+        <p:style>
+          <a:lnRef idx="2">
+            <a:schemeClr val="accent1">
+              <a:shade val="15000"/>
+            </a:schemeClr>
+          </a:lnRef>
+          <a:fillRef idx="1">
+            <a:schemeClr val="accent1"/>
+          </a:fillRef>
+          <a:effectRef idx="0">
+            <a:schemeClr val="accent1"/>
+          </a:effectRef>
+          <a:fontRef idx="minor">
+            <a:schemeClr val="lt1"/>
+          </a:fontRef>
+        </p:style>
+        <p:txBody>
+          <a:bodyPr rtlCol="0" anchor="ctr"/>
+          <a:lstStyle/>
+          <a:p>
+            <a:pPr algn="ctr"/>
+            <a:r>
+              <a:rPr lang="en-US" dirty="0" err="1">
+                <a:solidFill>
+                  <a:schemeClr val="tx1"/>
+                </a:solidFill>
+              </a:rPr>
+              <a:t>deep_copy</a:t>
+            </a:r>
+            <a:endParaRPr lang="LID4096" dirty="0">
+              <a:solidFill>
+                <a:schemeClr val="tx1"/>
+              </a:solidFill>
+            </a:endParaRPr>
+          </a:p>
+        </p:txBody>
+      </p:sp>
+      <p:grpSp>
+        <p:nvGrpSpPr>
+          <p:cNvPr id="17" name="Group 16">
+            <a:extLst>
+              <a:ext uri="{FF2B5EF4-FFF2-40B4-BE49-F238E27FC236}">
+                <a16:creationId xmlns:a16="http://schemas.microsoft.com/office/drawing/2014/main" id="{9667E8BB-2FE6-8243-0077-6BA17285A1C9}"/>
+              </a:ext>
+            </a:extLst>
+          </p:cNvPr>
+          <p:cNvGrpSpPr/>
+          <p:nvPr/>
+        </p:nvGrpSpPr>
+        <p:grpSpPr>
+          <a:xfrm>
+            <a:off x="3497786" y="3429000"/>
+            <a:ext cx="3084038" cy="2355759"/>
+            <a:chOff x="2349910" y="3440979"/>
+            <a:chExt cx="3084038" cy="2355759"/>
+          </a:xfrm>
+        </p:grpSpPr>
+        <p:sp>
+          <p:nvSpPr>
+            <p:cNvPr id="23" name="TextBox 22">
+              <a:extLst>
+                <a:ext uri="{FF2B5EF4-FFF2-40B4-BE49-F238E27FC236}">
+                  <a16:creationId xmlns:a16="http://schemas.microsoft.com/office/drawing/2014/main" id="{F069779E-EBD5-C10A-76D7-2B8B4980CFE6}"/>
+                </a:ext>
+              </a:extLst>
+            </p:cNvPr>
+            <p:cNvSpPr txBox="1"/>
+            <p:nvPr/>
+          </p:nvSpPr>
+          <p:spPr>
+            <a:xfrm>
+              <a:off x="2349910" y="5427406"/>
+              <a:ext cx="1024896" cy="369332"/>
+            </a:xfrm>
+            <a:prstGeom prst="rect">
+              <a:avLst/>
+            </a:prstGeom>
+            <a:solidFill>
+              <a:schemeClr val="bg1"/>
+            </a:solidFill>
+            <a:ln>
+              <a:solidFill>
+                <a:schemeClr val="tx1"/>
+              </a:solidFill>
+            </a:ln>
+          </p:spPr>
+          <p:txBody>
+            <a:bodyPr wrap="none" rtlCol="0">
+              <a:spAutoFit/>
+            </a:bodyPr>
+            <a:lstStyle/>
+            <a:p>
+              <a:pPr algn="ctr"/>
+              <a:r>
+                <a:rPr lang="en-US" dirty="0" err="1"/>
+                <a:t>par_for</a:t>
+              </a:r>
+              <a:r>
+                <a:rPr lang="en-US" dirty="0"/>
+                <a:t>()</a:t>
+              </a:r>
+              <a:endParaRPr lang="LID4096" dirty="0"/>
+            </a:p>
+          </p:txBody>
+        </p:sp>
+        <p:sp>
+          <p:nvSpPr>
+            <p:cNvPr id="25" name="TextBox 24">
+              <a:extLst>
+                <a:ext uri="{FF2B5EF4-FFF2-40B4-BE49-F238E27FC236}">
+                  <a16:creationId xmlns:a16="http://schemas.microsoft.com/office/drawing/2014/main" id="{900813C8-DE69-4EDD-0263-1BCCBA1ED71C}"/>
+                </a:ext>
+              </a:extLst>
+            </p:cNvPr>
+            <p:cNvSpPr txBox="1"/>
+            <p:nvPr/>
+          </p:nvSpPr>
+          <p:spPr>
+            <a:xfrm>
+              <a:off x="2862358" y="3440979"/>
+              <a:ext cx="2571590" cy="369332"/>
+            </a:xfrm>
+            <a:prstGeom prst="rect">
+              <a:avLst/>
+            </a:prstGeom>
+            <a:solidFill>
+              <a:schemeClr val="bg1"/>
+            </a:solidFill>
+            <a:ln>
+              <a:solidFill>
+                <a:schemeClr val="tx1"/>
+              </a:solidFill>
+            </a:ln>
+          </p:spPr>
+          <p:txBody>
+            <a:bodyPr wrap="square" rtlCol="0">
+              <a:spAutoFit/>
+            </a:bodyPr>
+            <a:lstStyle/>
+            <a:p>
+              <a:pPr algn="ctr"/>
+              <a:r>
+                <a:rPr lang="en-US" dirty="0"/>
+                <a:t>Kernel 3</a:t>
+              </a:r>
+              <a:endParaRPr lang="LID4096" dirty="0"/>
+            </a:p>
+          </p:txBody>
+        </p:sp>
+        <p:cxnSp>
+          <p:nvCxnSpPr>
+            <p:cNvPr id="26" name="Straight Arrow Connector 25">
+              <a:extLst>
+                <a:ext uri="{FF2B5EF4-FFF2-40B4-BE49-F238E27FC236}">
+                  <a16:creationId xmlns:a16="http://schemas.microsoft.com/office/drawing/2014/main" id="{12816F51-A372-7202-98D2-01FBAE49F416}"/>
+                </a:ext>
+              </a:extLst>
+            </p:cNvPr>
+            <p:cNvCxnSpPr>
+              <a:cxnSpLocks/>
+              <a:stCxn id="23" idx="0"/>
+              <a:endCxn id="25" idx="1"/>
+            </p:cNvCxnSpPr>
+            <p:nvPr/>
+          </p:nvCxnSpPr>
+          <p:spPr>
+            <a:xfrm flipV="1">
+              <a:off x="2862358" y="3625645"/>
+              <a:ext cx="0" cy="1801761"/>
+            </a:xfrm>
+            <a:prstGeom prst="straightConnector1">
+              <a:avLst/>
+            </a:prstGeom>
+            <a:ln>
+              <a:tailEnd type="none"/>
+            </a:ln>
+          </p:spPr>
+          <p:style>
+            <a:lnRef idx="2">
+              <a:schemeClr val="accent1"/>
+            </a:lnRef>
+            <a:fillRef idx="0">
+              <a:schemeClr val="accent1"/>
+            </a:fillRef>
+            <a:effectRef idx="1">
+              <a:schemeClr val="accent1"/>
+            </a:effectRef>
+            <a:fontRef idx="minor">
+              <a:schemeClr val="tx1"/>
+            </a:fontRef>
+          </p:style>
+        </p:cxnSp>
+      </p:grpSp>
+    </p:spTree>
+    <p:extLst>
+      <p:ext uri="{BB962C8B-B14F-4D97-AF65-F5344CB8AC3E}">
+        <p14:creationId xmlns:p14="http://schemas.microsoft.com/office/powerpoint/2010/main" val="653643728"/>
+      </p:ext>
+    </p:extLst>
+  </p:cSld>
+  <p:clrMapOvr>
+    <a:masterClrMapping/>
+  </p:clrMapOvr>
+</p:sld>
+</file>
+
+<file path=ppt/slides/slide8.xml><?xml version="1.0" encoding="utf-8"?>
+<p:sld xmlns:a="http://schemas.openxmlformats.org/drawingml/2006/main" xmlns:r="http://schemas.openxmlformats.org/officeDocument/2006/relationships" xmlns:p="http://schemas.openxmlformats.org/presentationml/2006/main">
+  <p:cSld>
+    <p:spTree>
+      <p:nvGrpSpPr>
+        <p:cNvPr id="1" name=""/>
+        <p:cNvGrpSpPr/>
+        <p:nvPr/>
+      </p:nvGrpSpPr>
+      <p:grpSpPr>
+        <a:xfrm>
+          <a:off x="0" y="0"/>
+          <a:ext cx="0" cy="0"/>
+          <a:chOff x="0" y="0"/>
+          <a:chExt cx="0" cy="0"/>
+        </a:xfrm>
+      </p:grpSpPr>
+      <p:grpSp>
+        <p:nvGrpSpPr>
+          <p:cNvPr id="6" name="Group 5">
+            <a:extLst>
+              <a:ext uri="{FF2B5EF4-FFF2-40B4-BE49-F238E27FC236}">
+                <a16:creationId xmlns:a16="http://schemas.microsoft.com/office/drawing/2014/main" id="{E219ADA0-B066-409D-20D7-BD2F27A2AE5A}"/>
+              </a:ext>
+            </a:extLst>
+          </p:cNvPr>
+          <p:cNvGrpSpPr/>
+          <p:nvPr/>
+        </p:nvGrpSpPr>
+        <p:grpSpPr>
+          <a:xfrm>
+            <a:off x="997974" y="5216637"/>
+            <a:ext cx="10589342" cy="825909"/>
+            <a:chOff x="943897" y="5211097"/>
+            <a:chExt cx="10589342" cy="825909"/>
+          </a:xfrm>
+        </p:grpSpPr>
+        <p:sp>
+          <p:nvSpPr>
+            <p:cNvPr id="4" name="Rectangle 3">
+              <a:extLst>
+                <a:ext uri="{FF2B5EF4-FFF2-40B4-BE49-F238E27FC236}">
+                  <a16:creationId xmlns:a16="http://schemas.microsoft.com/office/drawing/2014/main" id="{5BD7A810-1641-62B8-9067-9B37B4E1C93D}"/>
+                </a:ext>
+              </a:extLst>
+            </p:cNvPr>
+            <p:cNvSpPr/>
+            <p:nvPr/>
+          </p:nvSpPr>
+          <p:spPr>
+            <a:xfrm>
+              <a:off x="2182761" y="5211097"/>
+              <a:ext cx="9350478" cy="825909"/>
+            </a:xfrm>
+            <a:prstGeom prst="rect">
+              <a:avLst/>
+            </a:prstGeom>
+            <a:solidFill>
+              <a:schemeClr val="bg1">
+                <a:lumMod val="95000"/>
+              </a:schemeClr>
+            </a:solidFill>
+          </p:spPr>
+          <p:style>
+            <a:lnRef idx="2">
+              <a:schemeClr val="accent1">
+                <a:shade val="15000"/>
+              </a:schemeClr>
+            </a:lnRef>
+            <a:fillRef idx="1">
+              <a:schemeClr val="accent1"/>
+            </a:fillRef>
+            <a:effectRef idx="0">
+              <a:schemeClr val="accent1"/>
+            </a:effectRef>
+            <a:fontRef idx="minor">
+              <a:schemeClr val="lt1"/>
+            </a:fontRef>
+          </p:style>
+          <p:txBody>
+            <a:bodyPr rtlCol="0" anchor="ctr"/>
+            <a:lstStyle/>
+            <a:p>
+              <a:pPr algn="ctr"/>
+              <a:endParaRPr lang="LID4096" dirty="0"/>
+            </a:p>
+          </p:txBody>
+        </p:sp>
+        <p:sp>
+          <p:nvSpPr>
+            <p:cNvPr id="5" name="TextBox 4">
+              <a:extLst>
+                <a:ext uri="{FF2B5EF4-FFF2-40B4-BE49-F238E27FC236}">
+                  <a16:creationId xmlns:a16="http://schemas.microsoft.com/office/drawing/2014/main" id="{580E9D98-436A-4EA7-FE80-E936B72DB400}"/>
+                </a:ext>
+              </a:extLst>
+            </p:cNvPr>
+            <p:cNvSpPr txBox="1"/>
+            <p:nvPr/>
+          </p:nvSpPr>
+          <p:spPr>
+            <a:xfrm>
+              <a:off x="943897" y="5427406"/>
+              <a:ext cx="983026" cy="369332"/>
+            </a:xfrm>
+            <a:prstGeom prst="rect">
+              <a:avLst/>
+            </a:prstGeom>
+            <a:noFill/>
+          </p:spPr>
+          <p:txBody>
+            <a:bodyPr wrap="none" rtlCol="0">
+              <a:spAutoFit/>
+            </a:bodyPr>
+            <a:lstStyle/>
+            <a:p>
+              <a:r>
+                <a:rPr lang="en-US" dirty="0"/>
+                <a:t>process</a:t>
+              </a:r>
+              <a:endParaRPr lang="LID4096" dirty="0"/>
+            </a:p>
+          </p:txBody>
+        </p:sp>
+      </p:grpSp>
+      <p:grpSp>
+        <p:nvGrpSpPr>
+          <p:cNvPr id="7" name="Group 6">
+            <a:extLst>
+              <a:ext uri="{FF2B5EF4-FFF2-40B4-BE49-F238E27FC236}">
+                <a16:creationId xmlns:a16="http://schemas.microsoft.com/office/drawing/2014/main" id="{13E72877-6C08-BB5D-67A9-AEAF201158BA}"/>
+              </a:ext>
+            </a:extLst>
+          </p:cNvPr>
+          <p:cNvGrpSpPr/>
+          <p:nvPr/>
+        </p:nvGrpSpPr>
+        <p:grpSpPr>
+          <a:xfrm>
+            <a:off x="997974" y="1150375"/>
+            <a:ext cx="10589342" cy="1582993"/>
+            <a:chOff x="943897" y="4852221"/>
+            <a:chExt cx="10589342" cy="1582993"/>
+          </a:xfrm>
+        </p:grpSpPr>
+        <p:sp>
+          <p:nvSpPr>
+            <p:cNvPr id="8" name="Rectangle 7">
+              <a:extLst>
+                <a:ext uri="{FF2B5EF4-FFF2-40B4-BE49-F238E27FC236}">
+                  <a16:creationId xmlns:a16="http://schemas.microsoft.com/office/drawing/2014/main" id="{CBC1D772-9664-F511-DAFF-0922007D58D9}"/>
+                </a:ext>
+              </a:extLst>
+            </p:cNvPr>
+            <p:cNvSpPr/>
+            <p:nvPr/>
+          </p:nvSpPr>
+          <p:spPr>
+            <a:xfrm>
+              <a:off x="2182761" y="4852221"/>
+              <a:ext cx="9350478" cy="1582993"/>
+            </a:xfrm>
+            <a:prstGeom prst="rect">
+              <a:avLst/>
+            </a:prstGeom>
+            <a:solidFill>
+              <a:schemeClr val="bg1">
+                <a:lumMod val="95000"/>
+              </a:schemeClr>
+            </a:solidFill>
+          </p:spPr>
+          <p:style>
+            <a:lnRef idx="2">
+              <a:schemeClr val="accent1">
+                <a:shade val="15000"/>
+              </a:schemeClr>
+            </a:lnRef>
+            <a:fillRef idx="1">
+              <a:schemeClr val="accent1"/>
+            </a:fillRef>
+            <a:effectRef idx="0">
+              <a:schemeClr val="accent1"/>
+            </a:effectRef>
+            <a:fontRef idx="minor">
+              <a:schemeClr val="lt1"/>
+            </a:fontRef>
+          </p:style>
+          <p:txBody>
+            <a:bodyPr rtlCol="0" anchor="ctr"/>
+            <a:lstStyle/>
+            <a:p>
+              <a:pPr algn="ctr"/>
+              <a:endParaRPr lang="LID4096" dirty="0"/>
+            </a:p>
+          </p:txBody>
+        </p:sp>
+        <p:sp>
+          <p:nvSpPr>
+            <p:cNvPr id="9" name="TextBox 8">
+              <a:extLst>
+                <a:ext uri="{FF2B5EF4-FFF2-40B4-BE49-F238E27FC236}">
+                  <a16:creationId xmlns:a16="http://schemas.microsoft.com/office/drawing/2014/main" id="{6E5F146F-0395-39B2-D84C-D7AF6BB25F48}"/>
+                </a:ext>
+              </a:extLst>
+            </p:cNvPr>
+            <p:cNvSpPr txBox="1"/>
+            <p:nvPr/>
+          </p:nvSpPr>
+          <p:spPr>
+            <a:xfrm>
+              <a:off x="943897" y="5427406"/>
+              <a:ext cx="638316" cy="369332"/>
+            </a:xfrm>
+            <a:prstGeom prst="rect">
+              <a:avLst/>
+            </a:prstGeom>
+            <a:noFill/>
+          </p:spPr>
+          <p:txBody>
+            <a:bodyPr wrap="none" rtlCol="0">
+              <a:spAutoFit/>
+            </a:bodyPr>
+            <a:lstStyle/>
+            <a:p>
+              <a:r>
+                <a:rPr lang="en-US" dirty="0"/>
+                <a:t>GPU</a:t>
+              </a:r>
+              <a:endParaRPr lang="LID4096" dirty="0"/>
+            </a:p>
+          </p:txBody>
+        </p:sp>
+      </p:grpSp>
+      <p:grpSp>
+        <p:nvGrpSpPr>
+          <p:cNvPr id="10" name="Group 9">
+            <a:extLst>
+              <a:ext uri="{FF2B5EF4-FFF2-40B4-BE49-F238E27FC236}">
+                <a16:creationId xmlns:a16="http://schemas.microsoft.com/office/drawing/2014/main" id="{935263E2-5E46-1181-D78C-9CD33A1DE463}"/>
+              </a:ext>
+            </a:extLst>
+          </p:cNvPr>
+          <p:cNvGrpSpPr/>
+          <p:nvPr/>
+        </p:nvGrpSpPr>
+        <p:grpSpPr>
+          <a:xfrm>
+            <a:off x="997974" y="3255861"/>
+            <a:ext cx="10589342" cy="825909"/>
+            <a:chOff x="943897" y="5211097"/>
+            <a:chExt cx="10589342" cy="825909"/>
+          </a:xfrm>
+        </p:grpSpPr>
+        <p:sp>
+          <p:nvSpPr>
+            <p:cNvPr id="11" name="Rectangle 10">
+              <a:extLst>
+                <a:ext uri="{FF2B5EF4-FFF2-40B4-BE49-F238E27FC236}">
+                  <a16:creationId xmlns:a16="http://schemas.microsoft.com/office/drawing/2014/main" id="{3FECE88D-268A-5BC6-C00A-21545C2AA45E}"/>
+                </a:ext>
+              </a:extLst>
+            </p:cNvPr>
+            <p:cNvSpPr/>
+            <p:nvPr/>
+          </p:nvSpPr>
+          <p:spPr>
+            <a:xfrm>
+              <a:off x="2182761" y="5211097"/>
+              <a:ext cx="9350478" cy="825909"/>
+            </a:xfrm>
+            <a:prstGeom prst="rect">
+              <a:avLst/>
+            </a:prstGeom>
+            <a:solidFill>
+              <a:schemeClr val="bg1">
+                <a:lumMod val="95000"/>
+              </a:schemeClr>
+            </a:solidFill>
+          </p:spPr>
+          <p:style>
+            <a:lnRef idx="2">
+              <a:schemeClr val="accent1">
+                <a:shade val="15000"/>
+              </a:schemeClr>
+            </a:lnRef>
+            <a:fillRef idx="1">
+              <a:schemeClr val="accent1"/>
+            </a:fillRef>
+            <a:effectRef idx="0">
+              <a:schemeClr val="accent1"/>
+            </a:effectRef>
+            <a:fontRef idx="minor">
+              <a:schemeClr val="lt1"/>
+            </a:fontRef>
+          </p:style>
+          <p:txBody>
+            <a:bodyPr rtlCol="0" anchor="ctr"/>
+            <a:lstStyle/>
+            <a:p>
+              <a:pPr algn="ctr"/>
+              <a:endParaRPr lang="LID4096" dirty="0"/>
+            </a:p>
+          </p:txBody>
+        </p:sp>
+        <p:sp>
+          <p:nvSpPr>
+            <p:cNvPr id="12" name="TextBox 11">
+              <a:extLst>
+                <a:ext uri="{FF2B5EF4-FFF2-40B4-BE49-F238E27FC236}">
+                  <a16:creationId xmlns:a16="http://schemas.microsoft.com/office/drawing/2014/main" id="{6572CC7B-EAA0-98BC-B9AD-D39317C588EA}"/>
+                </a:ext>
+              </a:extLst>
+            </p:cNvPr>
+            <p:cNvSpPr txBox="1"/>
+            <p:nvPr/>
+          </p:nvSpPr>
+          <p:spPr>
+            <a:xfrm>
+              <a:off x="943897" y="5427406"/>
+              <a:ext cx="635110" cy="369332"/>
+            </a:xfrm>
+            <a:prstGeom prst="rect">
+              <a:avLst/>
+            </a:prstGeom>
+            <a:noFill/>
+          </p:spPr>
+          <p:txBody>
+            <a:bodyPr wrap="none" rtlCol="0">
+              <a:spAutoFit/>
+            </a:bodyPr>
+            <a:lstStyle/>
+            <a:p>
+              <a:r>
+                <a:rPr lang="en-US" dirty="0"/>
+                <a:t>CPU</a:t>
+              </a:r>
+              <a:endParaRPr lang="LID4096" dirty="0"/>
+            </a:p>
+          </p:txBody>
+        </p:sp>
+      </p:grpSp>
+      <p:sp>
+        <p:nvSpPr>
+          <p:cNvPr id="24" name="TextBox 23">
+            <a:extLst>
+              <a:ext uri="{FF2B5EF4-FFF2-40B4-BE49-F238E27FC236}">
+                <a16:creationId xmlns:a16="http://schemas.microsoft.com/office/drawing/2014/main" id="{32C2992D-8957-2CB4-6A9B-70ADE97705C9}"/>
+              </a:ext>
+            </a:extLst>
+          </p:cNvPr>
+          <p:cNvSpPr txBox="1"/>
+          <p:nvPr/>
+        </p:nvSpPr>
+        <p:spPr>
+          <a:xfrm>
+            <a:off x="5720005" y="5425400"/>
+            <a:ext cx="1941497" cy="369332"/>
+          </a:xfrm>
+          <a:prstGeom prst="rect">
+            <a:avLst/>
+          </a:prstGeom>
+          <a:solidFill>
+            <a:schemeClr val="bg1"/>
+          </a:solidFill>
+          <a:ln>
+            <a:solidFill>
+              <a:schemeClr val="tx1"/>
+            </a:solidFill>
+          </a:ln>
+        </p:spPr>
+        <p:txBody>
+          <a:bodyPr wrap="square" rtlCol="0">
+            <a:spAutoFit/>
+          </a:bodyPr>
+          <a:lstStyle/>
+          <a:p>
+            <a:pPr algn="ctr"/>
+            <a:r>
+              <a:rPr lang="en-US" dirty="0" err="1"/>
+              <a:t>func</a:t>
+            </a:r>
+            <a:r>
+              <a:rPr lang="en-US" dirty="0"/>
+              <a:t>()</a:t>
+            </a:r>
+            <a:endParaRPr lang="LID4096" dirty="0"/>
+          </a:p>
+        </p:txBody>
+      </p:sp>
+      <p:sp>
+        <p:nvSpPr>
+          <p:cNvPr id="27" name="TextBox 26">
+            <a:extLst>
+              <a:ext uri="{FF2B5EF4-FFF2-40B4-BE49-F238E27FC236}">
+                <a16:creationId xmlns:a16="http://schemas.microsoft.com/office/drawing/2014/main" id="{032D59C9-085B-58EA-4224-4152819D6FF9}"/>
+              </a:ext>
+            </a:extLst>
+          </p:cNvPr>
+          <p:cNvSpPr txBox="1"/>
+          <p:nvPr/>
+        </p:nvSpPr>
+        <p:spPr>
+          <a:xfrm>
+            <a:off x="7819220" y="5439385"/>
+            <a:ext cx="1024897" cy="369332"/>
+          </a:xfrm>
+          <a:prstGeom prst="rect">
+            <a:avLst/>
+          </a:prstGeom>
+          <a:solidFill>
+            <a:schemeClr val="bg1"/>
+          </a:solidFill>
+          <a:ln>
+            <a:solidFill>
+              <a:schemeClr val="tx1"/>
+            </a:solidFill>
+          </a:ln>
+        </p:spPr>
+        <p:txBody>
+          <a:bodyPr wrap="square" rtlCol="0">
+            <a:spAutoFit/>
+          </a:bodyPr>
+          <a:lstStyle/>
+          <a:p>
+            <a:pPr algn="ctr"/>
+            <a:r>
+              <a:rPr lang="en-US" dirty="0"/>
+              <a:t>fence()</a:t>
+            </a:r>
+            <a:endParaRPr lang="LID4096" dirty="0"/>
+          </a:p>
+        </p:txBody>
+      </p:sp>
+      <p:cxnSp>
+        <p:nvCxnSpPr>
+          <p:cNvPr id="29" name="Straight Connector 28">
+            <a:extLst>
+              <a:ext uri="{FF2B5EF4-FFF2-40B4-BE49-F238E27FC236}">
+                <a16:creationId xmlns:a16="http://schemas.microsoft.com/office/drawing/2014/main" id="{DF52F4A4-625E-2FAD-92AF-6E780FBEB1F5}"/>
+              </a:ext>
+            </a:extLst>
+          </p:cNvPr>
+          <p:cNvCxnSpPr/>
+          <p:nvPr/>
+        </p:nvCxnSpPr>
+        <p:spPr>
+          <a:xfrm>
+            <a:off x="8844117" y="1199535"/>
+            <a:ext cx="0" cy="5142271"/>
+          </a:xfrm>
+          <a:prstGeom prst="line">
+            <a:avLst/>
+          </a:prstGeom>
+          <a:ln w="28575">
+            <a:solidFill>
+              <a:schemeClr val="tx1"/>
+            </a:solidFill>
+            <a:prstDash val="dash"/>
+          </a:ln>
+        </p:spPr>
+        <p:style>
+          <a:lnRef idx="2">
+            <a:schemeClr val="accent1"/>
+          </a:lnRef>
+          <a:fillRef idx="0">
+            <a:schemeClr val="accent1"/>
+          </a:fillRef>
+          <a:effectRef idx="1">
+            <a:schemeClr val="accent1"/>
+          </a:effectRef>
+          <a:fontRef idx="minor">
+            <a:schemeClr val="tx1"/>
+          </a:fontRef>
+        </p:style>
+      </p:cxnSp>
+      <p:sp>
+        <p:nvSpPr>
+          <p:cNvPr id="23" name="Rectangle: Rounded Corners 22">
+            <a:extLst>
+              <a:ext uri="{FF2B5EF4-FFF2-40B4-BE49-F238E27FC236}">
+                <a16:creationId xmlns:a16="http://schemas.microsoft.com/office/drawing/2014/main" id="{20FD02EE-8BCA-57C1-8324-77FEE1F4A890}"/>
+              </a:ext>
+            </a:extLst>
+          </p:cNvPr>
+          <p:cNvSpPr/>
+          <p:nvPr/>
+        </p:nvSpPr>
+        <p:spPr>
+          <a:xfrm>
+            <a:off x="2534293" y="1285568"/>
+            <a:ext cx="8880951" cy="585018"/>
+          </a:xfrm>
+          <a:prstGeom prst="roundRect">
+            <a:avLst/>
+          </a:prstGeom>
+          <a:solidFill>
+            <a:srgbClr val="049404">
+              <a:alpha val="30980"/>
+            </a:srgbClr>
+          </a:solidFill>
+        </p:spPr>
+        <p:style>
+          <a:lnRef idx="2">
+            <a:schemeClr val="accent1">
+              <a:shade val="15000"/>
+            </a:schemeClr>
+          </a:lnRef>
+          <a:fillRef idx="1">
+            <a:schemeClr val="accent1"/>
+          </a:fillRef>
+          <a:effectRef idx="0">
+            <a:schemeClr val="accent1"/>
+          </a:effectRef>
+          <a:fontRef idx="minor">
+            <a:schemeClr val="lt1"/>
+          </a:fontRef>
+        </p:style>
+        <p:txBody>
+          <a:bodyPr rtlCol="0" anchor="ctr"/>
+          <a:lstStyle/>
+          <a:p>
+            <a:pPr algn="ctr"/>
+            <a:endParaRPr lang="LID4096"/>
+          </a:p>
+        </p:txBody>
+      </p:sp>
+      <p:sp>
+        <p:nvSpPr>
+          <p:cNvPr id="25" name="Rectangle: Rounded Corners 24">
+            <a:extLst>
+              <a:ext uri="{FF2B5EF4-FFF2-40B4-BE49-F238E27FC236}">
+                <a16:creationId xmlns:a16="http://schemas.microsoft.com/office/drawing/2014/main" id="{366F32D8-79EA-D467-602F-75FC1AD53F89}"/>
+              </a:ext>
+            </a:extLst>
+          </p:cNvPr>
+          <p:cNvSpPr/>
+          <p:nvPr/>
+        </p:nvSpPr>
+        <p:spPr>
+          <a:xfrm>
+            <a:off x="2534292" y="1987504"/>
+            <a:ext cx="8880951" cy="585018"/>
+          </a:xfrm>
+          <a:prstGeom prst="roundRect">
+            <a:avLst/>
+          </a:prstGeom>
+          <a:solidFill>
+            <a:srgbClr val="049404">
+              <a:alpha val="30980"/>
+            </a:srgbClr>
+          </a:solidFill>
+        </p:spPr>
+        <p:style>
+          <a:lnRef idx="2">
+            <a:schemeClr val="accent1">
+              <a:shade val="15000"/>
+            </a:schemeClr>
+          </a:lnRef>
+          <a:fillRef idx="1">
+            <a:schemeClr val="accent1"/>
+          </a:fillRef>
+          <a:effectRef idx="0">
+            <a:schemeClr val="accent1"/>
+          </a:effectRef>
+          <a:fontRef idx="minor">
+            <a:schemeClr val="lt1"/>
+          </a:fontRef>
+        </p:style>
+        <p:txBody>
+          <a:bodyPr rtlCol="0" anchor="ctr"/>
+          <a:lstStyle/>
+          <a:p>
+            <a:pPr algn="ctr"/>
+            <a:endParaRPr lang="LID4096"/>
+          </a:p>
+        </p:txBody>
+      </p:sp>
+      <p:grpSp>
+        <p:nvGrpSpPr>
+          <p:cNvPr id="18" name="Group 17">
+            <a:extLst>
+              <a:ext uri="{FF2B5EF4-FFF2-40B4-BE49-F238E27FC236}">
+                <a16:creationId xmlns:a16="http://schemas.microsoft.com/office/drawing/2014/main" id="{1C805DC7-1405-330A-C87B-8825D176C036}"/>
+              </a:ext>
+            </a:extLst>
+          </p:cNvPr>
+          <p:cNvGrpSpPr/>
+          <p:nvPr/>
+        </p:nvGrpSpPr>
+        <p:grpSpPr>
+          <a:xfrm>
+            <a:off x="2349910" y="1384274"/>
+            <a:ext cx="3753725" cy="4412464"/>
+            <a:chOff x="2349910" y="1384274"/>
+            <a:chExt cx="3753725" cy="4412464"/>
+          </a:xfrm>
+        </p:grpSpPr>
+        <p:sp>
+          <p:nvSpPr>
+            <p:cNvPr id="13" name="TextBox 12">
+              <a:extLst>
+                <a:ext uri="{FF2B5EF4-FFF2-40B4-BE49-F238E27FC236}">
+                  <a16:creationId xmlns:a16="http://schemas.microsoft.com/office/drawing/2014/main" id="{1FF72C8E-7AC4-3656-71C2-CA67D2D244A5}"/>
+                </a:ext>
+              </a:extLst>
+            </p:cNvPr>
+            <p:cNvSpPr txBox="1"/>
+            <p:nvPr/>
+          </p:nvSpPr>
+          <p:spPr>
+            <a:xfrm>
+              <a:off x="2349910" y="5427406"/>
+              <a:ext cx="1024896" cy="369332"/>
+            </a:xfrm>
+            <a:prstGeom prst="rect">
+              <a:avLst/>
+            </a:prstGeom>
+            <a:solidFill>
+              <a:schemeClr val="bg1"/>
+            </a:solidFill>
+            <a:ln>
+              <a:solidFill>
+                <a:schemeClr val="tx1"/>
+              </a:solidFill>
+            </a:ln>
+          </p:spPr>
+          <p:txBody>
+            <a:bodyPr wrap="none" rtlCol="0">
+              <a:spAutoFit/>
+            </a:bodyPr>
+            <a:lstStyle/>
+            <a:p>
+              <a:pPr algn="ctr"/>
+              <a:r>
+                <a:rPr lang="en-US" dirty="0" err="1"/>
+                <a:t>par_for</a:t>
+              </a:r>
+              <a:r>
+                <a:rPr lang="en-US" dirty="0"/>
+                <a:t>()</a:t>
+              </a:r>
+              <a:endParaRPr lang="LID4096" dirty="0"/>
+            </a:p>
+          </p:txBody>
+        </p:sp>
+        <p:sp>
+          <p:nvSpPr>
+            <p:cNvPr id="14" name="TextBox 13">
+              <a:extLst>
+                <a:ext uri="{FF2B5EF4-FFF2-40B4-BE49-F238E27FC236}">
+                  <a16:creationId xmlns:a16="http://schemas.microsoft.com/office/drawing/2014/main" id="{17729DD2-268C-FB71-6C2A-3F5635C4D19F}"/>
+                </a:ext>
+              </a:extLst>
+            </p:cNvPr>
+            <p:cNvSpPr txBox="1"/>
+            <p:nvPr/>
+          </p:nvSpPr>
+          <p:spPr>
+            <a:xfrm>
+              <a:off x="2879940" y="1384274"/>
+              <a:ext cx="3223695" cy="369332"/>
+            </a:xfrm>
+            <a:prstGeom prst="rect">
+              <a:avLst/>
+            </a:prstGeom>
+            <a:solidFill>
+              <a:schemeClr val="bg1"/>
+            </a:solidFill>
+            <a:ln>
+              <a:solidFill>
+                <a:schemeClr val="tx1"/>
+              </a:solidFill>
+            </a:ln>
+          </p:spPr>
+          <p:txBody>
+            <a:bodyPr wrap="square" rtlCol="0">
+              <a:spAutoFit/>
+            </a:bodyPr>
+            <a:lstStyle/>
+            <a:p>
+              <a:pPr algn="ctr"/>
+              <a:r>
+                <a:rPr lang="en-US" dirty="0"/>
+                <a:t>Kernel 1</a:t>
+              </a:r>
+              <a:endParaRPr lang="LID4096" dirty="0"/>
+            </a:p>
+          </p:txBody>
+        </p:sp>
+        <p:cxnSp>
+          <p:nvCxnSpPr>
+            <p:cNvPr id="16" name="Straight Arrow Connector 15">
+              <a:extLst>
+                <a:ext uri="{FF2B5EF4-FFF2-40B4-BE49-F238E27FC236}">
+                  <a16:creationId xmlns:a16="http://schemas.microsoft.com/office/drawing/2014/main" id="{6A368571-1C71-A143-069B-76D9875C1088}"/>
+                </a:ext>
+              </a:extLst>
+            </p:cNvPr>
+            <p:cNvCxnSpPr>
+              <a:cxnSpLocks/>
+              <a:stCxn id="13" idx="0"/>
+              <a:endCxn id="14" idx="1"/>
+            </p:cNvCxnSpPr>
+            <p:nvPr/>
+          </p:nvCxnSpPr>
+          <p:spPr>
+            <a:xfrm flipV="1">
+              <a:off x="2862358" y="1568940"/>
+              <a:ext cx="17582" cy="3858466"/>
+            </a:xfrm>
+            <a:prstGeom prst="straightConnector1">
+              <a:avLst/>
+            </a:prstGeom>
+            <a:ln>
+              <a:tailEnd type="none"/>
+            </a:ln>
+          </p:spPr>
+          <p:style>
+            <a:lnRef idx="2">
+              <a:schemeClr val="accent1"/>
+            </a:lnRef>
+            <a:fillRef idx="0">
+              <a:schemeClr val="accent1"/>
+            </a:fillRef>
+            <a:effectRef idx="1">
+              <a:schemeClr val="accent1"/>
+            </a:effectRef>
+            <a:fontRef idx="minor">
+              <a:schemeClr val="tx1"/>
+            </a:fontRef>
+          </p:style>
+        </p:cxnSp>
+      </p:grpSp>
+      <p:grpSp>
+        <p:nvGrpSpPr>
+          <p:cNvPr id="19" name="Group 18">
+            <a:extLst>
+              <a:ext uri="{FF2B5EF4-FFF2-40B4-BE49-F238E27FC236}">
+                <a16:creationId xmlns:a16="http://schemas.microsoft.com/office/drawing/2014/main" id="{832CDE15-9EA0-6A2A-4B62-916B4E5C555D}"/>
+              </a:ext>
+            </a:extLst>
+          </p:cNvPr>
+          <p:cNvGrpSpPr/>
+          <p:nvPr/>
+        </p:nvGrpSpPr>
+        <p:grpSpPr>
+          <a:xfrm>
+            <a:off x="4623877" y="1393411"/>
+            <a:ext cx="4194687" cy="4401321"/>
+            <a:chOff x="2349910" y="1395417"/>
+            <a:chExt cx="4194687" cy="4401321"/>
+          </a:xfrm>
+        </p:grpSpPr>
+        <p:sp>
+          <p:nvSpPr>
+            <p:cNvPr id="20" name="TextBox 19">
+              <a:extLst>
+                <a:ext uri="{FF2B5EF4-FFF2-40B4-BE49-F238E27FC236}">
+                  <a16:creationId xmlns:a16="http://schemas.microsoft.com/office/drawing/2014/main" id="{C3C9F0D4-C61A-D3F1-D857-3DEBFDA4004D}"/>
+                </a:ext>
+              </a:extLst>
+            </p:cNvPr>
+            <p:cNvSpPr txBox="1"/>
+            <p:nvPr/>
+          </p:nvSpPr>
+          <p:spPr>
+            <a:xfrm>
+              <a:off x="2349910" y="5427406"/>
+              <a:ext cx="1024896" cy="369332"/>
+            </a:xfrm>
+            <a:prstGeom prst="rect">
+              <a:avLst/>
+            </a:prstGeom>
+            <a:solidFill>
+              <a:schemeClr val="bg1"/>
+            </a:solidFill>
+            <a:ln>
+              <a:solidFill>
+                <a:schemeClr val="tx1"/>
+              </a:solidFill>
+            </a:ln>
+          </p:spPr>
+          <p:txBody>
+            <a:bodyPr wrap="none" rtlCol="0">
+              <a:spAutoFit/>
+            </a:bodyPr>
+            <a:lstStyle/>
+            <a:p>
+              <a:pPr algn="ctr"/>
+              <a:r>
+                <a:rPr lang="en-US" dirty="0" err="1"/>
+                <a:t>par_for</a:t>
+              </a:r>
+              <a:r>
+                <a:rPr lang="en-US" dirty="0"/>
+                <a:t>()</a:t>
+              </a:r>
+              <a:endParaRPr lang="LID4096" dirty="0"/>
+            </a:p>
+          </p:txBody>
+        </p:sp>
+        <p:sp>
+          <p:nvSpPr>
+            <p:cNvPr id="21" name="TextBox 20">
+              <a:extLst>
+                <a:ext uri="{FF2B5EF4-FFF2-40B4-BE49-F238E27FC236}">
+                  <a16:creationId xmlns:a16="http://schemas.microsoft.com/office/drawing/2014/main" id="{F5B9591C-C82B-9DC0-FB34-5C4F4B7BF15F}"/>
+                </a:ext>
+              </a:extLst>
+            </p:cNvPr>
+            <p:cNvSpPr txBox="1"/>
+            <p:nvPr/>
+          </p:nvSpPr>
+          <p:spPr>
+            <a:xfrm>
+              <a:off x="3944004" y="1395417"/>
+              <a:ext cx="2600593" cy="369332"/>
+            </a:xfrm>
+            <a:prstGeom prst="rect">
+              <a:avLst/>
+            </a:prstGeom>
+            <a:solidFill>
+              <a:schemeClr val="bg1"/>
+            </a:solidFill>
+            <a:ln>
+              <a:solidFill>
+                <a:schemeClr val="tx1"/>
+              </a:solidFill>
+            </a:ln>
+          </p:spPr>
+          <p:txBody>
+            <a:bodyPr wrap="square" rtlCol="0">
+              <a:spAutoFit/>
+            </a:bodyPr>
+            <a:lstStyle/>
+            <a:p>
+              <a:pPr algn="ctr"/>
+              <a:r>
+                <a:rPr lang="en-US" dirty="0"/>
+                <a:t>Kernel 2</a:t>
+              </a:r>
+              <a:endParaRPr lang="LID4096" dirty="0"/>
+            </a:p>
+          </p:txBody>
+        </p:sp>
+        <p:cxnSp>
+          <p:nvCxnSpPr>
+            <p:cNvPr id="22" name="Straight Arrow Connector 21">
+              <a:extLst>
+                <a:ext uri="{FF2B5EF4-FFF2-40B4-BE49-F238E27FC236}">
+                  <a16:creationId xmlns:a16="http://schemas.microsoft.com/office/drawing/2014/main" id="{FA9AF300-E96F-88F4-C35D-5E7A4FAC35A8}"/>
+                </a:ext>
+              </a:extLst>
+            </p:cNvPr>
+            <p:cNvCxnSpPr>
+              <a:cxnSpLocks/>
+              <a:stCxn id="20" idx="0"/>
+              <a:endCxn id="21" idx="1"/>
+            </p:cNvCxnSpPr>
+            <p:nvPr/>
+          </p:nvCxnSpPr>
+          <p:spPr>
+            <a:xfrm flipV="1">
+              <a:off x="2862358" y="1580083"/>
+              <a:ext cx="1081646" cy="3847323"/>
+            </a:xfrm>
+            <a:prstGeom prst="straightConnector1">
+              <a:avLst/>
+            </a:prstGeom>
+            <a:ln>
+              <a:tailEnd type="none"/>
+            </a:ln>
+          </p:spPr>
+          <p:style>
+            <a:lnRef idx="2">
+              <a:schemeClr val="accent1"/>
+            </a:lnRef>
+            <a:fillRef idx="0">
+              <a:schemeClr val="accent1"/>
+            </a:fillRef>
+            <a:effectRef idx="1">
+              <a:schemeClr val="accent1"/>
+            </a:effectRef>
+            <a:fontRef idx="minor">
+              <a:schemeClr val="tx1"/>
+            </a:fontRef>
+          </p:style>
+        </p:cxnSp>
+      </p:grpSp>
+      <p:grpSp>
+        <p:nvGrpSpPr>
+          <p:cNvPr id="2" name="Group 1">
+            <a:extLst>
+              <a:ext uri="{FF2B5EF4-FFF2-40B4-BE49-F238E27FC236}">
+                <a16:creationId xmlns:a16="http://schemas.microsoft.com/office/drawing/2014/main" id="{72CFB9F8-137E-406B-968E-64C654860A0B}"/>
+              </a:ext>
+            </a:extLst>
+          </p:cNvPr>
+          <p:cNvGrpSpPr/>
+          <p:nvPr/>
+        </p:nvGrpSpPr>
+        <p:grpSpPr>
+          <a:xfrm>
+            <a:off x="3487954" y="2091498"/>
+            <a:ext cx="3817410" cy="3693261"/>
+            <a:chOff x="2349910" y="2103477"/>
+            <a:chExt cx="3817410" cy="3693261"/>
+          </a:xfrm>
+        </p:grpSpPr>
+        <p:sp>
+          <p:nvSpPr>
+            <p:cNvPr id="3" name="TextBox 2">
+              <a:extLst>
+                <a:ext uri="{FF2B5EF4-FFF2-40B4-BE49-F238E27FC236}">
+                  <a16:creationId xmlns:a16="http://schemas.microsoft.com/office/drawing/2014/main" id="{E16F04EB-ADD1-C785-F843-4455F5A9AE3E}"/>
+                </a:ext>
+              </a:extLst>
+            </p:cNvPr>
+            <p:cNvSpPr txBox="1"/>
+            <p:nvPr/>
+          </p:nvSpPr>
+          <p:spPr>
+            <a:xfrm>
+              <a:off x="2349910" y="5427406"/>
+              <a:ext cx="1024896" cy="369332"/>
+            </a:xfrm>
+            <a:prstGeom prst="rect">
+              <a:avLst/>
+            </a:prstGeom>
+            <a:solidFill>
+              <a:schemeClr val="bg1"/>
+            </a:solidFill>
+            <a:ln>
+              <a:solidFill>
+                <a:schemeClr val="tx1"/>
+              </a:solidFill>
+            </a:ln>
+          </p:spPr>
+          <p:txBody>
+            <a:bodyPr wrap="none" rtlCol="0">
+              <a:spAutoFit/>
+            </a:bodyPr>
+            <a:lstStyle/>
+            <a:p>
+              <a:pPr algn="ctr"/>
+              <a:r>
+                <a:rPr lang="en-US" dirty="0" err="1"/>
+                <a:t>par_for</a:t>
+              </a:r>
+              <a:r>
+                <a:rPr lang="en-US" dirty="0"/>
+                <a:t>()</a:t>
+              </a:r>
+              <a:endParaRPr lang="LID4096" dirty="0"/>
+            </a:p>
+          </p:txBody>
+        </p:sp>
+        <p:sp>
+          <p:nvSpPr>
+            <p:cNvPr id="15" name="TextBox 14">
+              <a:extLst>
+                <a:ext uri="{FF2B5EF4-FFF2-40B4-BE49-F238E27FC236}">
+                  <a16:creationId xmlns:a16="http://schemas.microsoft.com/office/drawing/2014/main" id="{058EE862-1BC6-F68A-7798-776F97DFE768}"/>
+                </a:ext>
+              </a:extLst>
+            </p:cNvPr>
+            <p:cNvSpPr txBox="1"/>
+            <p:nvPr/>
+          </p:nvSpPr>
+          <p:spPr>
+            <a:xfrm>
+              <a:off x="2862357" y="2103477"/>
+              <a:ext cx="3304963" cy="369332"/>
+            </a:xfrm>
+            <a:prstGeom prst="rect">
+              <a:avLst/>
+            </a:prstGeom>
+            <a:solidFill>
+              <a:schemeClr val="bg1"/>
+            </a:solidFill>
+            <a:ln>
+              <a:solidFill>
+                <a:schemeClr val="tx1"/>
+              </a:solidFill>
+            </a:ln>
+          </p:spPr>
+          <p:txBody>
+            <a:bodyPr wrap="square" rtlCol="0">
+              <a:spAutoFit/>
+            </a:bodyPr>
+            <a:lstStyle/>
+            <a:p>
+              <a:pPr algn="ctr"/>
+              <a:r>
+                <a:rPr lang="en-US" dirty="0"/>
+                <a:t>Kernel 3</a:t>
+              </a:r>
+              <a:endParaRPr lang="LID4096" dirty="0"/>
+            </a:p>
+          </p:txBody>
+        </p:sp>
+        <p:cxnSp>
+          <p:nvCxnSpPr>
+            <p:cNvPr id="17" name="Straight Arrow Connector 16">
+              <a:extLst>
+                <a:ext uri="{FF2B5EF4-FFF2-40B4-BE49-F238E27FC236}">
+                  <a16:creationId xmlns:a16="http://schemas.microsoft.com/office/drawing/2014/main" id="{0769EC8F-90D8-ABB5-875F-E41EC63A5085}"/>
+                </a:ext>
+              </a:extLst>
+            </p:cNvPr>
+            <p:cNvCxnSpPr>
+              <a:cxnSpLocks/>
+              <a:stCxn id="3" idx="0"/>
+              <a:endCxn id="15" idx="1"/>
+            </p:cNvCxnSpPr>
+            <p:nvPr/>
+          </p:nvCxnSpPr>
+          <p:spPr>
+            <a:xfrm flipH="1" flipV="1">
+              <a:off x="2862357" y="2288143"/>
+              <a:ext cx="1" cy="3139263"/>
+            </a:xfrm>
+            <a:prstGeom prst="straightConnector1">
+              <a:avLst/>
+            </a:prstGeom>
+            <a:ln>
+              <a:tailEnd type="none"/>
+            </a:ln>
+          </p:spPr>
+          <p:style>
+            <a:lnRef idx="2">
+              <a:schemeClr val="accent1"/>
+            </a:lnRef>
+            <a:fillRef idx="0">
+              <a:schemeClr val="accent1"/>
+            </a:fillRef>
+            <a:effectRef idx="1">
+              <a:schemeClr val="accent1"/>
+            </a:effectRef>
+            <a:fontRef idx="minor">
+              <a:schemeClr val="tx1"/>
+            </a:fontRef>
+          </p:style>
+        </p:cxnSp>
+      </p:grpSp>
+    </p:spTree>
+    <p:extLst>
+      <p:ext uri="{BB962C8B-B14F-4D97-AF65-F5344CB8AC3E}">
+        <p14:creationId xmlns:p14="http://schemas.microsoft.com/office/powerpoint/2010/main" val="1779743607"/>
+      </p:ext>
+    </p:extLst>
+  </p:cSld>
+  <p:clrMapOvr>
+    <a:masterClrMapping/>
+  </p:clrMapOvr>
+</p:sld>
+</file>
+
+<file path=ppt/slides/slide9.xml><?xml version="1.0" encoding="utf-8"?>
+<p:sld xmlns:a="http://schemas.openxmlformats.org/drawingml/2006/main" xmlns:r="http://schemas.openxmlformats.org/officeDocument/2006/relationships" xmlns:p="http://schemas.openxmlformats.org/presentationml/2006/main">
+  <p:cSld>
+    <p:spTree>
+      <p:nvGrpSpPr>
+        <p:cNvPr id="1" name=""/>
+        <p:cNvGrpSpPr/>
+        <p:nvPr/>
+      </p:nvGrpSpPr>
+      <p:grpSpPr>
+        <a:xfrm>
+          <a:off x="0" y="0"/>
+          <a:ext cx="0" cy="0"/>
+          <a:chOff x="0" y="0"/>
+          <a:chExt cx="0" cy="0"/>
+        </a:xfrm>
+      </p:grpSpPr>
+      <p:grpSp>
+        <p:nvGrpSpPr>
+          <p:cNvPr id="6" name="Group 5">
+            <a:extLst>
+              <a:ext uri="{FF2B5EF4-FFF2-40B4-BE49-F238E27FC236}">
+                <a16:creationId xmlns:a16="http://schemas.microsoft.com/office/drawing/2014/main" id="{E219ADA0-B066-409D-20D7-BD2F27A2AE5A}"/>
+              </a:ext>
+            </a:extLst>
+          </p:cNvPr>
+          <p:cNvGrpSpPr/>
+          <p:nvPr/>
+        </p:nvGrpSpPr>
+        <p:grpSpPr>
+          <a:xfrm>
+            <a:off x="997974" y="5210408"/>
+            <a:ext cx="10589342" cy="825909"/>
+            <a:chOff x="943897" y="5211097"/>
+            <a:chExt cx="10589342" cy="825909"/>
+          </a:xfrm>
+        </p:grpSpPr>
+        <p:sp>
+          <p:nvSpPr>
+            <p:cNvPr id="4" name="Rectangle 3">
+              <a:extLst>
+                <a:ext uri="{FF2B5EF4-FFF2-40B4-BE49-F238E27FC236}">
+                  <a16:creationId xmlns:a16="http://schemas.microsoft.com/office/drawing/2014/main" id="{5BD7A810-1641-62B8-9067-9B37B4E1C93D}"/>
+                </a:ext>
+              </a:extLst>
+            </p:cNvPr>
+            <p:cNvSpPr/>
+            <p:nvPr/>
+          </p:nvSpPr>
+          <p:spPr>
+            <a:xfrm>
+              <a:off x="2182761" y="5211097"/>
+              <a:ext cx="9350478" cy="825909"/>
+            </a:xfrm>
+            <a:prstGeom prst="rect">
+              <a:avLst/>
+            </a:prstGeom>
+            <a:solidFill>
+              <a:schemeClr val="bg1">
+                <a:lumMod val="95000"/>
+              </a:schemeClr>
+            </a:solidFill>
+          </p:spPr>
+          <p:style>
+            <a:lnRef idx="2">
+              <a:schemeClr val="accent1">
+                <a:shade val="15000"/>
+              </a:schemeClr>
+            </a:lnRef>
+            <a:fillRef idx="1">
+              <a:schemeClr val="accent1"/>
+            </a:fillRef>
+            <a:effectRef idx="0">
+              <a:schemeClr val="accent1"/>
+            </a:effectRef>
+            <a:fontRef idx="minor">
+              <a:schemeClr val="lt1"/>
+            </a:fontRef>
+          </p:style>
+          <p:txBody>
+            <a:bodyPr rtlCol="0" anchor="ctr"/>
+            <a:lstStyle/>
+            <a:p>
+              <a:pPr algn="ctr"/>
+              <a:endParaRPr lang="LID4096" dirty="0"/>
+            </a:p>
+          </p:txBody>
+        </p:sp>
+        <p:sp>
+          <p:nvSpPr>
+            <p:cNvPr id="5" name="TextBox 4">
+              <a:extLst>
+                <a:ext uri="{FF2B5EF4-FFF2-40B4-BE49-F238E27FC236}">
+                  <a16:creationId xmlns:a16="http://schemas.microsoft.com/office/drawing/2014/main" id="{580E9D98-436A-4EA7-FE80-E936B72DB400}"/>
+                </a:ext>
+              </a:extLst>
+            </p:cNvPr>
+            <p:cNvSpPr txBox="1"/>
+            <p:nvPr/>
+          </p:nvSpPr>
+          <p:spPr>
+            <a:xfrm>
+              <a:off x="943897" y="5427406"/>
+              <a:ext cx="983026" cy="369332"/>
+            </a:xfrm>
+            <a:prstGeom prst="rect">
+              <a:avLst/>
+            </a:prstGeom>
+            <a:noFill/>
+          </p:spPr>
+          <p:txBody>
+            <a:bodyPr wrap="none" rtlCol="0">
+              <a:spAutoFit/>
+            </a:bodyPr>
+            <a:lstStyle/>
+            <a:p>
+              <a:r>
+                <a:rPr lang="en-US" dirty="0"/>
+                <a:t>process</a:t>
+              </a:r>
+              <a:endParaRPr lang="LID4096" dirty="0"/>
+            </a:p>
+          </p:txBody>
+        </p:sp>
+      </p:grpSp>
+      <p:grpSp>
+        <p:nvGrpSpPr>
+          <p:cNvPr id="7" name="Group 6">
+            <a:extLst>
+              <a:ext uri="{FF2B5EF4-FFF2-40B4-BE49-F238E27FC236}">
+                <a16:creationId xmlns:a16="http://schemas.microsoft.com/office/drawing/2014/main" id="{13E72877-6C08-BB5D-67A9-AEAF201158BA}"/>
+              </a:ext>
+            </a:extLst>
+          </p:cNvPr>
+          <p:cNvGrpSpPr/>
+          <p:nvPr/>
+        </p:nvGrpSpPr>
+        <p:grpSpPr>
+          <a:xfrm>
+            <a:off x="997974" y="1150375"/>
+            <a:ext cx="10589342" cy="1582993"/>
+            <a:chOff x="943897" y="4852221"/>
+            <a:chExt cx="10589342" cy="1582993"/>
+          </a:xfrm>
+        </p:grpSpPr>
+        <p:sp>
+          <p:nvSpPr>
+            <p:cNvPr id="8" name="Rectangle 7">
+              <a:extLst>
+                <a:ext uri="{FF2B5EF4-FFF2-40B4-BE49-F238E27FC236}">
+                  <a16:creationId xmlns:a16="http://schemas.microsoft.com/office/drawing/2014/main" id="{CBC1D772-9664-F511-DAFF-0922007D58D9}"/>
+                </a:ext>
+              </a:extLst>
+            </p:cNvPr>
+            <p:cNvSpPr/>
+            <p:nvPr/>
+          </p:nvSpPr>
+          <p:spPr>
+            <a:xfrm>
+              <a:off x="2182761" y="4852221"/>
+              <a:ext cx="9350478" cy="1582993"/>
+            </a:xfrm>
+            <a:prstGeom prst="rect">
+              <a:avLst/>
+            </a:prstGeom>
+            <a:solidFill>
+              <a:schemeClr val="bg1">
+                <a:lumMod val="95000"/>
+              </a:schemeClr>
+            </a:solidFill>
+          </p:spPr>
+          <p:style>
+            <a:lnRef idx="2">
+              <a:schemeClr val="accent1">
+                <a:shade val="15000"/>
+              </a:schemeClr>
+            </a:lnRef>
+            <a:fillRef idx="1">
+              <a:schemeClr val="accent1"/>
+            </a:fillRef>
+            <a:effectRef idx="0">
+              <a:schemeClr val="accent1"/>
+            </a:effectRef>
+            <a:fontRef idx="minor">
+              <a:schemeClr val="lt1"/>
+            </a:fontRef>
+          </p:style>
+          <p:txBody>
+            <a:bodyPr rtlCol="0" anchor="ctr"/>
+            <a:lstStyle/>
+            <a:p>
+              <a:pPr algn="ctr"/>
+              <a:endParaRPr lang="LID4096" dirty="0"/>
+            </a:p>
+          </p:txBody>
+        </p:sp>
+        <p:sp>
+          <p:nvSpPr>
+            <p:cNvPr id="9" name="TextBox 8">
+              <a:extLst>
+                <a:ext uri="{FF2B5EF4-FFF2-40B4-BE49-F238E27FC236}">
+                  <a16:creationId xmlns:a16="http://schemas.microsoft.com/office/drawing/2014/main" id="{6E5F146F-0395-39B2-D84C-D7AF6BB25F48}"/>
+                </a:ext>
+              </a:extLst>
+            </p:cNvPr>
+            <p:cNvSpPr txBox="1"/>
+            <p:nvPr/>
+          </p:nvSpPr>
+          <p:spPr>
+            <a:xfrm>
+              <a:off x="943897" y="5427406"/>
+              <a:ext cx="638316" cy="369332"/>
+            </a:xfrm>
+            <a:prstGeom prst="rect">
+              <a:avLst/>
+            </a:prstGeom>
+            <a:noFill/>
+          </p:spPr>
+          <p:txBody>
+            <a:bodyPr wrap="none" rtlCol="0">
+              <a:spAutoFit/>
+            </a:bodyPr>
+            <a:lstStyle/>
+            <a:p>
+              <a:r>
+                <a:rPr lang="en-US" dirty="0"/>
+                <a:t>GPU</a:t>
+              </a:r>
+              <a:endParaRPr lang="LID4096" dirty="0"/>
+            </a:p>
+          </p:txBody>
+        </p:sp>
+      </p:grpSp>
+      <p:grpSp>
+        <p:nvGrpSpPr>
+          <p:cNvPr id="10" name="Group 9">
+            <a:extLst>
+              <a:ext uri="{FF2B5EF4-FFF2-40B4-BE49-F238E27FC236}">
+                <a16:creationId xmlns:a16="http://schemas.microsoft.com/office/drawing/2014/main" id="{935263E2-5E46-1181-D78C-9CD33A1DE463}"/>
+              </a:ext>
+            </a:extLst>
+          </p:cNvPr>
+          <p:cNvGrpSpPr/>
+          <p:nvPr/>
+        </p:nvGrpSpPr>
+        <p:grpSpPr>
+          <a:xfrm>
+            <a:off x="997974" y="3255861"/>
+            <a:ext cx="10589342" cy="825909"/>
+            <a:chOff x="943897" y="5211097"/>
+            <a:chExt cx="10589342" cy="825909"/>
+          </a:xfrm>
+        </p:grpSpPr>
+        <p:sp>
+          <p:nvSpPr>
+            <p:cNvPr id="11" name="Rectangle 10">
+              <a:extLst>
+                <a:ext uri="{FF2B5EF4-FFF2-40B4-BE49-F238E27FC236}">
+                  <a16:creationId xmlns:a16="http://schemas.microsoft.com/office/drawing/2014/main" id="{3FECE88D-268A-5BC6-C00A-21545C2AA45E}"/>
+                </a:ext>
+              </a:extLst>
+            </p:cNvPr>
+            <p:cNvSpPr/>
+            <p:nvPr/>
+          </p:nvSpPr>
+          <p:spPr>
+            <a:xfrm>
+              <a:off x="2182761" y="5211097"/>
+              <a:ext cx="9350478" cy="825909"/>
+            </a:xfrm>
+            <a:prstGeom prst="rect">
+              <a:avLst/>
+            </a:prstGeom>
+            <a:solidFill>
+              <a:schemeClr val="bg1">
+                <a:lumMod val="95000"/>
+              </a:schemeClr>
+            </a:solidFill>
+          </p:spPr>
+          <p:style>
+            <a:lnRef idx="2">
+              <a:schemeClr val="accent1">
+                <a:shade val="15000"/>
+              </a:schemeClr>
+            </a:lnRef>
+            <a:fillRef idx="1">
+              <a:schemeClr val="accent1"/>
+            </a:fillRef>
+            <a:effectRef idx="0">
+              <a:schemeClr val="accent1"/>
+            </a:effectRef>
+            <a:fontRef idx="minor">
+              <a:schemeClr val="lt1"/>
+            </a:fontRef>
+          </p:style>
+          <p:txBody>
+            <a:bodyPr rtlCol="0" anchor="ctr"/>
+            <a:lstStyle/>
+            <a:p>
+              <a:pPr algn="ctr"/>
+              <a:endParaRPr lang="LID4096" dirty="0"/>
+            </a:p>
+          </p:txBody>
+        </p:sp>
+        <p:sp>
+          <p:nvSpPr>
+            <p:cNvPr id="12" name="TextBox 11">
+              <a:extLst>
+                <a:ext uri="{FF2B5EF4-FFF2-40B4-BE49-F238E27FC236}">
+                  <a16:creationId xmlns:a16="http://schemas.microsoft.com/office/drawing/2014/main" id="{6572CC7B-EAA0-98BC-B9AD-D39317C588EA}"/>
+                </a:ext>
+              </a:extLst>
+            </p:cNvPr>
+            <p:cNvSpPr txBox="1"/>
+            <p:nvPr/>
+          </p:nvSpPr>
+          <p:spPr>
+            <a:xfrm>
+              <a:off x="943897" y="5427406"/>
+              <a:ext cx="635110" cy="369332"/>
+            </a:xfrm>
+            <a:prstGeom prst="rect">
+              <a:avLst/>
+            </a:prstGeom>
+            <a:noFill/>
+          </p:spPr>
+          <p:txBody>
+            <a:bodyPr wrap="none" rtlCol="0">
+              <a:spAutoFit/>
+            </a:bodyPr>
+            <a:lstStyle/>
+            <a:p>
+              <a:r>
+                <a:rPr lang="en-US" dirty="0"/>
+                <a:t>CPU</a:t>
+              </a:r>
+              <a:endParaRPr lang="LID4096" dirty="0"/>
+            </a:p>
+          </p:txBody>
+        </p:sp>
+      </p:grpSp>
+      <p:sp>
+        <p:nvSpPr>
+          <p:cNvPr id="24" name="TextBox 23">
+            <a:extLst>
+              <a:ext uri="{FF2B5EF4-FFF2-40B4-BE49-F238E27FC236}">
+                <a16:creationId xmlns:a16="http://schemas.microsoft.com/office/drawing/2014/main" id="{32C2992D-8957-2CB4-6A9B-70ADE97705C9}"/>
+              </a:ext>
+            </a:extLst>
+          </p:cNvPr>
+          <p:cNvSpPr txBox="1"/>
+          <p:nvPr/>
+        </p:nvSpPr>
+        <p:spPr>
+          <a:xfrm>
+            <a:off x="8358893" y="5415427"/>
+            <a:ext cx="3056350" cy="369332"/>
+          </a:xfrm>
+          <a:prstGeom prst="rect">
+            <a:avLst/>
+          </a:prstGeom>
+          <a:solidFill>
+            <a:schemeClr val="bg1"/>
+          </a:solidFill>
+          <a:ln>
+            <a:solidFill>
+              <a:schemeClr val="tx1"/>
+            </a:solidFill>
+          </a:ln>
+        </p:spPr>
+        <p:txBody>
+          <a:bodyPr wrap="square" rtlCol="0">
+            <a:spAutoFit/>
+          </a:bodyPr>
+          <a:lstStyle/>
+          <a:p>
+            <a:pPr algn="ctr"/>
+            <a:r>
+              <a:rPr lang="en-US" dirty="0" err="1"/>
+              <a:t>func</a:t>
+            </a:r>
+            <a:r>
+              <a:rPr lang="en-US" dirty="0"/>
+              <a:t>()</a:t>
+            </a:r>
+            <a:endParaRPr lang="LID4096" dirty="0"/>
+          </a:p>
+        </p:txBody>
+      </p:sp>
+      <p:sp>
+        <p:nvSpPr>
+          <p:cNvPr id="23" name="Rectangle: Rounded Corners 22">
+            <a:extLst>
+              <a:ext uri="{FF2B5EF4-FFF2-40B4-BE49-F238E27FC236}">
+                <a16:creationId xmlns:a16="http://schemas.microsoft.com/office/drawing/2014/main" id="{20FD02EE-8BCA-57C1-8324-77FEE1F4A890}"/>
+              </a:ext>
+            </a:extLst>
+          </p:cNvPr>
+          <p:cNvSpPr/>
+          <p:nvPr/>
+        </p:nvSpPr>
+        <p:spPr>
+          <a:xfrm>
+            <a:off x="2534293" y="1285568"/>
+            <a:ext cx="8880951" cy="585018"/>
+          </a:xfrm>
+          <a:prstGeom prst="roundRect">
+            <a:avLst/>
+          </a:prstGeom>
+          <a:solidFill>
+            <a:srgbClr val="049404">
+              <a:alpha val="30980"/>
+            </a:srgbClr>
+          </a:solidFill>
+        </p:spPr>
+        <p:style>
+          <a:lnRef idx="2">
+            <a:schemeClr val="accent1">
+              <a:shade val="15000"/>
+            </a:schemeClr>
+          </a:lnRef>
+          <a:fillRef idx="1">
+            <a:schemeClr val="accent1"/>
+          </a:fillRef>
+          <a:effectRef idx="0">
+            <a:schemeClr val="accent1"/>
+          </a:effectRef>
+          <a:fontRef idx="minor">
+            <a:schemeClr val="lt1"/>
+          </a:fontRef>
+        </p:style>
+        <p:txBody>
+          <a:bodyPr rtlCol="0" anchor="ctr"/>
+          <a:lstStyle/>
+          <a:p>
+            <a:pPr algn="ctr"/>
+            <a:endParaRPr lang="LID4096"/>
+          </a:p>
+        </p:txBody>
+      </p:sp>
+      <p:sp>
+        <p:nvSpPr>
+          <p:cNvPr id="25" name="Rectangle: Rounded Corners 24">
+            <a:extLst>
+              <a:ext uri="{FF2B5EF4-FFF2-40B4-BE49-F238E27FC236}">
+                <a16:creationId xmlns:a16="http://schemas.microsoft.com/office/drawing/2014/main" id="{366F32D8-79EA-D467-602F-75FC1AD53F89}"/>
+              </a:ext>
+            </a:extLst>
+          </p:cNvPr>
+          <p:cNvSpPr/>
+          <p:nvPr/>
+        </p:nvSpPr>
+        <p:spPr>
+          <a:xfrm>
+            <a:off x="2534292" y="1987504"/>
+            <a:ext cx="8880951" cy="585018"/>
+          </a:xfrm>
+          <a:prstGeom prst="roundRect">
+            <a:avLst/>
+          </a:prstGeom>
+          <a:solidFill>
+            <a:srgbClr val="049404">
+              <a:alpha val="30980"/>
+            </a:srgbClr>
+          </a:solidFill>
+        </p:spPr>
+        <p:style>
+          <a:lnRef idx="2">
+            <a:schemeClr val="accent1">
+              <a:shade val="15000"/>
+            </a:schemeClr>
+          </a:lnRef>
+          <a:fillRef idx="1">
+            <a:schemeClr val="accent1"/>
+          </a:fillRef>
+          <a:effectRef idx="0">
+            <a:schemeClr val="accent1"/>
+          </a:effectRef>
+          <a:fontRef idx="minor">
+            <a:schemeClr val="lt1"/>
+          </a:fontRef>
+        </p:style>
+        <p:txBody>
+          <a:bodyPr rtlCol="0" anchor="ctr"/>
+          <a:lstStyle/>
+          <a:p>
+            <a:pPr algn="ctr"/>
+            <a:endParaRPr lang="LID4096"/>
+          </a:p>
+        </p:txBody>
+      </p:sp>
+      <p:grpSp>
+        <p:nvGrpSpPr>
+          <p:cNvPr id="18" name="Group 17">
+            <a:extLst>
+              <a:ext uri="{FF2B5EF4-FFF2-40B4-BE49-F238E27FC236}">
+                <a16:creationId xmlns:a16="http://schemas.microsoft.com/office/drawing/2014/main" id="{1C805DC7-1405-330A-C87B-8825D176C036}"/>
+              </a:ext>
+            </a:extLst>
+          </p:cNvPr>
+          <p:cNvGrpSpPr/>
+          <p:nvPr/>
+        </p:nvGrpSpPr>
+        <p:grpSpPr>
+          <a:xfrm>
+            <a:off x="2349910" y="1384274"/>
+            <a:ext cx="3753725" cy="4412464"/>
+            <a:chOff x="2349910" y="1384274"/>
+            <a:chExt cx="3753725" cy="4412464"/>
+          </a:xfrm>
+        </p:grpSpPr>
+        <p:sp>
+          <p:nvSpPr>
+            <p:cNvPr id="13" name="TextBox 12">
+              <a:extLst>
+                <a:ext uri="{FF2B5EF4-FFF2-40B4-BE49-F238E27FC236}">
+                  <a16:creationId xmlns:a16="http://schemas.microsoft.com/office/drawing/2014/main" id="{1FF72C8E-7AC4-3656-71C2-CA67D2D244A5}"/>
+                </a:ext>
+              </a:extLst>
+            </p:cNvPr>
+            <p:cNvSpPr txBox="1"/>
+            <p:nvPr/>
+          </p:nvSpPr>
+          <p:spPr>
+            <a:xfrm>
+              <a:off x="2349910" y="5427406"/>
+              <a:ext cx="1024896" cy="369332"/>
+            </a:xfrm>
+            <a:prstGeom prst="rect">
+              <a:avLst/>
+            </a:prstGeom>
+            <a:solidFill>
+              <a:schemeClr val="bg1"/>
+            </a:solidFill>
+            <a:ln>
+              <a:solidFill>
+                <a:schemeClr val="tx1"/>
+              </a:solidFill>
+            </a:ln>
+          </p:spPr>
+          <p:txBody>
+            <a:bodyPr wrap="none" rtlCol="0">
+              <a:spAutoFit/>
+            </a:bodyPr>
+            <a:lstStyle/>
+            <a:p>
+              <a:pPr algn="ctr"/>
+              <a:r>
+                <a:rPr lang="en-US" dirty="0" err="1"/>
+                <a:t>par_for</a:t>
+              </a:r>
+              <a:r>
+                <a:rPr lang="en-US" dirty="0"/>
+                <a:t>()</a:t>
+              </a:r>
+              <a:endParaRPr lang="LID4096" dirty="0"/>
+            </a:p>
+          </p:txBody>
+        </p:sp>
+        <p:sp>
+          <p:nvSpPr>
+            <p:cNvPr id="14" name="TextBox 13">
+              <a:extLst>
+                <a:ext uri="{FF2B5EF4-FFF2-40B4-BE49-F238E27FC236}">
+                  <a16:creationId xmlns:a16="http://schemas.microsoft.com/office/drawing/2014/main" id="{17729DD2-268C-FB71-6C2A-3F5635C4D19F}"/>
+                </a:ext>
+              </a:extLst>
+            </p:cNvPr>
+            <p:cNvSpPr txBox="1"/>
+            <p:nvPr/>
+          </p:nvSpPr>
+          <p:spPr>
+            <a:xfrm>
+              <a:off x="2879940" y="1384274"/>
+              <a:ext cx="3223695" cy="369332"/>
+            </a:xfrm>
+            <a:prstGeom prst="rect">
+              <a:avLst/>
+            </a:prstGeom>
+            <a:solidFill>
+              <a:schemeClr val="bg1"/>
+            </a:solidFill>
+            <a:ln>
+              <a:solidFill>
+                <a:schemeClr val="tx1"/>
+              </a:solidFill>
+            </a:ln>
+          </p:spPr>
+          <p:txBody>
+            <a:bodyPr wrap="square" rtlCol="0">
+              <a:spAutoFit/>
+            </a:bodyPr>
+            <a:lstStyle/>
+            <a:p>
+              <a:pPr algn="ctr"/>
+              <a:r>
+                <a:rPr lang="en-US" dirty="0"/>
+                <a:t>Kernel 1</a:t>
+              </a:r>
+              <a:endParaRPr lang="LID4096" dirty="0"/>
+            </a:p>
+          </p:txBody>
+        </p:sp>
+        <p:cxnSp>
+          <p:nvCxnSpPr>
+            <p:cNvPr id="16" name="Straight Arrow Connector 15">
+              <a:extLst>
+                <a:ext uri="{FF2B5EF4-FFF2-40B4-BE49-F238E27FC236}">
+                  <a16:creationId xmlns:a16="http://schemas.microsoft.com/office/drawing/2014/main" id="{6A368571-1C71-A143-069B-76D9875C1088}"/>
+                </a:ext>
+              </a:extLst>
+            </p:cNvPr>
+            <p:cNvCxnSpPr>
+              <a:cxnSpLocks/>
+              <a:stCxn id="13" idx="0"/>
+              <a:endCxn id="14" idx="1"/>
+            </p:cNvCxnSpPr>
+            <p:nvPr/>
+          </p:nvCxnSpPr>
+          <p:spPr>
+            <a:xfrm flipV="1">
+              <a:off x="2862358" y="1568940"/>
+              <a:ext cx="17582" cy="3858466"/>
+            </a:xfrm>
+            <a:prstGeom prst="straightConnector1">
+              <a:avLst/>
+            </a:prstGeom>
+            <a:ln>
+              <a:tailEnd type="none"/>
+            </a:ln>
+          </p:spPr>
+          <p:style>
+            <a:lnRef idx="2">
+              <a:schemeClr val="accent1"/>
+            </a:lnRef>
+            <a:fillRef idx="0">
+              <a:schemeClr val="accent1"/>
+            </a:fillRef>
+            <a:effectRef idx="1">
+              <a:schemeClr val="accent1"/>
+            </a:effectRef>
+            <a:fontRef idx="minor">
+              <a:schemeClr val="tx1"/>
+            </a:fontRef>
+          </p:style>
+        </p:cxnSp>
+      </p:grpSp>
+      <p:grpSp>
+        <p:nvGrpSpPr>
+          <p:cNvPr id="19" name="Group 18">
+            <a:extLst>
+              <a:ext uri="{FF2B5EF4-FFF2-40B4-BE49-F238E27FC236}">
+                <a16:creationId xmlns:a16="http://schemas.microsoft.com/office/drawing/2014/main" id="{832CDE15-9EA0-6A2A-4B62-916B4E5C555D}"/>
+              </a:ext>
+            </a:extLst>
+          </p:cNvPr>
+          <p:cNvGrpSpPr/>
+          <p:nvPr/>
+        </p:nvGrpSpPr>
+        <p:grpSpPr>
+          <a:xfrm>
+            <a:off x="6131836" y="1378070"/>
+            <a:ext cx="5062190" cy="4408836"/>
+            <a:chOff x="2349910" y="1387902"/>
+            <a:chExt cx="5062190" cy="4408836"/>
+          </a:xfrm>
+        </p:grpSpPr>
+        <p:sp>
+          <p:nvSpPr>
+            <p:cNvPr id="20" name="TextBox 19">
+              <a:extLst>
+                <a:ext uri="{FF2B5EF4-FFF2-40B4-BE49-F238E27FC236}">
+                  <a16:creationId xmlns:a16="http://schemas.microsoft.com/office/drawing/2014/main" id="{C3C9F0D4-C61A-D3F1-D857-3DEBFDA4004D}"/>
+                </a:ext>
+              </a:extLst>
+            </p:cNvPr>
+            <p:cNvSpPr txBox="1"/>
+            <p:nvPr/>
+          </p:nvSpPr>
+          <p:spPr>
+            <a:xfrm>
+              <a:off x="2349910" y="5427406"/>
+              <a:ext cx="1024896" cy="369332"/>
+            </a:xfrm>
+            <a:prstGeom prst="rect">
+              <a:avLst/>
+            </a:prstGeom>
+            <a:solidFill>
+              <a:schemeClr val="bg1"/>
+            </a:solidFill>
+            <a:ln>
+              <a:solidFill>
+                <a:schemeClr val="tx1"/>
+              </a:solidFill>
+            </a:ln>
+          </p:spPr>
+          <p:txBody>
+            <a:bodyPr wrap="none" rtlCol="0">
+              <a:spAutoFit/>
+            </a:bodyPr>
+            <a:lstStyle/>
+            <a:p>
+              <a:pPr algn="ctr"/>
+              <a:r>
+                <a:rPr lang="en-US" dirty="0" err="1"/>
+                <a:t>par_for</a:t>
+              </a:r>
+              <a:r>
+                <a:rPr lang="en-US" dirty="0"/>
+                <a:t>()</a:t>
+              </a:r>
+              <a:endParaRPr lang="LID4096" dirty="0"/>
+            </a:p>
+          </p:txBody>
+        </p:sp>
+        <p:sp>
+          <p:nvSpPr>
+            <p:cNvPr id="21" name="TextBox 20">
+              <a:extLst>
+                <a:ext uri="{FF2B5EF4-FFF2-40B4-BE49-F238E27FC236}">
+                  <a16:creationId xmlns:a16="http://schemas.microsoft.com/office/drawing/2014/main" id="{F5B9591C-C82B-9DC0-FB34-5C4F4B7BF15F}"/>
+                </a:ext>
+              </a:extLst>
+            </p:cNvPr>
+            <p:cNvSpPr txBox="1"/>
+            <p:nvPr/>
+          </p:nvSpPr>
+          <p:spPr>
+            <a:xfrm>
+              <a:off x="4811507" y="1387902"/>
+              <a:ext cx="2600593" cy="369332"/>
+            </a:xfrm>
+            <a:prstGeom prst="rect">
+              <a:avLst/>
+            </a:prstGeom>
+            <a:solidFill>
+              <a:schemeClr val="bg1"/>
+            </a:solidFill>
+            <a:ln>
+              <a:solidFill>
+                <a:schemeClr val="tx1"/>
+              </a:solidFill>
+            </a:ln>
+          </p:spPr>
+          <p:txBody>
+            <a:bodyPr wrap="square" rtlCol="0">
+              <a:spAutoFit/>
+            </a:bodyPr>
+            <a:lstStyle/>
+            <a:p>
+              <a:pPr algn="ctr"/>
+              <a:r>
+                <a:rPr lang="en-US" dirty="0"/>
+                <a:t>Kernel 2</a:t>
+              </a:r>
+              <a:endParaRPr lang="LID4096" dirty="0"/>
+            </a:p>
+          </p:txBody>
+        </p:sp>
+        <p:cxnSp>
+          <p:nvCxnSpPr>
+            <p:cNvPr id="22" name="Straight Arrow Connector 21">
+              <a:extLst>
+                <a:ext uri="{FF2B5EF4-FFF2-40B4-BE49-F238E27FC236}">
+                  <a16:creationId xmlns:a16="http://schemas.microsoft.com/office/drawing/2014/main" id="{FA9AF300-E96F-88F4-C35D-5E7A4FAC35A8}"/>
+                </a:ext>
+              </a:extLst>
+            </p:cNvPr>
+            <p:cNvCxnSpPr>
+              <a:cxnSpLocks/>
+              <a:stCxn id="20" idx="0"/>
+              <a:endCxn id="21" idx="1"/>
+            </p:cNvCxnSpPr>
+            <p:nvPr/>
+          </p:nvCxnSpPr>
+          <p:spPr>
+            <a:xfrm flipV="1">
+              <a:off x="2862358" y="1572568"/>
+              <a:ext cx="1949149" cy="3854838"/>
+            </a:xfrm>
+            <a:prstGeom prst="straightConnector1">
+              <a:avLst/>
+            </a:prstGeom>
+            <a:ln>
+              <a:tailEnd type="none"/>
+            </a:ln>
+          </p:spPr>
+          <p:style>
+            <a:lnRef idx="2">
+              <a:schemeClr val="accent1"/>
+            </a:lnRef>
+            <a:fillRef idx="0">
+              <a:schemeClr val="accent1"/>
+            </a:fillRef>
+            <a:effectRef idx="1">
+              <a:schemeClr val="accent1"/>
+            </a:effectRef>
+            <a:fontRef idx="minor">
+              <a:schemeClr val="tx1"/>
+            </a:fontRef>
+          </p:style>
+        </p:cxnSp>
+      </p:grpSp>
+      <p:grpSp>
+        <p:nvGrpSpPr>
+          <p:cNvPr id="2" name="Group 1">
+            <a:extLst>
+              <a:ext uri="{FF2B5EF4-FFF2-40B4-BE49-F238E27FC236}">
+                <a16:creationId xmlns:a16="http://schemas.microsoft.com/office/drawing/2014/main" id="{72CFB9F8-137E-406B-968E-64C654860A0B}"/>
+              </a:ext>
+            </a:extLst>
+          </p:cNvPr>
+          <p:cNvGrpSpPr/>
+          <p:nvPr/>
+        </p:nvGrpSpPr>
+        <p:grpSpPr>
+          <a:xfrm>
+            <a:off x="3487954" y="2091498"/>
+            <a:ext cx="5557723" cy="3693261"/>
+            <a:chOff x="2349910" y="2103477"/>
+            <a:chExt cx="5557723" cy="3693261"/>
+          </a:xfrm>
+        </p:grpSpPr>
+        <p:sp>
+          <p:nvSpPr>
+            <p:cNvPr id="3" name="TextBox 2">
+              <a:extLst>
+                <a:ext uri="{FF2B5EF4-FFF2-40B4-BE49-F238E27FC236}">
+                  <a16:creationId xmlns:a16="http://schemas.microsoft.com/office/drawing/2014/main" id="{E16F04EB-ADD1-C785-F843-4455F5A9AE3E}"/>
+                </a:ext>
+              </a:extLst>
+            </p:cNvPr>
+            <p:cNvSpPr txBox="1"/>
+            <p:nvPr/>
+          </p:nvSpPr>
+          <p:spPr>
+            <a:xfrm>
+              <a:off x="2349910" y="5427406"/>
+              <a:ext cx="1024896" cy="369332"/>
+            </a:xfrm>
+            <a:prstGeom prst="rect">
+              <a:avLst/>
+            </a:prstGeom>
+            <a:solidFill>
+              <a:schemeClr val="bg1"/>
+            </a:solidFill>
+            <a:ln>
+              <a:solidFill>
+                <a:schemeClr val="tx1"/>
+              </a:solidFill>
+            </a:ln>
+          </p:spPr>
+          <p:txBody>
+            <a:bodyPr wrap="none" rtlCol="0">
+              <a:spAutoFit/>
+            </a:bodyPr>
+            <a:lstStyle/>
+            <a:p>
+              <a:pPr algn="ctr"/>
+              <a:r>
+                <a:rPr lang="en-US" dirty="0" err="1"/>
+                <a:t>par_for</a:t>
+              </a:r>
+              <a:r>
+                <a:rPr lang="en-US" dirty="0"/>
+                <a:t>()</a:t>
+              </a:r>
+              <a:endParaRPr lang="LID4096" dirty="0"/>
+            </a:p>
+          </p:txBody>
+        </p:sp>
+        <p:sp>
+          <p:nvSpPr>
+            <p:cNvPr id="15" name="TextBox 14">
+              <a:extLst>
+                <a:ext uri="{FF2B5EF4-FFF2-40B4-BE49-F238E27FC236}">
+                  <a16:creationId xmlns:a16="http://schemas.microsoft.com/office/drawing/2014/main" id="{058EE862-1BC6-F68A-7798-776F97DFE768}"/>
+                </a:ext>
+              </a:extLst>
+            </p:cNvPr>
+            <p:cNvSpPr txBox="1"/>
+            <p:nvPr/>
+          </p:nvSpPr>
+          <p:spPr>
+            <a:xfrm>
+              <a:off x="2862357" y="2103477"/>
+              <a:ext cx="5045276" cy="369332"/>
+            </a:xfrm>
+            <a:prstGeom prst="rect">
+              <a:avLst/>
+            </a:prstGeom>
+            <a:solidFill>
+              <a:schemeClr val="bg1"/>
+            </a:solidFill>
+            <a:ln>
+              <a:solidFill>
+                <a:schemeClr val="tx1"/>
+              </a:solidFill>
+            </a:ln>
+          </p:spPr>
+          <p:txBody>
+            <a:bodyPr wrap="square" rtlCol="0">
+              <a:spAutoFit/>
+            </a:bodyPr>
+            <a:lstStyle/>
+            <a:p>
+              <a:pPr algn="ctr"/>
+              <a:r>
+                <a:rPr lang="en-US" dirty="0"/>
+                <a:t>Kernel 3</a:t>
+              </a:r>
+              <a:endParaRPr lang="LID4096" dirty="0"/>
+            </a:p>
+          </p:txBody>
+        </p:sp>
+        <p:cxnSp>
+          <p:nvCxnSpPr>
+            <p:cNvPr id="17" name="Straight Arrow Connector 16">
+              <a:extLst>
+                <a:ext uri="{FF2B5EF4-FFF2-40B4-BE49-F238E27FC236}">
+                  <a16:creationId xmlns:a16="http://schemas.microsoft.com/office/drawing/2014/main" id="{0769EC8F-90D8-ABB5-875F-E41EC63A5085}"/>
+                </a:ext>
+              </a:extLst>
+            </p:cNvPr>
+            <p:cNvCxnSpPr>
+              <a:cxnSpLocks/>
+              <a:stCxn id="3" idx="0"/>
+              <a:endCxn id="15" idx="1"/>
+            </p:cNvCxnSpPr>
+            <p:nvPr/>
+          </p:nvCxnSpPr>
+          <p:spPr>
+            <a:xfrm flipH="1" flipV="1">
+              <a:off x="2862357" y="2288143"/>
+              <a:ext cx="1" cy="3139263"/>
+            </a:xfrm>
+            <a:prstGeom prst="straightConnector1">
+              <a:avLst/>
+            </a:prstGeom>
+            <a:ln>
+              <a:tailEnd type="none"/>
+            </a:ln>
+          </p:spPr>
+          <p:style>
+            <a:lnRef idx="2">
+              <a:schemeClr val="accent1"/>
+            </a:lnRef>
+            <a:fillRef idx="0">
+              <a:schemeClr val="accent1"/>
+            </a:fillRef>
+            <a:effectRef idx="1">
+              <a:schemeClr val="accent1"/>
+            </a:effectRef>
+            <a:fontRef idx="minor">
+              <a:schemeClr val="tx1"/>
+            </a:fontRef>
+          </p:style>
+        </p:cxnSp>
+      </p:grpSp>
+      <p:grpSp>
+        <p:nvGrpSpPr>
+          <p:cNvPr id="26" name="Group 25">
+            <a:extLst>
+              <a:ext uri="{FF2B5EF4-FFF2-40B4-BE49-F238E27FC236}">
+                <a16:creationId xmlns:a16="http://schemas.microsoft.com/office/drawing/2014/main" id="{B7D6F70B-FD64-2235-2BDF-98B363F435BE}"/>
+              </a:ext>
+            </a:extLst>
+          </p:cNvPr>
+          <p:cNvGrpSpPr/>
+          <p:nvPr/>
+        </p:nvGrpSpPr>
+        <p:grpSpPr>
+          <a:xfrm>
+            <a:off x="4625998" y="1378833"/>
+            <a:ext cx="3795363" cy="4405926"/>
+            <a:chOff x="2294434" y="1395417"/>
+            <a:chExt cx="3795363" cy="4405926"/>
+          </a:xfrm>
+        </p:grpSpPr>
+        <p:sp>
+          <p:nvSpPr>
+            <p:cNvPr id="28" name="TextBox 27">
+              <a:extLst>
+                <a:ext uri="{FF2B5EF4-FFF2-40B4-BE49-F238E27FC236}">
+                  <a16:creationId xmlns:a16="http://schemas.microsoft.com/office/drawing/2014/main" id="{4A9A9D43-41BF-7DB7-C2C8-1F34CCC78032}"/>
+                </a:ext>
+              </a:extLst>
+            </p:cNvPr>
+            <p:cNvSpPr txBox="1"/>
+            <p:nvPr/>
+          </p:nvSpPr>
+          <p:spPr>
+            <a:xfrm>
+              <a:off x="2294434" y="5432011"/>
+              <a:ext cx="1408719" cy="369332"/>
+            </a:xfrm>
+            <a:prstGeom prst="rect">
+              <a:avLst/>
+            </a:prstGeom>
+            <a:solidFill>
+              <a:schemeClr val="bg1"/>
+            </a:solidFill>
+            <a:ln>
+              <a:solidFill>
+                <a:schemeClr val="tx1"/>
+              </a:solidFill>
+            </a:ln>
+          </p:spPr>
+          <p:txBody>
+            <a:bodyPr wrap="none" rtlCol="0">
+              <a:spAutoFit/>
+            </a:bodyPr>
+            <a:lstStyle/>
+            <a:p>
+              <a:pPr algn="ctr"/>
+              <a:r>
+                <a:rPr lang="en-US" dirty="0" err="1"/>
+                <a:t>deep_copy</a:t>
+              </a:r>
+              <a:r>
+                <a:rPr lang="en-US" dirty="0"/>
+                <a:t>()</a:t>
+              </a:r>
+              <a:endParaRPr lang="LID4096" dirty="0"/>
+            </a:p>
+          </p:txBody>
+        </p:sp>
+        <p:sp>
+          <p:nvSpPr>
+            <p:cNvPr id="30" name="TextBox 29">
+              <a:extLst>
+                <a:ext uri="{FF2B5EF4-FFF2-40B4-BE49-F238E27FC236}">
+                  <a16:creationId xmlns:a16="http://schemas.microsoft.com/office/drawing/2014/main" id="{0EDC7E0B-1964-5E09-40FC-A8A1E2819A50}"/>
+                </a:ext>
+              </a:extLst>
+            </p:cNvPr>
+            <p:cNvSpPr txBox="1"/>
+            <p:nvPr/>
+          </p:nvSpPr>
+          <p:spPr>
+            <a:xfrm>
+              <a:off x="3944005" y="1395417"/>
+              <a:ext cx="2145792" cy="369332"/>
+            </a:xfrm>
+            <a:prstGeom prst="rect">
+              <a:avLst/>
+            </a:prstGeom>
+            <a:solidFill>
+              <a:schemeClr val="bg1"/>
+            </a:solidFill>
+            <a:ln>
+              <a:solidFill>
+                <a:schemeClr val="tx1"/>
+              </a:solidFill>
+            </a:ln>
+          </p:spPr>
+          <p:txBody>
+            <a:bodyPr wrap="square" rtlCol="0">
+              <a:spAutoFit/>
+            </a:bodyPr>
+            <a:lstStyle/>
+            <a:p>
+              <a:pPr algn="ctr"/>
+              <a:r>
+                <a:rPr lang="en-US" dirty="0"/>
+                <a:t>copying</a:t>
+              </a:r>
+              <a:endParaRPr lang="LID4096" dirty="0"/>
+            </a:p>
+          </p:txBody>
+        </p:sp>
+        <p:cxnSp>
+          <p:nvCxnSpPr>
+            <p:cNvPr id="31" name="Straight Arrow Connector 30">
+              <a:extLst>
+                <a:ext uri="{FF2B5EF4-FFF2-40B4-BE49-F238E27FC236}">
+                  <a16:creationId xmlns:a16="http://schemas.microsoft.com/office/drawing/2014/main" id="{C5E8D0AF-5389-325F-8E1A-96552A41D3B1}"/>
+                </a:ext>
+              </a:extLst>
+            </p:cNvPr>
+            <p:cNvCxnSpPr>
+              <a:cxnSpLocks/>
+              <a:stCxn id="28" idx="0"/>
+              <a:endCxn id="30" idx="1"/>
+            </p:cNvCxnSpPr>
+            <p:nvPr/>
+          </p:nvCxnSpPr>
+          <p:spPr>
+            <a:xfrm flipV="1">
+              <a:off x="2998794" y="1580083"/>
+              <a:ext cx="945211" cy="3851928"/>
+            </a:xfrm>
+            <a:prstGeom prst="straightConnector1">
+              <a:avLst/>
+            </a:prstGeom>
+            <a:ln>
+              <a:tailEnd type="none"/>
+            </a:ln>
+          </p:spPr>
+          <p:style>
+            <a:lnRef idx="2">
+              <a:schemeClr val="accent1"/>
+            </a:lnRef>
+            <a:fillRef idx="0">
+              <a:schemeClr val="accent1"/>
+            </a:fillRef>
+            <a:effectRef idx="1">
+              <a:schemeClr val="accent1"/>
+            </a:effectRef>
+            <a:fontRef idx="minor">
+              <a:schemeClr val="tx1"/>
+            </a:fontRef>
+          </p:style>
+        </p:cxnSp>
+      </p:grpSp>
+      <p:grpSp>
+        <p:nvGrpSpPr>
+          <p:cNvPr id="37" name="Group 36">
+            <a:extLst>
+              <a:ext uri="{FF2B5EF4-FFF2-40B4-BE49-F238E27FC236}">
+                <a16:creationId xmlns:a16="http://schemas.microsoft.com/office/drawing/2014/main" id="{A22EB823-3010-5477-39DF-633EC3E609A4}"/>
+              </a:ext>
+            </a:extLst>
+          </p:cNvPr>
+          <p:cNvGrpSpPr/>
+          <p:nvPr/>
+        </p:nvGrpSpPr>
+        <p:grpSpPr>
+          <a:xfrm>
+            <a:off x="7234052" y="3429000"/>
+            <a:ext cx="3817410" cy="2355759"/>
+            <a:chOff x="2349910" y="3440979"/>
+            <a:chExt cx="3817410" cy="2355759"/>
+          </a:xfrm>
+        </p:grpSpPr>
+        <p:sp>
+          <p:nvSpPr>
+            <p:cNvPr id="38" name="TextBox 37">
+              <a:extLst>
+                <a:ext uri="{FF2B5EF4-FFF2-40B4-BE49-F238E27FC236}">
+                  <a16:creationId xmlns:a16="http://schemas.microsoft.com/office/drawing/2014/main" id="{D9C2F84C-6E77-13EF-4A70-9C9C9AF7956E}"/>
+                </a:ext>
+              </a:extLst>
+            </p:cNvPr>
+            <p:cNvSpPr txBox="1"/>
+            <p:nvPr/>
+          </p:nvSpPr>
+          <p:spPr>
+            <a:xfrm>
+              <a:off x="2349910" y="5427406"/>
+              <a:ext cx="1024896" cy="369332"/>
+            </a:xfrm>
+            <a:prstGeom prst="rect">
+              <a:avLst/>
+            </a:prstGeom>
+            <a:solidFill>
+              <a:schemeClr val="bg1"/>
+            </a:solidFill>
+            <a:ln>
+              <a:solidFill>
+                <a:schemeClr val="tx1"/>
+              </a:solidFill>
+            </a:ln>
+          </p:spPr>
+          <p:txBody>
+            <a:bodyPr wrap="none" rtlCol="0">
+              <a:spAutoFit/>
+            </a:bodyPr>
+            <a:lstStyle/>
+            <a:p>
+              <a:pPr algn="ctr"/>
+              <a:r>
+                <a:rPr lang="en-US" dirty="0" err="1"/>
+                <a:t>par_for</a:t>
+              </a:r>
+              <a:r>
+                <a:rPr lang="en-US" dirty="0"/>
+                <a:t>()</a:t>
+              </a:r>
+              <a:endParaRPr lang="LID4096" dirty="0"/>
+            </a:p>
+          </p:txBody>
+        </p:sp>
+        <p:sp>
+          <p:nvSpPr>
+            <p:cNvPr id="39" name="TextBox 38">
+              <a:extLst>
+                <a:ext uri="{FF2B5EF4-FFF2-40B4-BE49-F238E27FC236}">
+                  <a16:creationId xmlns:a16="http://schemas.microsoft.com/office/drawing/2014/main" id="{27F3B308-D680-2FEC-0BD5-26876DA3A102}"/>
+                </a:ext>
+              </a:extLst>
+            </p:cNvPr>
+            <p:cNvSpPr txBox="1"/>
+            <p:nvPr/>
+          </p:nvSpPr>
+          <p:spPr>
+            <a:xfrm>
+              <a:off x="2862357" y="3440979"/>
+              <a:ext cx="3304963" cy="369332"/>
+            </a:xfrm>
+            <a:prstGeom prst="rect">
+              <a:avLst/>
+            </a:prstGeom>
+            <a:solidFill>
+              <a:schemeClr val="bg1"/>
+            </a:solidFill>
+            <a:ln>
+              <a:solidFill>
+                <a:schemeClr val="tx1"/>
+              </a:solidFill>
+            </a:ln>
+          </p:spPr>
+          <p:txBody>
+            <a:bodyPr wrap="square" rtlCol="0">
+              <a:spAutoFit/>
+            </a:bodyPr>
+            <a:lstStyle/>
+            <a:p>
+              <a:pPr algn="ctr"/>
+              <a:r>
+                <a:rPr lang="en-US" dirty="0"/>
+                <a:t>Kernel 3</a:t>
+              </a:r>
+              <a:endParaRPr lang="LID4096" dirty="0"/>
+            </a:p>
+          </p:txBody>
+        </p:sp>
+        <p:cxnSp>
+          <p:nvCxnSpPr>
+            <p:cNvPr id="40" name="Straight Arrow Connector 39">
+              <a:extLst>
+                <a:ext uri="{FF2B5EF4-FFF2-40B4-BE49-F238E27FC236}">
+                  <a16:creationId xmlns:a16="http://schemas.microsoft.com/office/drawing/2014/main" id="{ADD1CA7D-D1AB-CC62-CAC2-BBD13F866C30}"/>
+                </a:ext>
+              </a:extLst>
+            </p:cNvPr>
+            <p:cNvCxnSpPr>
+              <a:cxnSpLocks/>
+              <a:stCxn id="38" idx="0"/>
+              <a:endCxn id="39" idx="1"/>
+            </p:cNvCxnSpPr>
+            <p:nvPr/>
+          </p:nvCxnSpPr>
+          <p:spPr>
+            <a:xfrm flipH="1" flipV="1">
+              <a:off x="2862357" y="3625645"/>
+              <a:ext cx="1" cy="1801761"/>
+            </a:xfrm>
+            <a:prstGeom prst="straightConnector1">
+              <a:avLst/>
+            </a:prstGeom>
+            <a:ln>
+              <a:tailEnd type="none"/>
+            </a:ln>
+          </p:spPr>
+          <p:style>
+            <a:lnRef idx="2">
+              <a:schemeClr val="accent1"/>
+            </a:lnRef>
+            <a:fillRef idx="0">
+              <a:schemeClr val="accent1"/>
+            </a:fillRef>
+            <a:effectRef idx="1">
+              <a:schemeClr val="accent1"/>
+            </a:effectRef>
+            <a:fontRef idx="minor">
+              <a:schemeClr val="tx1"/>
+            </a:fontRef>
+          </p:style>
+        </p:cxnSp>
+      </p:grpSp>
+    </p:spTree>
+    <p:extLst>
+      <p:ext uri="{BB962C8B-B14F-4D97-AF65-F5344CB8AC3E}">
+        <p14:creationId xmlns:p14="http://schemas.microsoft.com/office/powerpoint/2010/main" val="2786242361"/>
+      </p:ext>
+    </p:extLst>
+  </p:cSld>
+  <p:clrMapOvr>
+    <a:masterClrMapping/>
+  </p:clrMapOvr>
+</p:sld>
+</file>
+
 <file path=ppt/theme/theme1.xml><?xml version="1.0" encoding="utf-8"?>
 <a:theme xmlns:a="http://schemas.openxmlformats.org/drawingml/2006/main" name="Office Theme">
   <a:themeElements>
